--- a/input/images-source/4511.pptx
+++ b/input/images-source/4511.pptx
@@ -2,18 +2,18 @@
 <file path=ppt/presentation.xml><?xml version="1.0" encoding="utf-8"?>
 <p:presentation xmlns:a="http://schemas.openxmlformats.org/drawingml/2006/main" xmlns:r="http://schemas.openxmlformats.org/officeDocument/2006/relationships" xmlns:p="http://schemas.openxmlformats.org/presentationml/2006/main" saveSubsetFonts="1">
   <p:sldMasterIdLst>
-    <p:sldMasterId id="2147483648" r:id="rId1"/>
+    <p:sldMasterId id="2147483660" r:id="rId1"/>
   </p:sldMasterIdLst>
   <p:sldIdLst>
     <p:sldId id="257" r:id="rId2"/>
   </p:sldIdLst>
-  <p:sldSz cx="12192000" cy="6858000"/>
+  <p:sldSz cx="9144000" cy="6858000" type="screen4x3"/>
   <p:notesSz cx="6858000" cy="9144000"/>
   <p:defaultTextStyle>
     <a:defPPr>
       <a:defRPr lang="en-US"/>
     </a:defPPr>
-    <a:lvl1pPr marL="0" algn="l" defTabSz="914400" rtl="0" eaLnBrk="1" latinLnBrk="0" hangingPunct="1">
+    <a:lvl1pPr marL="0" algn="l" defTabSz="457200" rtl="0" eaLnBrk="1" latinLnBrk="0" hangingPunct="1">
       <a:defRPr sz="1800" kern="1200">
         <a:solidFill>
           <a:schemeClr val="tx1"/>
@@ -23,7 +23,7 @@
         <a:cs typeface="+mn-cs"/>
       </a:defRPr>
     </a:lvl1pPr>
-    <a:lvl2pPr marL="457200" algn="l" defTabSz="914400" rtl="0" eaLnBrk="1" latinLnBrk="0" hangingPunct="1">
+    <a:lvl2pPr marL="457200" algn="l" defTabSz="457200" rtl="0" eaLnBrk="1" latinLnBrk="0" hangingPunct="1">
       <a:defRPr sz="1800" kern="1200">
         <a:solidFill>
           <a:schemeClr val="tx1"/>
@@ -33,7 +33,7 @@
         <a:cs typeface="+mn-cs"/>
       </a:defRPr>
     </a:lvl2pPr>
-    <a:lvl3pPr marL="914400" algn="l" defTabSz="914400" rtl="0" eaLnBrk="1" latinLnBrk="0" hangingPunct="1">
+    <a:lvl3pPr marL="914400" algn="l" defTabSz="457200" rtl="0" eaLnBrk="1" latinLnBrk="0" hangingPunct="1">
       <a:defRPr sz="1800" kern="1200">
         <a:solidFill>
           <a:schemeClr val="tx1"/>
@@ -43,7 +43,7 @@
         <a:cs typeface="+mn-cs"/>
       </a:defRPr>
     </a:lvl3pPr>
-    <a:lvl4pPr marL="1371600" algn="l" defTabSz="914400" rtl="0" eaLnBrk="1" latinLnBrk="0" hangingPunct="1">
+    <a:lvl4pPr marL="1371600" algn="l" defTabSz="457200" rtl="0" eaLnBrk="1" latinLnBrk="0" hangingPunct="1">
       <a:defRPr sz="1800" kern="1200">
         <a:solidFill>
           <a:schemeClr val="tx1"/>
@@ -53,7 +53,7 @@
         <a:cs typeface="+mn-cs"/>
       </a:defRPr>
     </a:lvl4pPr>
-    <a:lvl5pPr marL="1828800" algn="l" defTabSz="914400" rtl="0" eaLnBrk="1" latinLnBrk="0" hangingPunct="1">
+    <a:lvl5pPr marL="1828800" algn="l" defTabSz="457200" rtl="0" eaLnBrk="1" latinLnBrk="0" hangingPunct="1">
       <a:defRPr sz="1800" kern="1200">
         <a:solidFill>
           <a:schemeClr val="tx1"/>
@@ -63,7 +63,7 @@
         <a:cs typeface="+mn-cs"/>
       </a:defRPr>
     </a:lvl5pPr>
-    <a:lvl6pPr marL="2286000" algn="l" defTabSz="914400" rtl="0" eaLnBrk="1" latinLnBrk="0" hangingPunct="1">
+    <a:lvl6pPr marL="2286000" algn="l" defTabSz="457200" rtl="0" eaLnBrk="1" latinLnBrk="0" hangingPunct="1">
       <a:defRPr sz="1800" kern="1200">
         <a:solidFill>
           <a:schemeClr val="tx1"/>
@@ -73,7 +73,7 @@
         <a:cs typeface="+mn-cs"/>
       </a:defRPr>
     </a:lvl6pPr>
-    <a:lvl7pPr marL="2743200" algn="l" defTabSz="914400" rtl="0" eaLnBrk="1" latinLnBrk="0" hangingPunct="1">
+    <a:lvl7pPr marL="2743200" algn="l" defTabSz="457200" rtl="0" eaLnBrk="1" latinLnBrk="0" hangingPunct="1">
       <a:defRPr sz="1800" kern="1200">
         <a:solidFill>
           <a:schemeClr val="tx1"/>
@@ -83,7 +83,7 @@
         <a:cs typeface="+mn-cs"/>
       </a:defRPr>
     </a:lvl7pPr>
-    <a:lvl8pPr marL="3200400" algn="l" defTabSz="914400" rtl="0" eaLnBrk="1" latinLnBrk="0" hangingPunct="1">
+    <a:lvl8pPr marL="3200400" algn="l" defTabSz="457200" rtl="0" eaLnBrk="1" latinLnBrk="0" hangingPunct="1">
       <a:defRPr sz="1800" kern="1200">
         <a:solidFill>
           <a:schemeClr val="tx1"/>
@@ -93,7 +93,7 @@
         <a:cs typeface="+mn-cs"/>
       </a:defRPr>
     </a:lvl8pPr>
-    <a:lvl9pPr marL="3657600" algn="l" defTabSz="914400" rtl="0" eaLnBrk="1" latinLnBrk="0" hangingPunct="1">
+    <a:lvl9pPr marL="3657600" algn="l" defTabSz="457200" rtl="0" eaLnBrk="1" latinLnBrk="0" hangingPunct="1">
       <a:defRPr sz="1800" kern="1200">
         <a:solidFill>
           <a:schemeClr val="tx1"/>
@@ -104,6 +104,11 @@
       </a:defRPr>
     </a:lvl9pPr>
   </p:defaultTextStyle>
+  <p:extLst>
+    <p:ext uri="{EFAFB233-063F-42B5-8137-9DF3F51BA10A}">
+      <p15:sldGuideLst xmlns:p15="http://schemas.microsoft.com/office/powerpoint/2012/main"/>
+    </p:ext>
+  </p:extLst>
 </p:presentation>
 </file>
 
@@ -126,13 +131,7 @@
       </p:grpSpPr>
       <p:sp>
         <p:nvSpPr>
-          <p:cNvPr id="2" name="Title 1">
-            <a:extLst>
-              <a:ext uri="{FF2B5EF4-FFF2-40B4-BE49-F238E27FC236}">
-                <a16:creationId xmlns:a16="http://schemas.microsoft.com/office/drawing/2014/main" id="{768119A5-9F3A-BBF9-B0B0-DBE069A97BB2}"/>
-              </a:ext>
-            </a:extLst>
-          </p:cNvPr>
+          <p:cNvPr id="2" name="Title 1"/>
           <p:cNvSpPr>
             <a:spLocks noGrp="1"/>
           </p:cNvSpPr>
@@ -142,8 +141,8 @@
         </p:nvSpPr>
         <p:spPr>
           <a:xfrm>
-            <a:off x="1524000" y="1122363"/>
-            <a:ext cx="9144000" cy="2387600"/>
+            <a:off x="685800" y="1122363"/>
+            <a:ext cx="7772400" cy="2387600"/>
           </a:xfrm>
         </p:spPr>
         <p:txBody>
@@ -158,18 +157,13 @@
               <a:rPr lang="en-US"/>
               <a:t>Click to edit Master title style</a:t>
             </a:r>
-          </a:p>
-        </p:txBody>
-      </p:sp>
-      <p:sp>
-        <p:nvSpPr>
-          <p:cNvPr id="3" name="Subtitle 2">
-            <a:extLst>
-              <a:ext uri="{FF2B5EF4-FFF2-40B4-BE49-F238E27FC236}">
-                <a16:creationId xmlns:a16="http://schemas.microsoft.com/office/drawing/2014/main" id="{34DBCBF9-690F-762F-E76B-A7EE4EA90484}"/>
-              </a:ext>
-            </a:extLst>
-          </p:cNvPr>
+            <a:endParaRPr lang="en-US" dirty="0"/>
+          </a:p>
+        </p:txBody>
+      </p:sp>
+      <p:sp>
+        <p:nvSpPr>
+          <p:cNvPr id="3" name="Subtitle 2"/>
           <p:cNvSpPr>
             <a:spLocks noGrp="1"/>
           </p:cNvSpPr>
@@ -179,8 +173,8 @@
         </p:nvSpPr>
         <p:spPr>
           <a:xfrm>
-            <a:off x="1524000" y="3602038"/>
-            <a:ext cx="9144000" cy="1655762"/>
+            <a:off x="1143000" y="3602038"/>
+            <a:ext cx="6858000" cy="1655762"/>
           </a:xfrm>
         </p:spPr>
         <p:txBody>
@@ -228,18 +222,13 @@
               <a:rPr lang="en-US"/>
               <a:t>Click to edit Master subtitle style</a:t>
             </a:r>
-          </a:p>
-        </p:txBody>
-      </p:sp>
-      <p:sp>
-        <p:nvSpPr>
-          <p:cNvPr id="4" name="Date Placeholder 3">
-            <a:extLst>
-              <a:ext uri="{FF2B5EF4-FFF2-40B4-BE49-F238E27FC236}">
-                <a16:creationId xmlns:a16="http://schemas.microsoft.com/office/drawing/2014/main" id="{8F0135D7-6D31-7392-EF1A-2E360211660B}"/>
-              </a:ext>
-            </a:extLst>
-          </p:cNvPr>
+            <a:endParaRPr lang="en-US" dirty="0"/>
+          </a:p>
+        </p:txBody>
+      </p:sp>
+      <p:sp>
+        <p:nvSpPr>
+          <p:cNvPr id="4" name="Date Placeholder 3"/>
           <p:cNvSpPr>
             <a:spLocks noGrp="1"/>
           </p:cNvSpPr>
@@ -254,7 +243,7 @@
           <a:p>
             <a:fld id="{B8C6CBBE-F770-4795-B5F3-C579CF4D8362}" type="datetimeFigureOut">
               <a:rPr lang="en-US" smtClean="0"/>
-              <a:t>1/6/2023</a:t>
+              <a:t>1/12/2023</a:t>
             </a:fld>
             <a:endParaRPr lang="en-US"/>
           </a:p>
@@ -262,13 +251,7 @@
       </p:sp>
       <p:sp>
         <p:nvSpPr>
-          <p:cNvPr id="5" name="Footer Placeholder 4">
-            <a:extLst>
-              <a:ext uri="{FF2B5EF4-FFF2-40B4-BE49-F238E27FC236}">
-                <a16:creationId xmlns:a16="http://schemas.microsoft.com/office/drawing/2014/main" id="{D4C5F95E-9017-CCBF-2A0D-9C7830D6942E}"/>
-              </a:ext>
-            </a:extLst>
-          </p:cNvPr>
+          <p:cNvPr id="5" name="Footer Placeholder 4"/>
           <p:cNvSpPr>
             <a:spLocks noGrp="1"/>
           </p:cNvSpPr>
@@ -287,13 +270,7 @@
       </p:sp>
       <p:sp>
         <p:nvSpPr>
-          <p:cNvPr id="6" name="Slide Number Placeholder 5">
-            <a:extLst>
-              <a:ext uri="{FF2B5EF4-FFF2-40B4-BE49-F238E27FC236}">
-                <a16:creationId xmlns:a16="http://schemas.microsoft.com/office/drawing/2014/main" id="{AA19B6A4-AC15-70F6-A1EC-AFCF400BAD7C}"/>
-              </a:ext>
-            </a:extLst>
-          </p:cNvPr>
+          <p:cNvPr id="6" name="Slide Number Placeholder 5"/>
           <p:cNvSpPr>
             <a:spLocks noGrp="1"/>
           </p:cNvSpPr>
@@ -317,7 +294,7 @@
     </p:spTree>
     <p:extLst>
       <p:ext uri="{BB962C8B-B14F-4D97-AF65-F5344CB8AC3E}">
-        <p14:creationId xmlns:p14="http://schemas.microsoft.com/office/powerpoint/2010/main" val="4091394616"/>
+        <p14:creationId xmlns:p14="http://schemas.microsoft.com/office/powerpoint/2010/main" val="2322356864"/>
       </p:ext>
     </p:extLst>
   </p:cSld>
@@ -346,13 +323,7 @@
       </p:grpSpPr>
       <p:sp>
         <p:nvSpPr>
-          <p:cNvPr id="2" name="Title 1">
-            <a:extLst>
-              <a:ext uri="{FF2B5EF4-FFF2-40B4-BE49-F238E27FC236}">
-                <a16:creationId xmlns:a16="http://schemas.microsoft.com/office/drawing/2014/main" id="{C29A64B0-039B-A2D1-B110-51EE5533466D}"/>
-              </a:ext>
-            </a:extLst>
-          </p:cNvPr>
+          <p:cNvPr id="2" name="Title 1"/>
           <p:cNvSpPr>
             <a:spLocks noGrp="1"/>
           </p:cNvSpPr>
@@ -369,18 +340,13 @@
               <a:rPr lang="en-US"/>
               <a:t>Click to edit Master title style</a:t>
             </a:r>
-          </a:p>
-        </p:txBody>
-      </p:sp>
-      <p:sp>
-        <p:nvSpPr>
-          <p:cNvPr id="3" name="Vertical Text Placeholder 2">
-            <a:extLst>
-              <a:ext uri="{FF2B5EF4-FFF2-40B4-BE49-F238E27FC236}">
-                <a16:creationId xmlns:a16="http://schemas.microsoft.com/office/drawing/2014/main" id="{4294FA87-E0B8-AF44-7F3A-A5E6C086634E}"/>
-              </a:ext>
-            </a:extLst>
-          </p:cNvPr>
+            <a:endParaRPr lang="en-US" dirty="0"/>
+          </a:p>
+        </p:txBody>
+      </p:sp>
+      <p:sp>
+        <p:nvSpPr>
+          <p:cNvPr id="3" name="Vertical Text Placeholder 2"/>
           <p:cNvSpPr>
             <a:spLocks noGrp="1"/>
           </p:cNvSpPr>
@@ -426,18 +392,13 @@
               <a:rPr lang="en-US"/>
               <a:t>Fifth level</a:t>
             </a:r>
-          </a:p>
-        </p:txBody>
-      </p:sp>
-      <p:sp>
-        <p:nvSpPr>
-          <p:cNvPr id="4" name="Date Placeholder 3">
-            <a:extLst>
-              <a:ext uri="{FF2B5EF4-FFF2-40B4-BE49-F238E27FC236}">
-                <a16:creationId xmlns:a16="http://schemas.microsoft.com/office/drawing/2014/main" id="{1BA02248-BC5B-0F0D-8E16-1B9F39710CD3}"/>
-              </a:ext>
-            </a:extLst>
-          </p:cNvPr>
+            <a:endParaRPr lang="en-US" dirty="0"/>
+          </a:p>
+        </p:txBody>
+      </p:sp>
+      <p:sp>
+        <p:nvSpPr>
+          <p:cNvPr id="4" name="Date Placeholder 3"/>
           <p:cNvSpPr>
             <a:spLocks noGrp="1"/>
           </p:cNvSpPr>
@@ -452,7 +413,7 @@
           <a:p>
             <a:fld id="{B8C6CBBE-F770-4795-B5F3-C579CF4D8362}" type="datetimeFigureOut">
               <a:rPr lang="en-US" smtClean="0"/>
-              <a:t>1/6/2023</a:t>
+              <a:t>1/12/2023</a:t>
             </a:fld>
             <a:endParaRPr lang="en-US"/>
           </a:p>
@@ -460,13 +421,7 @@
       </p:sp>
       <p:sp>
         <p:nvSpPr>
-          <p:cNvPr id="5" name="Footer Placeholder 4">
-            <a:extLst>
-              <a:ext uri="{FF2B5EF4-FFF2-40B4-BE49-F238E27FC236}">
-                <a16:creationId xmlns:a16="http://schemas.microsoft.com/office/drawing/2014/main" id="{93B66019-BB22-58CA-282E-6C0FE290FDF4}"/>
-              </a:ext>
-            </a:extLst>
-          </p:cNvPr>
+          <p:cNvPr id="5" name="Footer Placeholder 4"/>
           <p:cNvSpPr>
             <a:spLocks noGrp="1"/>
           </p:cNvSpPr>
@@ -485,13 +440,7 @@
       </p:sp>
       <p:sp>
         <p:nvSpPr>
-          <p:cNvPr id="6" name="Slide Number Placeholder 5">
-            <a:extLst>
-              <a:ext uri="{FF2B5EF4-FFF2-40B4-BE49-F238E27FC236}">
-                <a16:creationId xmlns:a16="http://schemas.microsoft.com/office/drawing/2014/main" id="{17B81B48-16A7-9FB9-53D4-B9C3A3CF22BD}"/>
-              </a:ext>
-            </a:extLst>
-          </p:cNvPr>
+          <p:cNvPr id="6" name="Slide Number Placeholder 5"/>
           <p:cNvSpPr>
             <a:spLocks noGrp="1"/>
           </p:cNvSpPr>
@@ -515,7 +464,7 @@
     </p:spTree>
     <p:extLst>
       <p:ext uri="{BB962C8B-B14F-4D97-AF65-F5344CB8AC3E}">
-        <p14:creationId xmlns:p14="http://schemas.microsoft.com/office/powerpoint/2010/main" val="1347527760"/>
+        <p14:creationId xmlns:p14="http://schemas.microsoft.com/office/powerpoint/2010/main" val="1594197798"/>
       </p:ext>
     </p:extLst>
   </p:cSld>
@@ -544,13 +493,7 @@
       </p:grpSpPr>
       <p:sp>
         <p:nvSpPr>
-          <p:cNvPr id="2" name="Vertical Title 1">
-            <a:extLst>
-              <a:ext uri="{FF2B5EF4-FFF2-40B4-BE49-F238E27FC236}">
-                <a16:creationId xmlns:a16="http://schemas.microsoft.com/office/drawing/2014/main" id="{C063C0FE-7C25-FF6E-C989-9467B88818DA}"/>
-              </a:ext>
-            </a:extLst>
-          </p:cNvPr>
+          <p:cNvPr id="2" name="Vertical Title 1"/>
           <p:cNvSpPr>
             <a:spLocks noGrp="1"/>
           </p:cNvSpPr>
@@ -560,8 +503,8 @@
         </p:nvSpPr>
         <p:spPr>
           <a:xfrm>
-            <a:off x="8724900" y="365125"/>
-            <a:ext cx="2628900" cy="5811838"/>
+            <a:off x="6543675" y="365125"/>
+            <a:ext cx="1971675" cy="5811838"/>
           </a:xfrm>
         </p:spPr>
         <p:txBody>
@@ -572,18 +515,13 @@
               <a:rPr lang="en-US"/>
               <a:t>Click to edit Master title style</a:t>
             </a:r>
-          </a:p>
-        </p:txBody>
-      </p:sp>
-      <p:sp>
-        <p:nvSpPr>
-          <p:cNvPr id="3" name="Vertical Text Placeholder 2">
-            <a:extLst>
-              <a:ext uri="{FF2B5EF4-FFF2-40B4-BE49-F238E27FC236}">
-                <a16:creationId xmlns:a16="http://schemas.microsoft.com/office/drawing/2014/main" id="{A738116C-05F6-B0F2-B78D-1D9D487E53BE}"/>
-              </a:ext>
-            </a:extLst>
-          </p:cNvPr>
+            <a:endParaRPr lang="en-US" dirty="0"/>
+          </a:p>
+        </p:txBody>
+      </p:sp>
+      <p:sp>
+        <p:nvSpPr>
+          <p:cNvPr id="3" name="Vertical Text Placeholder 2"/>
           <p:cNvSpPr>
             <a:spLocks noGrp="1"/>
           </p:cNvSpPr>
@@ -593,8 +531,8 @@
         </p:nvSpPr>
         <p:spPr>
           <a:xfrm>
-            <a:off x="838200" y="365125"/>
-            <a:ext cx="7734300" cy="5811838"/>
+            <a:off x="628650" y="365125"/>
+            <a:ext cx="5800725" cy="5811838"/>
           </a:xfrm>
         </p:spPr>
         <p:txBody>
@@ -634,18 +572,13 @@
               <a:rPr lang="en-US"/>
               <a:t>Fifth level</a:t>
             </a:r>
-          </a:p>
-        </p:txBody>
-      </p:sp>
-      <p:sp>
-        <p:nvSpPr>
-          <p:cNvPr id="4" name="Date Placeholder 3">
-            <a:extLst>
-              <a:ext uri="{FF2B5EF4-FFF2-40B4-BE49-F238E27FC236}">
-                <a16:creationId xmlns:a16="http://schemas.microsoft.com/office/drawing/2014/main" id="{B3B16F56-801F-EA14-8C4C-C3ADED30FAEA}"/>
-              </a:ext>
-            </a:extLst>
-          </p:cNvPr>
+            <a:endParaRPr lang="en-US" dirty="0"/>
+          </a:p>
+        </p:txBody>
+      </p:sp>
+      <p:sp>
+        <p:nvSpPr>
+          <p:cNvPr id="4" name="Date Placeholder 3"/>
           <p:cNvSpPr>
             <a:spLocks noGrp="1"/>
           </p:cNvSpPr>
@@ -660,7 +593,7 @@
           <a:p>
             <a:fld id="{B8C6CBBE-F770-4795-B5F3-C579CF4D8362}" type="datetimeFigureOut">
               <a:rPr lang="en-US" smtClean="0"/>
-              <a:t>1/6/2023</a:t>
+              <a:t>1/12/2023</a:t>
             </a:fld>
             <a:endParaRPr lang="en-US"/>
           </a:p>
@@ -668,13 +601,7 @@
       </p:sp>
       <p:sp>
         <p:nvSpPr>
-          <p:cNvPr id="5" name="Footer Placeholder 4">
-            <a:extLst>
-              <a:ext uri="{FF2B5EF4-FFF2-40B4-BE49-F238E27FC236}">
-                <a16:creationId xmlns:a16="http://schemas.microsoft.com/office/drawing/2014/main" id="{E3EBEFF7-1E92-59A4-EEB0-45C7C8FE9598}"/>
-              </a:ext>
-            </a:extLst>
-          </p:cNvPr>
+          <p:cNvPr id="5" name="Footer Placeholder 4"/>
           <p:cNvSpPr>
             <a:spLocks noGrp="1"/>
           </p:cNvSpPr>
@@ -693,13 +620,7 @@
       </p:sp>
       <p:sp>
         <p:nvSpPr>
-          <p:cNvPr id="6" name="Slide Number Placeholder 5">
-            <a:extLst>
-              <a:ext uri="{FF2B5EF4-FFF2-40B4-BE49-F238E27FC236}">
-                <a16:creationId xmlns:a16="http://schemas.microsoft.com/office/drawing/2014/main" id="{36E091D7-93A8-4AB4-6CAA-C8F8F73911EC}"/>
-              </a:ext>
-            </a:extLst>
-          </p:cNvPr>
+          <p:cNvPr id="6" name="Slide Number Placeholder 5"/>
           <p:cNvSpPr>
             <a:spLocks noGrp="1"/>
           </p:cNvSpPr>
@@ -723,7 +644,7 @@
     </p:spTree>
     <p:extLst>
       <p:ext uri="{BB962C8B-B14F-4D97-AF65-F5344CB8AC3E}">
-        <p14:creationId xmlns:p14="http://schemas.microsoft.com/office/powerpoint/2010/main" val="2705657000"/>
+        <p14:creationId xmlns:p14="http://schemas.microsoft.com/office/powerpoint/2010/main" val="3846495602"/>
       </p:ext>
     </p:extLst>
   </p:cSld>
@@ -752,13 +673,7 @@
       </p:grpSpPr>
       <p:sp>
         <p:nvSpPr>
-          <p:cNvPr id="2" name="Title 1">
-            <a:extLst>
-              <a:ext uri="{FF2B5EF4-FFF2-40B4-BE49-F238E27FC236}">
-                <a16:creationId xmlns:a16="http://schemas.microsoft.com/office/drawing/2014/main" id="{326B24CA-9437-C08D-2B5C-0E0EE7A691CF}"/>
-              </a:ext>
-            </a:extLst>
-          </p:cNvPr>
+          <p:cNvPr id="2" name="Title 1"/>
           <p:cNvSpPr>
             <a:spLocks noGrp="1"/>
           </p:cNvSpPr>
@@ -775,18 +690,13 @@
               <a:rPr lang="en-US"/>
               <a:t>Click to edit Master title style</a:t>
             </a:r>
-          </a:p>
-        </p:txBody>
-      </p:sp>
-      <p:sp>
-        <p:nvSpPr>
-          <p:cNvPr id="3" name="Content Placeholder 2">
-            <a:extLst>
-              <a:ext uri="{FF2B5EF4-FFF2-40B4-BE49-F238E27FC236}">
-                <a16:creationId xmlns:a16="http://schemas.microsoft.com/office/drawing/2014/main" id="{38BF7097-C54C-F5D1-F8F8-279E0BF7180E}"/>
-              </a:ext>
-            </a:extLst>
-          </p:cNvPr>
+            <a:endParaRPr lang="en-US" dirty="0"/>
+          </a:p>
+        </p:txBody>
+      </p:sp>
+      <p:sp>
+        <p:nvSpPr>
+          <p:cNvPr id="3" name="Content Placeholder 2"/>
           <p:cNvSpPr>
             <a:spLocks noGrp="1"/>
           </p:cNvSpPr>
@@ -832,18 +742,13 @@
               <a:rPr lang="en-US"/>
               <a:t>Fifth level</a:t>
             </a:r>
-          </a:p>
-        </p:txBody>
-      </p:sp>
-      <p:sp>
-        <p:nvSpPr>
-          <p:cNvPr id="4" name="Date Placeholder 3">
-            <a:extLst>
-              <a:ext uri="{FF2B5EF4-FFF2-40B4-BE49-F238E27FC236}">
-                <a16:creationId xmlns:a16="http://schemas.microsoft.com/office/drawing/2014/main" id="{CB751E30-BF11-29D6-54C6-05CAD157BC04}"/>
-              </a:ext>
-            </a:extLst>
-          </p:cNvPr>
+            <a:endParaRPr lang="en-US" dirty="0"/>
+          </a:p>
+        </p:txBody>
+      </p:sp>
+      <p:sp>
+        <p:nvSpPr>
+          <p:cNvPr id="4" name="Date Placeholder 3"/>
           <p:cNvSpPr>
             <a:spLocks noGrp="1"/>
           </p:cNvSpPr>
@@ -858,7 +763,7 @@
           <a:p>
             <a:fld id="{B8C6CBBE-F770-4795-B5F3-C579CF4D8362}" type="datetimeFigureOut">
               <a:rPr lang="en-US" smtClean="0"/>
-              <a:t>1/6/2023</a:t>
+              <a:t>1/12/2023</a:t>
             </a:fld>
             <a:endParaRPr lang="en-US"/>
           </a:p>
@@ -866,13 +771,7 @@
       </p:sp>
       <p:sp>
         <p:nvSpPr>
-          <p:cNvPr id="5" name="Footer Placeholder 4">
-            <a:extLst>
-              <a:ext uri="{FF2B5EF4-FFF2-40B4-BE49-F238E27FC236}">
-                <a16:creationId xmlns:a16="http://schemas.microsoft.com/office/drawing/2014/main" id="{093ACFCA-165F-34C0-925A-1E8D42E04EEC}"/>
-              </a:ext>
-            </a:extLst>
-          </p:cNvPr>
+          <p:cNvPr id="5" name="Footer Placeholder 4"/>
           <p:cNvSpPr>
             <a:spLocks noGrp="1"/>
           </p:cNvSpPr>
@@ -891,13 +790,7 @@
       </p:sp>
       <p:sp>
         <p:nvSpPr>
-          <p:cNvPr id="6" name="Slide Number Placeholder 5">
-            <a:extLst>
-              <a:ext uri="{FF2B5EF4-FFF2-40B4-BE49-F238E27FC236}">
-                <a16:creationId xmlns:a16="http://schemas.microsoft.com/office/drawing/2014/main" id="{F0926688-F0AE-7B33-D250-C36F8500A88A}"/>
-              </a:ext>
-            </a:extLst>
-          </p:cNvPr>
+          <p:cNvPr id="6" name="Slide Number Placeholder 5"/>
           <p:cNvSpPr>
             <a:spLocks noGrp="1"/>
           </p:cNvSpPr>
@@ -921,7 +814,7 @@
     </p:spTree>
     <p:extLst>
       <p:ext uri="{BB962C8B-B14F-4D97-AF65-F5344CB8AC3E}">
-        <p14:creationId xmlns:p14="http://schemas.microsoft.com/office/powerpoint/2010/main" val="1298523911"/>
+        <p14:creationId xmlns:p14="http://schemas.microsoft.com/office/powerpoint/2010/main" val="2091517311"/>
       </p:ext>
     </p:extLst>
   </p:cSld>
@@ -950,13 +843,7 @@
       </p:grpSpPr>
       <p:sp>
         <p:nvSpPr>
-          <p:cNvPr id="2" name="Title 1">
-            <a:extLst>
-              <a:ext uri="{FF2B5EF4-FFF2-40B4-BE49-F238E27FC236}">
-                <a16:creationId xmlns:a16="http://schemas.microsoft.com/office/drawing/2014/main" id="{4A84D7B9-08EE-5C66-9025-51CD34B98755}"/>
-              </a:ext>
-            </a:extLst>
-          </p:cNvPr>
+          <p:cNvPr id="2" name="Title 1"/>
           <p:cNvSpPr>
             <a:spLocks noGrp="1"/>
           </p:cNvSpPr>
@@ -966,8 +853,8 @@
         </p:nvSpPr>
         <p:spPr>
           <a:xfrm>
-            <a:off x="831850" y="1709738"/>
-            <a:ext cx="10515600" cy="2852737"/>
+            <a:off x="623888" y="1709739"/>
+            <a:ext cx="7886700" cy="2852737"/>
           </a:xfrm>
         </p:spPr>
         <p:txBody>
@@ -982,18 +869,13 @@
               <a:rPr lang="en-US"/>
               <a:t>Click to edit Master title style</a:t>
             </a:r>
-          </a:p>
-        </p:txBody>
-      </p:sp>
-      <p:sp>
-        <p:nvSpPr>
-          <p:cNvPr id="3" name="Text Placeholder 2">
-            <a:extLst>
-              <a:ext uri="{FF2B5EF4-FFF2-40B4-BE49-F238E27FC236}">
-                <a16:creationId xmlns:a16="http://schemas.microsoft.com/office/drawing/2014/main" id="{3CCBCF65-D2EE-6BE3-4672-EC595FE7644F}"/>
-              </a:ext>
-            </a:extLst>
-          </p:cNvPr>
+            <a:endParaRPr lang="en-US" dirty="0"/>
+          </a:p>
+        </p:txBody>
+      </p:sp>
+      <p:sp>
+        <p:nvSpPr>
+          <p:cNvPr id="3" name="Text Placeholder 2"/>
           <p:cNvSpPr>
             <a:spLocks noGrp="1"/>
           </p:cNvSpPr>
@@ -1003,8 +885,8 @@
         </p:nvSpPr>
         <p:spPr>
           <a:xfrm>
-            <a:off x="831850" y="4589463"/>
-            <a:ext cx="10515600" cy="1500187"/>
+            <a:off x="623888" y="4589464"/>
+            <a:ext cx="7886700" cy="1500187"/>
           </a:xfrm>
         </p:spPr>
         <p:txBody>
@@ -1014,9 +896,7 @@
               <a:buNone/>
               <a:defRPr sz="2400">
                 <a:solidFill>
-                  <a:schemeClr val="tx1">
-                    <a:tint val="75000"/>
-                  </a:schemeClr>
+                  <a:schemeClr val="tx1"/>
                 </a:solidFill>
               </a:defRPr>
             </a:lvl1pPr>
@@ -1112,13 +992,7 @@
       </p:sp>
       <p:sp>
         <p:nvSpPr>
-          <p:cNvPr id="4" name="Date Placeholder 3">
-            <a:extLst>
-              <a:ext uri="{FF2B5EF4-FFF2-40B4-BE49-F238E27FC236}">
-                <a16:creationId xmlns:a16="http://schemas.microsoft.com/office/drawing/2014/main" id="{83743CF9-84E1-4749-C5CC-B62477A80842}"/>
-              </a:ext>
-            </a:extLst>
-          </p:cNvPr>
+          <p:cNvPr id="4" name="Date Placeholder 3"/>
           <p:cNvSpPr>
             <a:spLocks noGrp="1"/>
           </p:cNvSpPr>
@@ -1133,7 +1007,7 @@
           <a:p>
             <a:fld id="{B8C6CBBE-F770-4795-B5F3-C579CF4D8362}" type="datetimeFigureOut">
               <a:rPr lang="en-US" smtClean="0"/>
-              <a:t>1/6/2023</a:t>
+              <a:t>1/12/2023</a:t>
             </a:fld>
             <a:endParaRPr lang="en-US"/>
           </a:p>
@@ -1141,13 +1015,7 @@
       </p:sp>
       <p:sp>
         <p:nvSpPr>
-          <p:cNvPr id="5" name="Footer Placeholder 4">
-            <a:extLst>
-              <a:ext uri="{FF2B5EF4-FFF2-40B4-BE49-F238E27FC236}">
-                <a16:creationId xmlns:a16="http://schemas.microsoft.com/office/drawing/2014/main" id="{4D26CB4D-7BC2-56D9-9AEA-A1046024BB5C}"/>
-              </a:ext>
-            </a:extLst>
-          </p:cNvPr>
+          <p:cNvPr id="5" name="Footer Placeholder 4"/>
           <p:cNvSpPr>
             <a:spLocks noGrp="1"/>
           </p:cNvSpPr>
@@ -1166,13 +1034,7 @@
       </p:sp>
       <p:sp>
         <p:nvSpPr>
-          <p:cNvPr id="6" name="Slide Number Placeholder 5">
-            <a:extLst>
-              <a:ext uri="{FF2B5EF4-FFF2-40B4-BE49-F238E27FC236}">
-                <a16:creationId xmlns:a16="http://schemas.microsoft.com/office/drawing/2014/main" id="{179984DC-0462-732F-7E64-2E303E2D486E}"/>
-              </a:ext>
-            </a:extLst>
-          </p:cNvPr>
+          <p:cNvPr id="6" name="Slide Number Placeholder 5"/>
           <p:cNvSpPr>
             <a:spLocks noGrp="1"/>
           </p:cNvSpPr>
@@ -1196,7 +1058,7 @@
     </p:spTree>
     <p:extLst>
       <p:ext uri="{BB962C8B-B14F-4D97-AF65-F5344CB8AC3E}">
-        <p14:creationId xmlns:p14="http://schemas.microsoft.com/office/powerpoint/2010/main" val="3684964980"/>
+        <p14:creationId xmlns:p14="http://schemas.microsoft.com/office/powerpoint/2010/main" val="1843696030"/>
       </p:ext>
     </p:extLst>
   </p:cSld>
@@ -1225,13 +1087,7 @@
       </p:grpSpPr>
       <p:sp>
         <p:nvSpPr>
-          <p:cNvPr id="2" name="Title 1">
-            <a:extLst>
-              <a:ext uri="{FF2B5EF4-FFF2-40B4-BE49-F238E27FC236}">
-                <a16:creationId xmlns:a16="http://schemas.microsoft.com/office/drawing/2014/main" id="{F80D1CE4-DF49-776F-6729-84AB11E8F11B}"/>
-              </a:ext>
-            </a:extLst>
-          </p:cNvPr>
+          <p:cNvPr id="2" name="Title 1"/>
           <p:cNvSpPr>
             <a:spLocks noGrp="1"/>
           </p:cNvSpPr>
@@ -1248,18 +1104,13 @@
               <a:rPr lang="en-US"/>
               <a:t>Click to edit Master title style</a:t>
             </a:r>
-          </a:p>
-        </p:txBody>
-      </p:sp>
-      <p:sp>
-        <p:nvSpPr>
-          <p:cNvPr id="3" name="Content Placeholder 2">
-            <a:extLst>
-              <a:ext uri="{FF2B5EF4-FFF2-40B4-BE49-F238E27FC236}">
-                <a16:creationId xmlns:a16="http://schemas.microsoft.com/office/drawing/2014/main" id="{FC091ACD-9BF2-F437-8DBD-CC407E9676C5}"/>
-              </a:ext>
-            </a:extLst>
-          </p:cNvPr>
+            <a:endParaRPr lang="en-US" dirty="0"/>
+          </a:p>
+        </p:txBody>
+      </p:sp>
+      <p:sp>
+        <p:nvSpPr>
+          <p:cNvPr id="3" name="Content Placeholder 2"/>
           <p:cNvSpPr>
             <a:spLocks noGrp="1"/>
           </p:cNvSpPr>
@@ -1269,8 +1120,8 @@
         </p:nvSpPr>
         <p:spPr>
           <a:xfrm>
-            <a:off x="838200" y="1825625"/>
-            <a:ext cx="5181600" cy="4351338"/>
+            <a:off x="628650" y="1825625"/>
+            <a:ext cx="3886200" cy="4351338"/>
           </a:xfrm>
         </p:spPr>
         <p:txBody>
@@ -1310,18 +1161,13 @@
               <a:rPr lang="en-US"/>
               <a:t>Fifth level</a:t>
             </a:r>
-          </a:p>
-        </p:txBody>
-      </p:sp>
-      <p:sp>
-        <p:nvSpPr>
-          <p:cNvPr id="4" name="Content Placeholder 3">
-            <a:extLst>
-              <a:ext uri="{FF2B5EF4-FFF2-40B4-BE49-F238E27FC236}">
-                <a16:creationId xmlns:a16="http://schemas.microsoft.com/office/drawing/2014/main" id="{25A72138-4FF4-8340-585C-B87436E78FB5}"/>
-              </a:ext>
-            </a:extLst>
-          </p:cNvPr>
+            <a:endParaRPr lang="en-US" dirty="0"/>
+          </a:p>
+        </p:txBody>
+      </p:sp>
+      <p:sp>
+        <p:nvSpPr>
+          <p:cNvPr id="4" name="Content Placeholder 3"/>
           <p:cNvSpPr>
             <a:spLocks noGrp="1"/>
           </p:cNvSpPr>
@@ -1331,8 +1177,8 @@
         </p:nvSpPr>
         <p:spPr>
           <a:xfrm>
-            <a:off x="6172200" y="1825625"/>
-            <a:ext cx="5181600" cy="4351338"/>
+            <a:off x="4629150" y="1825625"/>
+            <a:ext cx="3886200" cy="4351338"/>
           </a:xfrm>
         </p:spPr>
         <p:txBody>
@@ -1372,18 +1218,13 @@
               <a:rPr lang="en-US"/>
               <a:t>Fifth level</a:t>
             </a:r>
-          </a:p>
-        </p:txBody>
-      </p:sp>
-      <p:sp>
-        <p:nvSpPr>
-          <p:cNvPr id="5" name="Date Placeholder 4">
-            <a:extLst>
-              <a:ext uri="{FF2B5EF4-FFF2-40B4-BE49-F238E27FC236}">
-                <a16:creationId xmlns:a16="http://schemas.microsoft.com/office/drawing/2014/main" id="{12BE2442-C27D-118B-7964-E43FCDEE4161}"/>
-              </a:ext>
-            </a:extLst>
-          </p:cNvPr>
+            <a:endParaRPr lang="en-US" dirty="0"/>
+          </a:p>
+        </p:txBody>
+      </p:sp>
+      <p:sp>
+        <p:nvSpPr>
+          <p:cNvPr id="5" name="Date Placeholder 4"/>
           <p:cNvSpPr>
             <a:spLocks noGrp="1"/>
           </p:cNvSpPr>
@@ -1398,7 +1239,7 @@
           <a:p>
             <a:fld id="{B8C6CBBE-F770-4795-B5F3-C579CF4D8362}" type="datetimeFigureOut">
               <a:rPr lang="en-US" smtClean="0"/>
-              <a:t>1/6/2023</a:t>
+              <a:t>1/12/2023</a:t>
             </a:fld>
             <a:endParaRPr lang="en-US"/>
           </a:p>
@@ -1406,13 +1247,7 @@
       </p:sp>
       <p:sp>
         <p:nvSpPr>
-          <p:cNvPr id="6" name="Footer Placeholder 5">
-            <a:extLst>
-              <a:ext uri="{FF2B5EF4-FFF2-40B4-BE49-F238E27FC236}">
-                <a16:creationId xmlns:a16="http://schemas.microsoft.com/office/drawing/2014/main" id="{0A6DAC70-5F8F-184F-E437-89C67189ACA7}"/>
-              </a:ext>
-            </a:extLst>
-          </p:cNvPr>
+          <p:cNvPr id="6" name="Footer Placeholder 5"/>
           <p:cNvSpPr>
             <a:spLocks noGrp="1"/>
           </p:cNvSpPr>
@@ -1431,13 +1266,7 @@
       </p:sp>
       <p:sp>
         <p:nvSpPr>
-          <p:cNvPr id="7" name="Slide Number Placeholder 6">
-            <a:extLst>
-              <a:ext uri="{FF2B5EF4-FFF2-40B4-BE49-F238E27FC236}">
-                <a16:creationId xmlns:a16="http://schemas.microsoft.com/office/drawing/2014/main" id="{F581B9C8-91CA-8AB9-F11B-92CF02445EEA}"/>
-              </a:ext>
-            </a:extLst>
-          </p:cNvPr>
+          <p:cNvPr id="7" name="Slide Number Placeholder 6"/>
           <p:cNvSpPr>
             <a:spLocks noGrp="1"/>
           </p:cNvSpPr>
@@ -1461,7 +1290,7 @@
     </p:spTree>
     <p:extLst>
       <p:ext uri="{BB962C8B-B14F-4D97-AF65-F5344CB8AC3E}">
-        <p14:creationId xmlns:p14="http://schemas.microsoft.com/office/powerpoint/2010/main" val="662338768"/>
+        <p14:creationId xmlns:p14="http://schemas.microsoft.com/office/powerpoint/2010/main" val="4026661467"/>
       </p:ext>
     </p:extLst>
   </p:cSld>
@@ -1490,13 +1319,7 @@
       </p:grpSpPr>
       <p:sp>
         <p:nvSpPr>
-          <p:cNvPr id="2" name="Title 1">
-            <a:extLst>
-              <a:ext uri="{FF2B5EF4-FFF2-40B4-BE49-F238E27FC236}">
-                <a16:creationId xmlns:a16="http://schemas.microsoft.com/office/drawing/2014/main" id="{C1DA61A2-1422-592D-3E97-BCCC586C367C}"/>
-              </a:ext>
-            </a:extLst>
-          </p:cNvPr>
+          <p:cNvPr id="2" name="Title 1"/>
           <p:cNvSpPr>
             <a:spLocks noGrp="1"/>
           </p:cNvSpPr>
@@ -1506,8 +1329,8 @@
         </p:nvSpPr>
         <p:spPr>
           <a:xfrm>
-            <a:off x="839788" y="365125"/>
-            <a:ext cx="10515600" cy="1325563"/>
+            <a:off x="629841" y="365126"/>
+            <a:ext cx="7886700" cy="1325563"/>
           </a:xfrm>
         </p:spPr>
         <p:txBody>
@@ -1518,18 +1341,13 @@
               <a:rPr lang="en-US"/>
               <a:t>Click to edit Master title style</a:t>
             </a:r>
-          </a:p>
-        </p:txBody>
-      </p:sp>
-      <p:sp>
-        <p:nvSpPr>
-          <p:cNvPr id="3" name="Text Placeholder 2">
-            <a:extLst>
-              <a:ext uri="{FF2B5EF4-FFF2-40B4-BE49-F238E27FC236}">
-                <a16:creationId xmlns:a16="http://schemas.microsoft.com/office/drawing/2014/main" id="{A3B4FBF9-F8C8-96EF-843F-1AAFDFAA356E}"/>
-              </a:ext>
-            </a:extLst>
-          </p:cNvPr>
+            <a:endParaRPr lang="en-US" dirty="0"/>
+          </a:p>
+        </p:txBody>
+      </p:sp>
+      <p:sp>
+        <p:nvSpPr>
+          <p:cNvPr id="3" name="Text Placeholder 2"/>
           <p:cNvSpPr>
             <a:spLocks noGrp="1"/>
           </p:cNvSpPr>
@@ -1539,8 +1357,8 @@
         </p:nvSpPr>
         <p:spPr>
           <a:xfrm>
-            <a:off x="839788" y="1681163"/>
-            <a:ext cx="5157787" cy="823912"/>
+            <a:off x="629842" y="1681163"/>
+            <a:ext cx="3868340" cy="823912"/>
           </a:xfrm>
         </p:spPr>
         <p:txBody>
@@ -1594,13 +1412,7 @@
       </p:sp>
       <p:sp>
         <p:nvSpPr>
-          <p:cNvPr id="4" name="Content Placeholder 3">
-            <a:extLst>
-              <a:ext uri="{FF2B5EF4-FFF2-40B4-BE49-F238E27FC236}">
-                <a16:creationId xmlns:a16="http://schemas.microsoft.com/office/drawing/2014/main" id="{FF36E802-8E67-5421-9048-954128C309A2}"/>
-              </a:ext>
-            </a:extLst>
-          </p:cNvPr>
+          <p:cNvPr id="4" name="Content Placeholder 3"/>
           <p:cNvSpPr>
             <a:spLocks noGrp="1"/>
           </p:cNvSpPr>
@@ -1610,8 +1422,8 @@
         </p:nvSpPr>
         <p:spPr>
           <a:xfrm>
-            <a:off x="839788" y="2505075"/>
-            <a:ext cx="5157787" cy="3684588"/>
+            <a:off x="629842" y="2505075"/>
+            <a:ext cx="3868340" cy="3684588"/>
           </a:xfrm>
         </p:spPr>
         <p:txBody>
@@ -1651,18 +1463,13 @@
               <a:rPr lang="en-US"/>
               <a:t>Fifth level</a:t>
             </a:r>
-          </a:p>
-        </p:txBody>
-      </p:sp>
-      <p:sp>
-        <p:nvSpPr>
-          <p:cNvPr id="5" name="Text Placeholder 4">
-            <a:extLst>
-              <a:ext uri="{FF2B5EF4-FFF2-40B4-BE49-F238E27FC236}">
-                <a16:creationId xmlns:a16="http://schemas.microsoft.com/office/drawing/2014/main" id="{CC4C1CA5-3DC5-E4F2-FFBA-49EE8C51D85C}"/>
-              </a:ext>
-            </a:extLst>
-          </p:cNvPr>
+            <a:endParaRPr lang="en-US" dirty="0"/>
+          </a:p>
+        </p:txBody>
+      </p:sp>
+      <p:sp>
+        <p:nvSpPr>
+          <p:cNvPr id="5" name="Text Placeholder 4"/>
           <p:cNvSpPr>
             <a:spLocks noGrp="1"/>
           </p:cNvSpPr>
@@ -1672,8 +1479,8 @@
         </p:nvSpPr>
         <p:spPr>
           <a:xfrm>
-            <a:off x="6172200" y="1681163"/>
-            <a:ext cx="5183188" cy="823912"/>
+            <a:off x="4629150" y="1681163"/>
+            <a:ext cx="3887391" cy="823912"/>
           </a:xfrm>
         </p:spPr>
         <p:txBody>
@@ -1727,13 +1534,7 @@
       </p:sp>
       <p:sp>
         <p:nvSpPr>
-          <p:cNvPr id="6" name="Content Placeholder 5">
-            <a:extLst>
-              <a:ext uri="{FF2B5EF4-FFF2-40B4-BE49-F238E27FC236}">
-                <a16:creationId xmlns:a16="http://schemas.microsoft.com/office/drawing/2014/main" id="{B5721485-3C05-4FCB-E5E4-213082F21848}"/>
-              </a:ext>
-            </a:extLst>
-          </p:cNvPr>
+          <p:cNvPr id="6" name="Content Placeholder 5"/>
           <p:cNvSpPr>
             <a:spLocks noGrp="1"/>
           </p:cNvSpPr>
@@ -1743,8 +1544,8 @@
         </p:nvSpPr>
         <p:spPr>
           <a:xfrm>
-            <a:off x="6172200" y="2505075"/>
-            <a:ext cx="5183188" cy="3684588"/>
+            <a:off x="4629150" y="2505075"/>
+            <a:ext cx="3887391" cy="3684588"/>
           </a:xfrm>
         </p:spPr>
         <p:txBody>
@@ -1784,18 +1585,13 @@
               <a:rPr lang="en-US"/>
               <a:t>Fifth level</a:t>
             </a:r>
-          </a:p>
-        </p:txBody>
-      </p:sp>
-      <p:sp>
-        <p:nvSpPr>
-          <p:cNvPr id="7" name="Date Placeholder 6">
-            <a:extLst>
-              <a:ext uri="{FF2B5EF4-FFF2-40B4-BE49-F238E27FC236}">
-                <a16:creationId xmlns:a16="http://schemas.microsoft.com/office/drawing/2014/main" id="{4EFD8988-5503-0642-BFAC-0D0DE1D0ACB1}"/>
-              </a:ext>
-            </a:extLst>
-          </p:cNvPr>
+            <a:endParaRPr lang="en-US" dirty="0"/>
+          </a:p>
+        </p:txBody>
+      </p:sp>
+      <p:sp>
+        <p:nvSpPr>
+          <p:cNvPr id="7" name="Date Placeholder 6"/>
           <p:cNvSpPr>
             <a:spLocks noGrp="1"/>
           </p:cNvSpPr>
@@ -1810,7 +1606,7 @@
           <a:p>
             <a:fld id="{B8C6CBBE-F770-4795-B5F3-C579CF4D8362}" type="datetimeFigureOut">
               <a:rPr lang="en-US" smtClean="0"/>
-              <a:t>1/6/2023</a:t>
+              <a:t>1/12/2023</a:t>
             </a:fld>
             <a:endParaRPr lang="en-US"/>
           </a:p>
@@ -1818,13 +1614,7 @@
       </p:sp>
       <p:sp>
         <p:nvSpPr>
-          <p:cNvPr id="8" name="Footer Placeholder 7">
-            <a:extLst>
-              <a:ext uri="{FF2B5EF4-FFF2-40B4-BE49-F238E27FC236}">
-                <a16:creationId xmlns:a16="http://schemas.microsoft.com/office/drawing/2014/main" id="{CF29E5A9-28A9-106C-7E86-E4452ADD4483}"/>
-              </a:ext>
-            </a:extLst>
-          </p:cNvPr>
+          <p:cNvPr id="8" name="Footer Placeholder 7"/>
           <p:cNvSpPr>
             <a:spLocks noGrp="1"/>
           </p:cNvSpPr>
@@ -1843,13 +1633,7 @@
       </p:sp>
       <p:sp>
         <p:nvSpPr>
-          <p:cNvPr id="9" name="Slide Number Placeholder 8">
-            <a:extLst>
-              <a:ext uri="{FF2B5EF4-FFF2-40B4-BE49-F238E27FC236}">
-                <a16:creationId xmlns:a16="http://schemas.microsoft.com/office/drawing/2014/main" id="{841A8263-FFE2-F82B-AC04-4BD3148FC09C}"/>
-              </a:ext>
-            </a:extLst>
-          </p:cNvPr>
+          <p:cNvPr id="9" name="Slide Number Placeholder 8"/>
           <p:cNvSpPr>
             <a:spLocks noGrp="1"/>
           </p:cNvSpPr>
@@ -1873,7 +1657,7 @@
     </p:spTree>
     <p:extLst>
       <p:ext uri="{BB962C8B-B14F-4D97-AF65-F5344CB8AC3E}">
-        <p14:creationId xmlns:p14="http://schemas.microsoft.com/office/powerpoint/2010/main" val="3131165810"/>
+        <p14:creationId xmlns:p14="http://schemas.microsoft.com/office/powerpoint/2010/main" val="2467016211"/>
       </p:ext>
     </p:extLst>
   </p:cSld>
@@ -1902,13 +1686,7 @@
       </p:grpSpPr>
       <p:sp>
         <p:nvSpPr>
-          <p:cNvPr id="2" name="Title 1">
-            <a:extLst>
-              <a:ext uri="{FF2B5EF4-FFF2-40B4-BE49-F238E27FC236}">
-                <a16:creationId xmlns:a16="http://schemas.microsoft.com/office/drawing/2014/main" id="{C08C85BD-0BF1-98F9-C320-0E161FA1C30F}"/>
-              </a:ext>
-            </a:extLst>
-          </p:cNvPr>
+          <p:cNvPr id="2" name="Title 1"/>
           <p:cNvSpPr>
             <a:spLocks noGrp="1"/>
           </p:cNvSpPr>
@@ -1925,18 +1703,13 @@
               <a:rPr lang="en-US"/>
               <a:t>Click to edit Master title style</a:t>
             </a:r>
-          </a:p>
-        </p:txBody>
-      </p:sp>
-      <p:sp>
-        <p:nvSpPr>
-          <p:cNvPr id="3" name="Date Placeholder 2">
-            <a:extLst>
-              <a:ext uri="{FF2B5EF4-FFF2-40B4-BE49-F238E27FC236}">
-                <a16:creationId xmlns:a16="http://schemas.microsoft.com/office/drawing/2014/main" id="{5A11B03F-DEDB-955C-39CE-CF56BB226355}"/>
-              </a:ext>
-            </a:extLst>
-          </p:cNvPr>
+            <a:endParaRPr lang="en-US" dirty="0"/>
+          </a:p>
+        </p:txBody>
+      </p:sp>
+      <p:sp>
+        <p:nvSpPr>
+          <p:cNvPr id="3" name="Date Placeholder 2"/>
           <p:cNvSpPr>
             <a:spLocks noGrp="1"/>
           </p:cNvSpPr>
@@ -1951,7 +1724,7 @@
           <a:p>
             <a:fld id="{B8C6CBBE-F770-4795-B5F3-C579CF4D8362}" type="datetimeFigureOut">
               <a:rPr lang="en-US" smtClean="0"/>
-              <a:t>1/6/2023</a:t>
+              <a:t>1/12/2023</a:t>
             </a:fld>
             <a:endParaRPr lang="en-US"/>
           </a:p>
@@ -1959,13 +1732,7 @@
       </p:sp>
       <p:sp>
         <p:nvSpPr>
-          <p:cNvPr id="4" name="Footer Placeholder 3">
-            <a:extLst>
-              <a:ext uri="{FF2B5EF4-FFF2-40B4-BE49-F238E27FC236}">
-                <a16:creationId xmlns:a16="http://schemas.microsoft.com/office/drawing/2014/main" id="{981D4975-3056-021E-5BC9-430CC651934D}"/>
-              </a:ext>
-            </a:extLst>
-          </p:cNvPr>
+          <p:cNvPr id="4" name="Footer Placeholder 3"/>
           <p:cNvSpPr>
             <a:spLocks noGrp="1"/>
           </p:cNvSpPr>
@@ -1984,13 +1751,7 @@
       </p:sp>
       <p:sp>
         <p:nvSpPr>
-          <p:cNvPr id="5" name="Slide Number Placeholder 4">
-            <a:extLst>
-              <a:ext uri="{FF2B5EF4-FFF2-40B4-BE49-F238E27FC236}">
-                <a16:creationId xmlns:a16="http://schemas.microsoft.com/office/drawing/2014/main" id="{97E0D6F9-2332-23A4-C09E-FBEABBB52797}"/>
-              </a:ext>
-            </a:extLst>
-          </p:cNvPr>
+          <p:cNvPr id="5" name="Slide Number Placeholder 4"/>
           <p:cNvSpPr>
             <a:spLocks noGrp="1"/>
           </p:cNvSpPr>
@@ -2014,7 +1775,7 @@
     </p:spTree>
     <p:extLst>
       <p:ext uri="{BB962C8B-B14F-4D97-AF65-F5344CB8AC3E}">
-        <p14:creationId xmlns:p14="http://schemas.microsoft.com/office/powerpoint/2010/main" val="1428941912"/>
+        <p14:creationId xmlns:p14="http://schemas.microsoft.com/office/powerpoint/2010/main" val="2493518377"/>
       </p:ext>
     </p:extLst>
   </p:cSld>
@@ -2043,13 +1804,7 @@
       </p:grpSpPr>
       <p:sp>
         <p:nvSpPr>
-          <p:cNvPr id="2" name="Date Placeholder 1">
-            <a:extLst>
-              <a:ext uri="{FF2B5EF4-FFF2-40B4-BE49-F238E27FC236}">
-                <a16:creationId xmlns:a16="http://schemas.microsoft.com/office/drawing/2014/main" id="{1756D0BA-33EE-33F1-4BD6-573A07E475AF}"/>
-              </a:ext>
-            </a:extLst>
-          </p:cNvPr>
+          <p:cNvPr id="2" name="Date Placeholder 1"/>
           <p:cNvSpPr>
             <a:spLocks noGrp="1"/>
           </p:cNvSpPr>
@@ -2064,7 +1819,7 @@
           <a:p>
             <a:fld id="{B8C6CBBE-F770-4795-B5F3-C579CF4D8362}" type="datetimeFigureOut">
               <a:rPr lang="en-US" smtClean="0"/>
-              <a:t>1/6/2023</a:t>
+              <a:t>1/12/2023</a:t>
             </a:fld>
             <a:endParaRPr lang="en-US"/>
           </a:p>
@@ -2072,13 +1827,7 @@
       </p:sp>
       <p:sp>
         <p:nvSpPr>
-          <p:cNvPr id="3" name="Footer Placeholder 2">
-            <a:extLst>
-              <a:ext uri="{FF2B5EF4-FFF2-40B4-BE49-F238E27FC236}">
-                <a16:creationId xmlns:a16="http://schemas.microsoft.com/office/drawing/2014/main" id="{1D3501C2-5CD4-2755-6F4D-8C18BFD52155}"/>
-              </a:ext>
-            </a:extLst>
-          </p:cNvPr>
+          <p:cNvPr id="3" name="Footer Placeholder 2"/>
           <p:cNvSpPr>
             <a:spLocks noGrp="1"/>
           </p:cNvSpPr>
@@ -2097,13 +1846,7 @@
       </p:sp>
       <p:sp>
         <p:nvSpPr>
-          <p:cNvPr id="4" name="Slide Number Placeholder 3">
-            <a:extLst>
-              <a:ext uri="{FF2B5EF4-FFF2-40B4-BE49-F238E27FC236}">
-                <a16:creationId xmlns:a16="http://schemas.microsoft.com/office/drawing/2014/main" id="{AAFB906F-C3F9-210E-5227-0BC0388F6743}"/>
-              </a:ext>
-            </a:extLst>
-          </p:cNvPr>
+          <p:cNvPr id="4" name="Slide Number Placeholder 3"/>
           <p:cNvSpPr>
             <a:spLocks noGrp="1"/>
           </p:cNvSpPr>
@@ -2127,7 +1870,7 @@
     </p:spTree>
     <p:extLst>
       <p:ext uri="{BB962C8B-B14F-4D97-AF65-F5344CB8AC3E}">
-        <p14:creationId xmlns:p14="http://schemas.microsoft.com/office/powerpoint/2010/main" val="183507045"/>
+        <p14:creationId xmlns:p14="http://schemas.microsoft.com/office/powerpoint/2010/main" val="504380080"/>
       </p:ext>
     </p:extLst>
   </p:cSld>
@@ -2156,13 +1899,7 @@
       </p:grpSpPr>
       <p:sp>
         <p:nvSpPr>
-          <p:cNvPr id="2" name="Title 1">
-            <a:extLst>
-              <a:ext uri="{FF2B5EF4-FFF2-40B4-BE49-F238E27FC236}">
-                <a16:creationId xmlns:a16="http://schemas.microsoft.com/office/drawing/2014/main" id="{4F2F06AC-1214-39DA-5B01-DBC8FA0AC396}"/>
-              </a:ext>
-            </a:extLst>
-          </p:cNvPr>
+          <p:cNvPr id="2" name="Title 1"/>
           <p:cNvSpPr>
             <a:spLocks noGrp="1"/>
           </p:cNvSpPr>
@@ -2172,8 +1909,8 @@
         </p:nvSpPr>
         <p:spPr>
           <a:xfrm>
-            <a:off x="839788" y="457200"/>
-            <a:ext cx="3932237" cy="1600200"/>
+            <a:off x="629841" y="457200"/>
+            <a:ext cx="2949178" cy="1600200"/>
           </a:xfrm>
         </p:spPr>
         <p:txBody>
@@ -2188,18 +1925,13 @@
               <a:rPr lang="en-US"/>
               <a:t>Click to edit Master title style</a:t>
             </a:r>
-          </a:p>
-        </p:txBody>
-      </p:sp>
-      <p:sp>
-        <p:nvSpPr>
-          <p:cNvPr id="3" name="Content Placeholder 2">
-            <a:extLst>
-              <a:ext uri="{FF2B5EF4-FFF2-40B4-BE49-F238E27FC236}">
-                <a16:creationId xmlns:a16="http://schemas.microsoft.com/office/drawing/2014/main" id="{2BEC676E-C04A-1BB1-415C-761048904046}"/>
-              </a:ext>
-            </a:extLst>
-          </p:cNvPr>
+            <a:endParaRPr lang="en-US" dirty="0"/>
+          </a:p>
+        </p:txBody>
+      </p:sp>
+      <p:sp>
+        <p:nvSpPr>
+          <p:cNvPr id="3" name="Content Placeholder 2"/>
           <p:cNvSpPr>
             <a:spLocks noGrp="1"/>
           </p:cNvSpPr>
@@ -2209,8 +1941,8 @@
         </p:nvSpPr>
         <p:spPr>
           <a:xfrm>
-            <a:off x="5183188" y="987425"/>
-            <a:ext cx="6172200" cy="4873625"/>
+            <a:off x="3887391" y="987426"/>
+            <a:ext cx="4629150" cy="4873625"/>
           </a:xfrm>
         </p:spPr>
         <p:txBody>
@@ -2278,18 +2010,13 @@
               <a:rPr lang="en-US"/>
               <a:t>Fifth level</a:t>
             </a:r>
-          </a:p>
-        </p:txBody>
-      </p:sp>
-      <p:sp>
-        <p:nvSpPr>
-          <p:cNvPr id="4" name="Text Placeholder 3">
-            <a:extLst>
-              <a:ext uri="{FF2B5EF4-FFF2-40B4-BE49-F238E27FC236}">
-                <a16:creationId xmlns:a16="http://schemas.microsoft.com/office/drawing/2014/main" id="{89402E22-1EFC-D4E7-432E-8C459D0186DE}"/>
-              </a:ext>
-            </a:extLst>
-          </p:cNvPr>
+            <a:endParaRPr lang="en-US" dirty="0"/>
+          </a:p>
+        </p:txBody>
+      </p:sp>
+      <p:sp>
+        <p:nvSpPr>
+          <p:cNvPr id="4" name="Text Placeholder 3"/>
           <p:cNvSpPr>
             <a:spLocks noGrp="1"/>
           </p:cNvSpPr>
@@ -2299,8 +2026,8 @@
         </p:nvSpPr>
         <p:spPr>
           <a:xfrm>
-            <a:off x="839788" y="2057400"/>
-            <a:ext cx="3932237" cy="3811588"/>
+            <a:off x="629841" y="2057400"/>
+            <a:ext cx="2949178" cy="3811588"/>
           </a:xfrm>
         </p:spPr>
         <p:txBody>
@@ -2354,13 +2081,7 @@
       </p:sp>
       <p:sp>
         <p:nvSpPr>
-          <p:cNvPr id="5" name="Date Placeholder 4">
-            <a:extLst>
-              <a:ext uri="{FF2B5EF4-FFF2-40B4-BE49-F238E27FC236}">
-                <a16:creationId xmlns:a16="http://schemas.microsoft.com/office/drawing/2014/main" id="{B4AD9065-6D03-FAE2-F256-7B45A6F99A83}"/>
-              </a:ext>
-            </a:extLst>
-          </p:cNvPr>
+          <p:cNvPr id="5" name="Date Placeholder 4"/>
           <p:cNvSpPr>
             <a:spLocks noGrp="1"/>
           </p:cNvSpPr>
@@ -2375,7 +2096,7 @@
           <a:p>
             <a:fld id="{B8C6CBBE-F770-4795-B5F3-C579CF4D8362}" type="datetimeFigureOut">
               <a:rPr lang="en-US" smtClean="0"/>
-              <a:t>1/6/2023</a:t>
+              <a:t>1/12/2023</a:t>
             </a:fld>
             <a:endParaRPr lang="en-US"/>
           </a:p>
@@ -2383,13 +2104,7 @@
       </p:sp>
       <p:sp>
         <p:nvSpPr>
-          <p:cNvPr id="6" name="Footer Placeholder 5">
-            <a:extLst>
-              <a:ext uri="{FF2B5EF4-FFF2-40B4-BE49-F238E27FC236}">
-                <a16:creationId xmlns:a16="http://schemas.microsoft.com/office/drawing/2014/main" id="{B8F27F27-E68E-CDB2-2155-0A78364CBE9F}"/>
-              </a:ext>
-            </a:extLst>
-          </p:cNvPr>
+          <p:cNvPr id="6" name="Footer Placeholder 5"/>
           <p:cNvSpPr>
             <a:spLocks noGrp="1"/>
           </p:cNvSpPr>
@@ -2408,13 +2123,7 @@
       </p:sp>
       <p:sp>
         <p:nvSpPr>
-          <p:cNvPr id="7" name="Slide Number Placeholder 6">
-            <a:extLst>
-              <a:ext uri="{FF2B5EF4-FFF2-40B4-BE49-F238E27FC236}">
-                <a16:creationId xmlns:a16="http://schemas.microsoft.com/office/drawing/2014/main" id="{9AFAE665-AAF8-FA21-9FF3-18737115635B}"/>
-              </a:ext>
-            </a:extLst>
-          </p:cNvPr>
+          <p:cNvPr id="7" name="Slide Number Placeholder 6"/>
           <p:cNvSpPr>
             <a:spLocks noGrp="1"/>
           </p:cNvSpPr>
@@ -2438,7 +2147,7 @@
     </p:spTree>
     <p:extLst>
       <p:ext uri="{BB962C8B-B14F-4D97-AF65-F5344CB8AC3E}">
-        <p14:creationId xmlns:p14="http://schemas.microsoft.com/office/powerpoint/2010/main" val="1326961030"/>
+        <p14:creationId xmlns:p14="http://schemas.microsoft.com/office/powerpoint/2010/main" val="2254937637"/>
       </p:ext>
     </p:extLst>
   </p:cSld>
@@ -2467,13 +2176,7 @@
       </p:grpSpPr>
       <p:sp>
         <p:nvSpPr>
-          <p:cNvPr id="2" name="Title 1">
-            <a:extLst>
-              <a:ext uri="{FF2B5EF4-FFF2-40B4-BE49-F238E27FC236}">
-                <a16:creationId xmlns:a16="http://schemas.microsoft.com/office/drawing/2014/main" id="{6D6EA209-410E-76BB-F4BE-B05A816571F6}"/>
-              </a:ext>
-            </a:extLst>
-          </p:cNvPr>
+          <p:cNvPr id="2" name="Title 1"/>
           <p:cNvSpPr>
             <a:spLocks noGrp="1"/>
           </p:cNvSpPr>
@@ -2483,8 +2186,8 @@
         </p:nvSpPr>
         <p:spPr>
           <a:xfrm>
-            <a:off x="839788" y="457200"/>
-            <a:ext cx="3932237" cy="1600200"/>
+            <a:off x="629841" y="457200"/>
+            <a:ext cx="2949178" cy="1600200"/>
           </a:xfrm>
         </p:spPr>
         <p:txBody>
@@ -2499,20 +2202,15 @@
               <a:rPr lang="en-US"/>
               <a:t>Click to edit Master title style</a:t>
             </a:r>
-          </a:p>
-        </p:txBody>
-      </p:sp>
-      <p:sp>
-        <p:nvSpPr>
-          <p:cNvPr id="3" name="Picture Placeholder 2">
-            <a:extLst>
-              <a:ext uri="{FF2B5EF4-FFF2-40B4-BE49-F238E27FC236}">
-                <a16:creationId xmlns:a16="http://schemas.microsoft.com/office/drawing/2014/main" id="{C1280238-5985-926D-954C-546C7AF20A9F}"/>
-              </a:ext>
-            </a:extLst>
-          </p:cNvPr>
-          <p:cNvSpPr>
-            <a:spLocks noGrp="1"/>
+            <a:endParaRPr lang="en-US" dirty="0"/>
+          </a:p>
+        </p:txBody>
+      </p:sp>
+      <p:sp>
+        <p:nvSpPr>
+          <p:cNvPr id="3" name="Picture Placeholder 2"/>
+          <p:cNvSpPr>
+            <a:spLocks noGrp="1" noChangeAspect="1"/>
           </p:cNvSpPr>
           <p:nvPr>
             <p:ph type="pic" idx="1"/>
@@ -2520,12 +2218,12 @@
         </p:nvSpPr>
         <p:spPr>
           <a:xfrm>
-            <a:off x="5183188" y="987425"/>
-            <a:ext cx="6172200" cy="4873625"/>
+            <a:off x="3887391" y="987426"/>
+            <a:ext cx="4629150" cy="4873625"/>
           </a:xfrm>
         </p:spPr>
         <p:txBody>
-          <a:bodyPr/>
+          <a:bodyPr anchor="t"/>
           <a:lstStyle>
             <a:lvl1pPr marL="0" indent="0">
               <a:buNone/>
@@ -2565,19 +2263,17 @@
             </a:lvl9pPr>
           </a:lstStyle>
           <a:p>
-            <a:endParaRPr lang="en-US"/>
-          </a:p>
-        </p:txBody>
-      </p:sp>
-      <p:sp>
-        <p:nvSpPr>
-          <p:cNvPr id="4" name="Text Placeholder 3">
-            <a:extLst>
-              <a:ext uri="{FF2B5EF4-FFF2-40B4-BE49-F238E27FC236}">
-                <a16:creationId xmlns:a16="http://schemas.microsoft.com/office/drawing/2014/main" id="{254B5000-5B3A-2FE2-B9C1-2811CBB5B073}"/>
-              </a:ext>
-            </a:extLst>
-          </p:cNvPr>
+            <a:r>
+              <a:rPr lang="en-US"/>
+              <a:t>Click icon to add picture</a:t>
+            </a:r>
+            <a:endParaRPr lang="en-US" dirty="0"/>
+          </a:p>
+        </p:txBody>
+      </p:sp>
+      <p:sp>
+        <p:nvSpPr>
+          <p:cNvPr id="4" name="Text Placeholder 3"/>
           <p:cNvSpPr>
             <a:spLocks noGrp="1"/>
           </p:cNvSpPr>
@@ -2587,8 +2283,8 @@
         </p:nvSpPr>
         <p:spPr>
           <a:xfrm>
-            <a:off x="839788" y="2057400"/>
-            <a:ext cx="3932237" cy="3811588"/>
+            <a:off x="629841" y="2057400"/>
+            <a:ext cx="2949178" cy="3811588"/>
           </a:xfrm>
         </p:spPr>
         <p:txBody>
@@ -2642,13 +2338,7 @@
       </p:sp>
       <p:sp>
         <p:nvSpPr>
-          <p:cNvPr id="5" name="Date Placeholder 4">
-            <a:extLst>
-              <a:ext uri="{FF2B5EF4-FFF2-40B4-BE49-F238E27FC236}">
-                <a16:creationId xmlns:a16="http://schemas.microsoft.com/office/drawing/2014/main" id="{C6AED7CB-E7E0-318A-CD18-F2984D89601B}"/>
-              </a:ext>
-            </a:extLst>
-          </p:cNvPr>
+          <p:cNvPr id="5" name="Date Placeholder 4"/>
           <p:cNvSpPr>
             <a:spLocks noGrp="1"/>
           </p:cNvSpPr>
@@ -2663,7 +2353,7 @@
           <a:p>
             <a:fld id="{B8C6CBBE-F770-4795-B5F3-C579CF4D8362}" type="datetimeFigureOut">
               <a:rPr lang="en-US" smtClean="0"/>
-              <a:t>1/6/2023</a:t>
+              <a:t>1/12/2023</a:t>
             </a:fld>
             <a:endParaRPr lang="en-US"/>
           </a:p>
@@ -2671,13 +2361,7 @@
       </p:sp>
       <p:sp>
         <p:nvSpPr>
-          <p:cNvPr id="6" name="Footer Placeholder 5">
-            <a:extLst>
-              <a:ext uri="{FF2B5EF4-FFF2-40B4-BE49-F238E27FC236}">
-                <a16:creationId xmlns:a16="http://schemas.microsoft.com/office/drawing/2014/main" id="{C54B0242-6B7A-C11B-CF0C-306DACA912FC}"/>
-              </a:ext>
-            </a:extLst>
-          </p:cNvPr>
+          <p:cNvPr id="6" name="Footer Placeholder 5"/>
           <p:cNvSpPr>
             <a:spLocks noGrp="1"/>
           </p:cNvSpPr>
@@ -2696,13 +2380,7 @@
       </p:sp>
       <p:sp>
         <p:nvSpPr>
-          <p:cNvPr id="7" name="Slide Number Placeholder 6">
-            <a:extLst>
-              <a:ext uri="{FF2B5EF4-FFF2-40B4-BE49-F238E27FC236}">
-                <a16:creationId xmlns:a16="http://schemas.microsoft.com/office/drawing/2014/main" id="{47F6D642-86AB-B4F7-1640-9619C61285F7}"/>
-              </a:ext>
-            </a:extLst>
-          </p:cNvPr>
+          <p:cNvPr id="7" name="Slide Number Placeholder 6"/>
           <p:cNvSpPr>
             <a:spLocks noGrp="1"/>
           </p:cNvSpPr>
@@ -2726,7 +2404,7 @@
     </p:spTree>
     <p:extLst>
       <p:ext uri="{BB962C8B-B14F-4D97-AF65-F5344CB8AC3E}">
-        <p14:creationId xmlns:p14="http://schemas.microsoft.com/office/powerpoint/2010/main" val="452532629"/>
+        <p14:creationId xmlns:p14="http://schemas.microsoft.com/office/powerpoint/2010/main" val="1412008244"/>
       </p:ext>
     </p:extLst>
   </p:cSld>
@@ -2760,13 +2438,7 @@
       </p:grpSpPr>
       <p:sp>
         <p:nvSpPr>
-          <p:cNvPr id="2" name="Title Placeholder 1">
-            <a:extLst>
-              <a:ext uri="{FF2B5EF4-FFF2-40B4-BE49-F238E27FC236}">
-                <a16:creationId xmlns:a16="http://schemas.microsoft.com/office/drawing/2014/main" id="{B1DBF73D-74B9-CD91-67F1-96195A3B6A88}"/>
-              </a:ext>
-            </a:extLst>
-          </p:cNvPr>
+          <p:cNvPr id="2" name="Title Placeholder 1"/>
           <p:cNvSpPr>
             <a:spLocks noGrp="1"/>
           </p:cNvSpPr>
@@ -2776,8 +2448,8 @@
         </p:nvSpPr>
         <p:spPr>
           <a:xfrm>
-            <a:off x="838200" y="365125"/>
-            <a:ext cx="10515600" cy="1325563"/>
+            <a:off x="628650" y="365126"/>
+            <a:ext cx="7886700" cy="1325563"/>
           </a:xfrm>
           <a:prstGeom prst="rect">
             <a:avLst/>
@@ -2793,18 +2465,13 @@
               <a:rPr lang="en-US"/>
               <a:t>Click to edit Master title style</a:t>
             </a:r>
-          </a:p>
-        </p:txBody>
-      </p:sp>
-      <p:sp>
-        <p:nvSpPr>
-          <p:cNvPr id="3" name="Text Placeholder 2">
-            <a:extLst>
-              <a:ext uri="{FF2B5EF4-FFF2-40B4-BE49-F238E27FC236}">
-                <a16:creationId xmlns:a16="http://schemas.microsoft.com/office/drawing/2014/main" id="{FAB01EE6-5599-E7DA-AC71-5DC451D44063}"/>
-              </a:ext>
-            </a:extLst>
-          </p:cNvPr>
+            <a:endParaRPr lang="en-US" dirty="0"/>
+          </a:p>
+        </p:txBody>
+      </p:sp>
+      <p:sp>
+        <p:nvSpPr>
+          <p:cNvPr id="3" name="Text Placeholder 2"/>
           <p:cNvSpPr>
             <a:spLocks noGrp="1"/>
           </p:cNvSpPr>
@@ -2814,8 +2481,8 @@
         </p:nvSpPr>
         <p:spPr>
           <a:xfrm>
-            <a:off x="838200" y="1825625"/>
-            <a:ext cx="10515600" cy="4351338"/>
+            <a:off x="628650" y="1825625"/>
+            <a:ext cx="7886700" cy="4351338"/>
           </a:xfrm>
           <a:prstGeom prst="rect">
             <a:avLst/>
@@ -2860,18 +2527,13 @@
               <a:rPr lang="en-US"/>
               <a:t>Fifth level</a:t>
             </a:r>
-          </a:p>
-        </p:txBody>
-      </p:sp>
-      <p:sp>
-        <p:nvSpPr>
-          <p:cNvPr id="4" name="Date Placeholder 3">
-            <a:extLst>
-              <a:ext uri="{FF2B5EF4-FFF2-40B4-BE49-F238E27FC236}">
-                <a16:creationId xmlns:a16="http://schemas.microsoft.com/office/drawing/2014/main" id="{D785344A-A96F-4518-A3F6-7186AD868D29}"/>
-              </a:ext>
-            </a:extLst>
-          </p:cNvPr>
+            <a:endParaRPr lang="en-US" dirty="0"/>
+          </a:p>
+        </p:txBody>
+      </p:sp>
+      <p:sp>
+        <p:nvSpPr>
+          <p:cNvPr id="4" name="Date Placeholder 3"/>
           <p:cNvSpPr>
             <a:spLocks noGrp="1"/>
           </p:cNvSpPr>
@@ -2881,8 +2543,8 @@
         </p:nvSpPr>
         <p:spPr>
           <a:xfrm>
-            <a:off x="838200" y="6356350"/>
-            <a:ext cx="2743200" cy="365125"/>
+            <a:off x="628650" y="6356351"/>
+            <a:ext cx="2057400" cy="365125"/>
           </a:xfrm>
           <a:prstGeom prst="rect">
             <a:avLst/>
@@ -2904,7 +2566,7 @@
           <a:p>
             <a:fld id="{B8C6CBBE-F770-4795-B5F3-C579CF4D8362}" type="datetimeFigureOut">
               <a:rPr lang="en-US" smtClean="0"/>
-              <a:t>1/6/2023</a:t>
+              <a:t>1/12/2023</a:t>
             </a:fld>
             <a:endParaRPr lang="en-US"/>
           </a:p>
@@ -2912,13 +2574,7 @@
       </p:sp>
       <p:sp>
         <p:nvSpPr>
-          <p:cNvPr id="5" name="Footer Placeholder 4">
-            <a:extLst>
-              <a:ext uri="{FF2B5EF4-FFF2-40B4-BE49-F238E27FC236}">
-                <a16:creationId xmlns:a16="http://schemas.microsoft.com/office/drawing/2014/main" id="{C638A0CD-F118-E289-E671-2E5A4EF7C769}"/>
-              </a:ext>
-            </a:extLst>
-          </p:cNvPr>
+          <p:cNvPr id="5" name="Footer Placeholder 4"/>
           <p:cNvSpPr>
             <a:spLocks noGrp="1"/>
           </p:cNvSpPr>
@@ -2928,8 +2584,8 @@
         </p:nvSpPr>
         <p:spPr>
           <a:xfrm>
-            <a:off x="4038600" y="6356350"/>
-            <a:ext cx="4114800" cy="365125"/>
+            <a:off x="3028950" y="6356351"/>
+            <a:ext cx="3086100" cy="365125"/>
           </a:xfrm>
           <a:prstGeom prst="rect">
             <a:avLst/>
@@ -2955,13 +2611,7 @@
       </p:sp>
       <p:sp>
         <p:nvSpPr>
-          <p:cNvPr id="6" name="Slide Number Placeholder 5">
-            <a:extLst>
-              <a:ext uri="{FF2B5EF4-FFF2-40B4-BE49-F238E27FC236}">
-                <a16:creationId xmlns:a16="http://schemas.microsoft.com/office/drawing/2014/main" id="{6AB7D39D-4A92-7E8A-4C00-BB8A387F24B2}"/>
-              </a:ext>
-            </a:extLst>
-          </p:cNvPr>
+          <p:cNvPr id="6" name="Slide Number Placeholder 5"/>
           <p:cNvSpPr>
             <a:spLocks noGrp="1"/>
           </p:cNvSpPr>
@@ -2971,8 +2621,8 @@
         </p:nvSpPr>
         <p:spPr>
           <a:xfrm>
-            <a:off x="8610600" y="6356350"/>
-            <a:ext cx="2743200" cy="365125"/>
+            <a:off x="6457950" y="6356351"/>
+            <a:ext cx="2057400" cy="365125"/>
           </a:xfrm>
           <a:prstGeom prst="rect">
             <a:avLst/>
@@ -3003,23 +2653,23 @@
     </p:spTree>
     <p:extLst>
       <p:ext uri="{BB962C8B-B14F-4D97-AF65-F5344CB8AC3E}">
-        <p14:creationId xmlns:p14="http://schemas.microsoft.com/office/powerpoint/2010/main" val="1882367441"/>
+        <p14:creationId xmlns:p14="http://schemas.microsoft.com/office/powerpoint/2010/main" val="1531533094"/>
       </p:ext>
     </p:extLst>
   </p:cSld>
   <p:clrMap bg1="lt1" tx1="dk1" bg2="lt2" tx2="dk2" accent1="accent1" accent2="accent2" accent3="accent3" accent4="accent4" accent5="accent5" accent6="accent6" hlink="hlink" folHlink="folHlink"/>
   <p:sldLayoutIdLst>
-    <p:sldLayoutId id="2147483649" r:id="rId1"/>
-    <p:sldLayoutId id="2147483650" r:id="rId2"/>
-    <p:sldLayoutId id="2147483651" r:id="rId3"/>
-    <p:sldLayoutId id="2147483652" r:id="rId4"/>
-    <p:sldLayoutId id="2147483653" r:id="rId5"/>
-    <p:sldLayoutId id="2147483654" r:id="rId6"/>
-    <p:sldLayoutId id="2147483655" r:id="rId7"/>
-    <p:sldLayoutId id="2147483656" r:id="rId8"/>
-    <p:sldLayoutId id="2147483657" r:id="rId9"/>
-    <p:sldLayoutId id="2147483658" r:id="rId10"/>
-    <p:sldLayoutId id="2147483659" r:id="rId11"/>
+    <p:sldLayoutId id="2147483661" r:id="rId1"/>
+    <p:sldLayoutId id="2147483662" r:id="rId2"/>
+    <p:sldLayoutId id="2147483663" r:id="rId3"/>
+    <p:sldLayoutId id="2147483664" r:id="rId4"/>
+    <p:sldLayoutId id="2147483665" r:id="rId5"/>
+    <p:sldLayoutId id="2147483666" r:id="rId6"/>
+    <p:sldLayoutId id="2147483667" r:id="rId7"/>
+    <p:sldLayoutId id="2147483668" r:id="rId8"/>
+    <p:sldLayoutId id="2147483669" r:id="rId9"/>
+    <p:sldLayoutId id="2147483670" r:id="rId10"/>
+    <p:sldLayoutId id="2147483671" r:id="rId11"/>
   </p:sldLayoutIdLst>
   <p:txStyles>
     <p:titleStyle>
@@ -3335,8 +2985,8 @@
         </p:nvGrpSpPr>
         <p:grpSpPr>
           <a:xfrm>
-            <a:off x="3548742" y="1206758"/>
-            <a:ext cx="4321810" cy="3281265"/>
+            <a:off x="2024742" y="1206761"/>
+            <a:ext cx="4321811" cy="3281265"/>
             <a:chOff x="0" y="0"/>
             <a:chExt cx="4321810" cy="3225800"/>
           </a:xfrm>
@@ -3403,7 +3053,7 @@
             </a:ln>
             <a:extLst>
               <a:ext uri="{909E8E84-426E-40dd-AFC4-6F175D3DCCD1}">
-                <a14:hiddenFill xmlns:wpc="http://schemas.microsoft.com/office/word/2010/wordprocessingCanvas" xmlns:mc="http://schemas.openxmlformats.org/markup-compatibility/2006" xmlns:m="http://schemas.openxmlformats.org/officeDocument/2006/math" xmlns:wp14="http://schemas.microsoft.com/office/word/2010/wordprocessingDrawing" xmlns:wp="http://schemas.openxmlformats.org/drawingml/2006/wordprocessingDrawing" xmlns:w14="http://schemas.microsoft.com/office/word/2010/wordml" xmlns:w15="http://schemas.microsoft.com/office/word/2012/wordml" xmlns:wpg="http://schemas.microsoft.com/office/word/2010/wordprocessingGroup" xmlns:wpi="http://schemas.microsoft.com/office/word/2010/wordprocessingInk" xmlns:wne="http://schemas.microsoft.com/office/word/2006/wordml" xmlns:wps="http://schemas.microsoft.com/office/word/2010/wordprocessingShape" xmlns:cx="http://schemas.microsoft.com/office/drawing/2014/chartex" xmlns:cx1="http://schemas.microsoft.com/office/drawing/2015/9/8/chartex" xmlns:cx2="http://schemas.microsoft.com/office/drawing/2015/10/21/chartex" xmlns:cx3="http://schemas.microsoft.com/office/drawing/2016/5/9/chartex" xmlns:cx4="http://schemas.microsoft.com/office/drawing/2016/5/10/chartex" xmlns:cx5="http://schemas.microsoft.com/office/drawing/2016/5/11/chartex" xmlns:cx6="http://schemas.microsoft.com/office/drawing/2016/5/12/chartex" xmlns:cx7="http://schemas.microsoft.com/office/drawing/2016/5/13/chartex" xmlns:cx8="http://schemas.microsoft.com/office/drawing/2016/5/14/chartex" xmlns:aink="http://schemas.microsoft.com/office/drawing/2016/ink" xmlns:am3d="http://schemas.microsoft.com/office/drawing/2017/model3d" xmlns:w16cid="http://schemas.microsoft.com/office/word/2016/wordml/cid" xmlns:w16se="http://schemas.microsoft.com/office/word/2015/wordml/symex" xmlns:a14="http://schemas.microsoft.com/office/drawing/2010/main" xmlns:w="http://schemas.openxmlformats.org/wordprocessingml/2006/main" xmlns:w10="urn:schemas-microsoft-com:office:word" xmlns:v="urn:schemas-microsoft-com:vml" xmlns:o="urn:schemas-microsoft-com:office:office" xmlns:mv="urn:schemas-microsoft-com:mac:vml" xmlns:mo="http://schemas.microsoft.com/office/mac/office/2008/main" xmlns="" xmlns:arto="http://schemas.microsoft.com/office/word/2006/arto" xmlns:lc="http://schemas.openxmlformats.org/drawingml/2006/lockedCanvas">
+                <a14:hiddenFill xmlns:lc="http://schemas.openxmlformats.org/drawingml/2006/lockedCanvas" xmlns:arto="http://schemas.microsoft.com/office/word/2006/arto" xmlns="" xmlns:mo="http://schemas.microsoft.com/office/mac/office/2008/main" xmlns:mv="urn:schemas-microsoft-com:mac:vml" xmlns:o="urn:schemas-microsoft-com:office:office" xmlns:v="urn:schemas-microsoft-com:vml" xmlns:w10="urn:schemas-microsoft-com:office:word" xmlns:w="http://schemas.openxmlformats.org/wordprocessingml/2006/main" xmlns:a14="http://schemas.microsoft.com/office/drawing/2010/main" xmlns:w16se="http://schemas.microsoft.com/office/word/2015/wordml/symex" xmlns:w16cid="http://schemas.microsoft.com/office/word/2016/wordml/cid" xmlns:am3d="http://schemas.microsoft.com/office/drawing/2017/model3d" xmlns:aink="http://schemas.microsoft.com/office/drawing/2016/ink" xmlns:cx8="http://schemas.microsoft.com/office/drawing/2016/5/14/chartex" xmlns:cx7="http://schemas.microsoft.com/office/drawing/2016/5/13/chartex" xmlns:cx6="http://schemas.microsoft.com/office/drawing/2016/5/12/chartex" xmlns:cx5="http://schemas.microsoft.com/office/drawing/2016/5/11/chartex" xmlns:cx4="http://schemas.microsoft.com/office/drawing/2016/5/10/chartex" xmlns:cx3="http://schemas.microsoft.com/office/drawing/2016/5/9/chartex" xmlns:cx2="http://schemas.microsoft.com/office/drawing/2015/10/21/chartex" xmlns:cx1="http://schemas.microsoft.com/office/drawing/2015/9/8/chartex" xmlns:cx="http://schemas.microsoft.com/office/drawing/2014/chartex" xmlns:wps="http://schemas.microsoft.com/office/word/2010/wordprocessingShape" xmlns:wne="http://schemas.microsoft.com/office/word/2006/wordml" xmlns:wpi="http://schemas.microsoft.com/office/word/2010/wordprocessingInk" xmlns:wpg="http://schemas.microsoft.com/office/word/2010/wordprocessingGroup" xmlns:w15="http://schemas.microsoft.com/office/word/2012/wordml" xmlns:w14="http://schemas.microsoft.com/office/word/2010/wordml" xmlns:wp="http://schemas.openxmlformats.org/drawingml/2006/wordprocessingDrawing" xmlns:wp14="http://schemas.microsoft.com/office/word/2010/wordprocessingDrawing" xmlns:m="http://schemas.openxmlformats.org/officeDocument/2006/math" xmlns:mc="http://schemas.openxmlformats.org/markup-compatibility/2006" xmlns:wpc="http://schemas.microsoft.com/office/word/2010/wordprocessingCanvas">
                   <a:solidFill>
                     <a:srgbClr val="FFFFFF"/>
                   </a:solidFill>
@@ -3417,17 +3067,9 @@
             </a:bodyPr>
             <a:lstStyle/>
             <a:p>
-              <a:pPr marL="0" marR="0" algn="ctr">
-                <a:spcBef>
-                  <a:spcPts val="0"/>
-                </a:spcBef>
-                <a:spcAft>
-                  <a:spcPts val="0"/>
-                </a:spcAft>
-              </a:pPr>
+              <a:pPr algn="ctr"/>
               <a:r>
                 <a:rPr lang="it-IT" sz="1000" b="1">
-                  <a:effectLst/>
                   <a:latin typeface="Times New Roman" panose="02020603050405020304" pitchFamily="18" charset="0"/>
                   <a:ea typeface="Arial Unicode MS" panose="020B0604020202020204" pitchFamily="34" charset="-128"/>
                 </a:rPr>
@@ -3435,14 +3077,12 @@
               </a:r>
               <a:br>
                 <a:rPr lang="it-IT" sz="1000" b="1">
-                  <a:effectLst/>
                   <a:latin typeface="Times New Roman" panose="02020603050405020304" pitchFamily="18" charset="0"/>
                   <a:ea typeface="Arial Unicode MS" panose="020B0604020202020204" pitchFamily="34" charset="-128"/>
                 </a:rPr>
               </a:br>
               <a:r>
                 <a:rPr lang="it-IT" sz="1000" b="1">
-                  <a:effectLst/>
                   <a:latin typeface="Times New Roman" panose="02020603050405020304" pitchFamily="18" charset="0"/>
                   <a:ea typeface="Arial Unicode MS" panose="020B0604020202020204" pitchFamily="34" charset="-128"/>
                 </a:rPr>
@@ -3450,14 +3090,12 @@
               </a:r>
               <a:r>
                 <a:rPr lang="en-US" sz="1000" b="1">
-                  <a:effectLst/>
                   <a:latin typeface="Times New Roman" panose="02020603050405020304" pitchFamily="18" charset="0"/>
                   <a:ea typeface="Arial Unicode MS" panose="020B0604020202020204" pitchFamily="34" charset="-128"/>
                 </a:rPr>
                 <a:t>Responder</a:t>
               </a:r>
               <a:endParaRPr lang="en-US" sz="1200">
-                <a:effectLst/>
                 <a:latin typeface="Times New Roman" panose="02020603050405020304" pitchFamily="18" charset="0"/>
                 <a:ea typeface="Times New Roman" panose="02020603050405020304" pitchFamily="18" charset="0"/>
               </a:endParaRPr>
@@ -3498,7 +3136,7 @@
             </a:ln>
             <a:extLst>
               <a:ext uri="{909E8E84-426E-40dd-AFC4-6F175D3DCCD1}">
-                <a14:hiddenFill xmlns:wpc="http://schemas.microsoft.com/office/word/2010/wordprocessingCanvas" xmlns:mc="http://schemas.openxmlformats.org/markup-compatibility/2006" xmlns:m="http://schemas.openxmlformats.org/officeDocument/2006/math" xmlns:wp14="http://schemas.microsoft.com/office/word/2010/wordprocessingDrawing" xmlns:wp="http://schemas.openxmlformats.org/drawingml/2006/wordprocessingDrawing" xmlns:w14="http://schemas.microsoft.com/office/word/2010/wordml" xmlns:w15="http://schemas.microsoft.com/office/word/2012/wordml" xmlns:wpg="http://schemas.microsoft.com/office/word/2010/wordprocessingGroup" xmlns:wpi="http://schemas.microsoft.com/office/word/2010/wordprocessingInk" xmlns:wne="http://schemas.microsoft.com/office/word/2006/wordml" xmlns:wps="http://schemas.microsoft.com/office/word/2010/wordprocessingShape" xmlns:cx="http://schemas.microsoft.com/office/drawing/2014/chartex" xmlns:cx1="http://schemas.microsoft.com/office/drawing/2015/9/8/chartex" xmlns:cx2="http://schemas.microsoft.com/office/drawing/2015/10/21/chartex" xmlns:cx3="http://schemas.microsoft.com/office/drawing/2016/5/9/chartex" xmlns:cx4="http://schemas.microsoft.com/office/drawing/2016/5/10/chartex" xmlns:cx5="http://schemas.microsoft.com/office/drawing/2016/5/11/chartex" xmlns:cx6="http://schemas.microsoft.com/office/drawing/2016/5/12/chartex" xmlns:cx7="http://schemas.microsoft.com/office/drawing/2016/5/13/chartex" xmlns:cx8="http://schemas.microsoft.com/office/drawing/2016/5/14/chartex" xmlns:aink="http://schemas.microsoft.com/office/drawing/2016/ink" xmlns:am3d="http://schemas.microsoft.com/office/drawing/2017/model3d" xmlns:w16cid="http://schemas.microsoft.com/office/word/2016/wordml/cid" xmlns:w16se="http://schemas.microsoft.com/office/word/2015/wordml/symex" xmlns:a14="http://schemas.microsoft.com/office/drawing/2010/main" xmlns:w="http://schemas.openxmlformats.org/wordprocessingml/2006/main" xmlns:w10="urn:schemas-microsoft-com:office:word" xmlns:v="urn:schemas-microsoft-com:vml" xmlns:o="urn:schemas-microsoft-com:office:office" xmlns:mv="urn:schemas-microsoft-com:mac:vml" xmlns:mo="http://schemas.microsoft.com/office/mac/office/2008/main" xmlns="" xmlns:arto="http://schemas.microsoft.com/office/word/2006/arto" xmlns:lc="http://schemas.openxmlformats.org/drawingml/2006/lockedCanvas">
+                <a14:hiddenFill xmlns:lc="http://schemas.openxmlformats.org/drawingml/2006/lockedCanvas" xmlns:arto="http://schemas.microsoft.com/office/word/2006/arto" xmlns="" xmlns:mo="http://schemas.microsoft.com/office/mac/office/2008/main" xmlns:mv="urn:schemas-microsoft-com:mac:vml" xmlns:o="urn:schemas-microsoft-com:office:office" xmlns:v="urn:schemas-microsoft-com:vml" xmlns:w10="urn:schemas-microsoft-com:office:word" xmlns:w="http://schemas.openxmlformats.org/wordprocessingml/2006/main" xmlns:a14="http://schemas.microsoft.com/office/drawing/2010/main" xmlns:w16se="http://schemas.microsoft.com/office/word/2015/wordml/symex" xmlns:w16cid="http://schemas.microsoft.com/office/word/2016/wordml/cid" xmlns:am3d="http://schemas.microsoft.com/office/drawing/2017/model3d" xmlns:aink="http://schemas.microsoft.com/office/drawing/2016/ink" xmlns:cx8="http://schemas.microsoft.com/office/drawing/2016/5/14/chartex" xmlns:cx7="http://schemas.microsoft.com/office/drawing/2016/5/13/chartex" xmlns:cx6="http://schemas.microsoft.com/office/drawing/2016/5/12/chartex" xmlns:cx5="http://schemas.microsoft.com/office/drawing/2016/5/11/chartex" xmlns:cx4="http://schemas.microsoft.com/office/drawing/2016/5/10/chartex" xmlns:cx3="http://schemas.microsoft.com/office/drawing/2016/5/9/chartex" xmlns:cx2="http://schemas.microsoft.com/office/drawing/2015/10/21/chartex" xmlns:cx1="http://schemas.microsoft.com/office/drawing/2015/9/8/chartex" xmlns:cx="http://schemas.microsoft.com/office/drawing/2014/chartex" xmlns:wps="http://schemas.microsoft.com/office/word/2010/wordprocessingShape" xmlns:wne="http://schemas.microsoft.com/office/word/2006/wordml" xmlns:wpi="http://schemas.microsoft.com/office/word/2010/wordprocessingInk" xmlns:wpg="http://schemas.microsoft.com/office/word/2010/wordprocessingGroup" xmlns:w15="http://schemas.microsoft.com/office/word/2012/wordml" xmlns:w14="http://schemas.microsoft.com/office/word/2010/wordml" xmlns:wp="http://schemas.openxmlformats.org/drawingml/2006/wordprocessingDrawing" xmlns:wp14="http://schemas.microsoft.com/office/word/2010/wordprocessingDrawing" xmlns:m="http://schemas.openxmlformats.org/officeDocument/2006/math" xmlns:mc="http://schemas.openxmlformats.org/markup-compatibility/2006" xmlns:wpc="http://schemas.microsoft.com/office/word/2010/wordprocessingCanvas">
                   <a:solidFill>
                     <a:srgbClr val="FFFFFF"/>
                   </a:solidFill>
@@ -3512,17 +3150,9 @@
             </a:bodyPr>
             <a:lstStyle/>
             <a:p>
-              <a:pPr marL="0" marR="0" algn="ctr">
-                <a:spcBef>
-                  <a:spcPts val="0"/>
-                </a:spcBef>
-                <a:spcAft>
-                  <a:spcPts val="0"/>
-                </a:spcAft>
-              </a:pPr>
+              <a:pPr algn="ctr"/>
               <a:r>
                 <a:rPr lang="en-US" sz="1000" b="1">
-                  <a:effectLst/>
                   <a:latin typeface="Times New Roman" panose="02020603050405020304" pitchFamily="18" charset="0"/>
                   <a:ea typeface="Arial Unicode MS" panose="020B0604020202020204" pitchFamily="34" charset="-128"/>
                 </a:rPr>
@@ -3530,21 +3160,18 @@
               </a:r>
               <a:br>
                 <a:rPr lang="en-US" sz="1000" b="1">
-                  <a:effectLst/>
                   <a:latin typeface="Times New Roman" panose="02020603050405020304" pitchFamily="18" charset="0"/>
                   <a:ea typeface="Arial Unicode MS" panose="020B0604020202020204" pitchFamily="34" charset="-128"/>
                 </a:rPr>
               </a:br>
               <a:r>
                 <a:rPr lang="en-US" sz="1000" b="1">
-                  <a:effectLst/>
                   <a:latin typeface="Times New Roman" panose="02020603050405020304" pitchFamily="18" charset="0"/>
                   <a:ea typeface="Arial Unicode MS" panose="020B0604020202020204" pitchFamily="34" charset="-128"/>
                 </a:rPr>
                 <a:t>Clinical Data Source</a:t>
               </a:r>
               <a:endParaRPr lang="en-US" sz="1200">
-                <a:effectLst/>
                 <a:latin typeface="Times New Roman" panose="02020603050405020304" pitchFamily="18" charset="0"/>
                 <a:ea typeface="Times New Roman" panose="02020603050405020304" pitchFamily="18" charset="0"/>
               </a:endParaRPr>
@@ -3604,7 +3231,7 @@
               </a:ln>
               <a:extLst>
                 <a:ext uri="{909E8E84-426E-40dd-AFC4-6F175D3DCCD1}">
-                  <a14:hiddenFill xmlns:wpc="http://schemas.microsoft.com/office/word/2010/wordprocessingCanvas" xmlns:mc="http://schemas.openxmlformats.org/markup-compatibility/2006" xmlns:m="http://schemas.openxmlformats.org/officeDocument/2006/math" xmlns:wp14="http://schemas.microsoft.com/office/word/2010/wordprocessingDrawing" xmlns:wp="http://schemas.openxmlformats.org/drawingml/2006/wordprocessingDrawing" xmlns:w14="http://schemas.microsoft.com/office/word/2010/wordml" xmlns:w15="http://schemas.microsoft.com/office/word/2012/wordml" xmlns:wpg="http://schemas.microsoft.com/office/word/2010/wordprocessingGroup" xmlns:wpi="http://schemas.microsoft.com/office/word/2010/wordprocessingInk" xmlns:wne="http://schemas.microsoft.com/office/word/2006/wordml" xmlns:wps="http://schemas.microsoft.com/office/word/2010/wordprocessingShape" xmlns:cx="http://schemas.microsoft.com/office/drawing/2014/chartex" xmlns:cx1="http://schemas.microsoft.com/office/drawing/2015/9/8/chartex" xmlns:cx2="http://schemas.microsoft.com/office/drawing/2015/10/21/chartex" xmlns:cx3="http://schemas.microsoft.com/office/drawing/2016/5/9/chartex" xmlns:cx4="http://schemas.microsoft.com/office/drawing/2016/5/10/chartex" xmlns:cx5="http://schemas.microsoft.com/office/drawing/2016/5/11/chartex" xmlns:cx6="http://schemas.microsoft.com/office/drawing/2016/5/12/chartex" xmlns:cx7="http://schemas.microsoft.com/office/drawing/2016/5/13/chartex" xmlns:cx8="http://schemas.microsoft.com/office/drawing/2016/5/14/chartex" xmlns:aink="http://schemas.microsoft.com/office/drawing/2016/ink" xmlns:am3d="http://schemas.microsoft.com/office/drawing/2017/model3d" xmlns:w16cid="http://schemas.microsoft.com/office/word/2016/wordml/cid" xmlns:w16se="http://schemas.microsoft.com/office/word/2015/wordml/symex" xmlns:a14="http://schemas.microsoft.com/office/drawing/2010/main" xmlns:w="http://schemas.openxmlformats.org/wordprocessingml/2006/main" xmlns:w10="urn:schemas-microsoft-com:office:word" xmlns:v="urn:schemas-microsoft-com:vml" xmlns:o="urn:schemas-microsoft-com:office:office" xmlns:mv="urn:schemas-microsoft-com:mac:vml" xmlns:mo="http://schemas.microsoft.com/office/mac/office/2008/main" xmlns="" xmlns:arto="http://schemas.microsoft.com/office/word/2006/arto" xmlns:lc="http://schemas.openxmlformats.org/drawingml/2006/lockedCanvas">
+                  <a14:hiddenFill xmlns:lc="http://schemas.openxmlformats.org/drawingml/2006/lockedCanvas" xmlns:arto="http://schemas.microsoft.com/office/word/2006/arto" xmlns="" xmlns:mo="http://schemas.microsoft.com/office/mac/office/2008/main" xmlns:mv="urn:schemas-microsoft-com:mac:vml" xmlns:o="urn:schemas-microsoft-com:office:office" xmlns:v="urn:schemas-microsoft-com:vml" xmlns:w10="urn:schemas-microsoft-com:office:word" xmlns:w="http://schemas.openxmlformats.org/wordprocessingml/2006/main" xmlns:a14="http://schemas.microsoft.com/office/drawing/2010/main" xmlns:w16se="http://schemas.microsoft.com/office/word/2015/wordml/symex" xmlns:w16cid="http://schemas.microsoft.com/office/word/2016/wordml/cid" xmlns:am3d="http://schemas.microsoft.com/office/drawing/2017/model3d" xmlns:aink="http://schemas.microsoft.com/office/drawing/2016/ink" xmlns:cx8="http://schemas.microsoft.com/office/drawing/2016/5/14/chartex" xmlns:cx7="http://schemas.microsoft.com/office/drawing/2016/5/13/chartex" xmlns:cx6="http://schemas.microsoft.com/office/drawing/2016/5/12/chartex" xmlns:cx5="http://schemas.microsoft.com/office/drawing/2016/5/11/chartex" xmlns:cx4="http://schemas.microsoft.com/office/drawing/2016/5/10/chartex" xmlns:cx3="http://schemas.microsoft.com/office/drawing/2016/5/9/chartex" xmlns:cx2="http://schemas.microsoft.com/office/drawing/2015/10/21/chartex" xmlns:cx1="http://schemas.microsoft.com/office/drawing/2015/9/8/chartex" xmlns:cx="http://schemas.microsoft.com/office/drawing/2014/chartex" xmlns:wps="http://schemas.microsoft.com/office/word/2010/wordprocessingShape" xmlns:wne="http://schemas.microsoft.com/office/word/2006/wordml" xmlns:wpi="http://schemas.microsoft.com/office/word/2010/wordprocessingInk" xmlns:wpg="http://schemas.microsoft.com/office/word/2010/wordprocessingGroup" xmlns:w15="http://schemas.microsoft.com/office/word/2012/wordml" xmlns:w14="http://schemas.microsoft.com/office/word/2010/wordml" xmlns:wp="http://schemas.openxmlformats.org/drawingml/2006/wordprocessingDrawing" xmlns:wp14="http://schemas.microsoft.com/office/word/2010/wordprocessingDrawing" xmlns:m="http://schemas.openxmlformats.org/officeDocument/2006/math" xmlns:mc="http://schemas.openxmlformats.org/markup-compatibility/2006" xmlns:wpc="http://schemas.microsoft.com/office/word/2010/wordprocessingCanvas">
                     <a:noFill/>
                   </a14:hiddenFill>
                 </a:ext>
@@ -3644,7 +3271,7 @@
               </a:ln>
               <a:extLst>
                 <a:ext uri="{909E8E84-426E-40dd-AFC4-6F175D3DCCD1}">
-                  <a14:hiddenFill xmlns:wpc="http://schemas.microsoft.com/office/word/2010/wordprocessingCanvas" xmlns:mc="http://schemas.openxmlformats.org/markup-compatibility/2006" xmlns:m="http://schemas.openxmlformats.org/officeDocument/2006/math" xmlns:wp14="http://schemas.microsoft.com/office/word/2010/wordprocessingDrawing" xmlns:wp="http://schemas.openxmlformats.org/drawingml/2006/wordprocessingDrawing" xmlns:w14="http://schemas.microsoft.com/office/word/2010/wordml" xmlns:w15="http://schemas.microsoft.com/office/word/2012/wordml" xmlns:wpg="http://schemas.microsoft.com/office/word/2010/wordprocessingGroup" xmlns:wpi="http://schemas.microsoft.com/office/word/2010/wordprocessingInk" xmlns:wne="http://schemas.microsoft.com/office/word/2006/wordml" xmlns:wps="http://schemas.microsoft.com/office/word/2010/wordprocessingShape" xmlns:cx="http://schemas.microsoft.com/office/drawing/2014/chartex" xmlns:cx1="http://schemas.microsoft.com/office/drawing/2015/9/8/chartex" xmlns:cx2="http://schemas.microsoft.com/office/drawing/2015/10/21/chartex" xmlns:cx3="http://schemas.microsoft.com/office/drawing/2016/5/9/chartex" xmlns:cx4="http://schemas.microsoft.com/office/drawing/2016/5/10/chartex" xmlns:cx5="http://schemas.microsoft.com/office/drawing/2016/5/11/chartex" xmlns:cx6="http://schemas.microsoft.com/office/drawing/2016/5/12/chartex" xmlns:cx7="http://schemas.microsoft.com/office/drawing/2016/5/13/chartex" xmlns:cx8="http://schemas.microsoft.com/office/drawing/2016/5/14/chartex" xmlns:aink="http://schemas.microsoft.com/office/drawing/2016/ink" xmlns:am3d="http://schemas.microsoft.com/office/drawing/2017/model3d" xmlns:w16cid="http://schemas.microsoft.com/office/word/2016/wordml/cid" xmlns:w16se="http://schemas.microsoft.com/office/word/2015/wordml/symex" xmlns:a14="http://schemas.microsoft.com/office/drawing/2010/main" xmlns:w="http://schemas.openxmlformats.org/wordprocessingml/2006/main" xmlns:w10="urn:schemas-microsoft-com:office:word" xmlns:v="urn:schemas-microsoft-com:vml" xmlns:o="urn:schemas-microsoft-com:office:office" xmlns:mv="urn:schemas-microsoft-com:mac:vml" xmlns:mo="http://schemas.microsoft.com/office/mac/office/2008/main" xmlns="" xmlns:arto="http://schemas.microsoft.com/office/word/2006/arto" xmlns:lc="http://schemas.openxmlformats.org/drawingml/2006/lockedCanvas">
+                  <a14:hiddenFill xmlns:lc="http://schemas.openxmlformats.org/drawingml/2006/lockedCanvas" xmlns:arto="http://schemas.microsoft.com/office/word/2006/arto" xmlns="" xmlns:mo="http://schemas.microsoft.com/office/mac/office/2008/main" xmlns:mv="urn:schemas-microsoft-com:mac:vml" xmlns:o="urn:schemas-microsoft-com:office:office" xmlns:v="urn:schemas-microsoft-com:vml" xmlns:w10="urn:schemas-microsoft-com:office:word" xmlns:w="http://schemas.openxmlformats.org/wordprocessingml/2006/main" xmlns:a14="http://schemas.microsoft.com/office/drawing/2010/main" xmlns:w16se="http://schemas.microsoft.com/office/word/2015/wordml/symex" xmlns:w16cid="http://schemas.microsoft.com/office/word/2016/wordml/cid" xmlns:am3d="http://schemas.microsoft.com/office/drawing/2017/model3d" xmlns:aink="http://schemas.microsoft.com/office/drawing/2016/ink" xmlns:cx8="http://schemas.microsoft.com/office/drawing/2016/5/14/chartex" xmlns:cx7="http://schemas.microsoft.com/office/drawing/2016/5/13/chartex" xmlns:cx6="http://schemas.microsoft.com/office/drawing/2016/5/12/chartex" xmlns:cx5="http://schemas.microsoft.com/office/drawing/2016/5/11/chartex" xmlns:cx4="http://schemas.microsoft.com/office/drawing/2016/5/10/chartex" xmlns:cx3="http://schemas.microsoft.com/office/drawing/2016/5/9/chartex" xmlns:cx2="http://schemas.microsoft.com/office/drawing/2015/10/21/chartex" xmlns:cx1="http://schemas.microsoft.com/office/drawing/2015/9/8/chartex" xmlns:cx="http://schemas.microsoft.com/office/drawing/2014/chartex" xmlns:wps="http://schemas.microsoft.com/office/word/2010/wordprocessingShape" xmlns:wne="http://schemas.microsoft.com/office/word/2006/wordml" xmlns:wpi="http://schemas.microsoft.com/office/word/2010/wordprocessingInk" xmlns:wpg="http://schemas.microsoft.com/office/word/2010/wordprocessingGroup" xmlns:w15="http://schemas.microsoft.com/office/word/2012/wordml" xmlns:w14="http://schemas.microsoft.com/office/word/2010/wordml" xmlns:wp="http://schemas.openxmlformats.org/drawingml/2006/wordprocessingDrawing" xmlns:wp14="http://schemas.microsoft.com/office/word/2010/wordprocessingDrawing" xmlns:m="http://schemas.openxmlformats.org/officeDocument/2006/math" xmlns:mc="http://schemas.openxmlformats.org/markup-compatibility/2006" xmlns:wpc="http://schemas.microsoft.com/office/word/2010/wordprocessingCanvas">
                     <a:noFill/>
                   </a14:hiddenFill>
                 </a:ext>
@@ -3684,7 +3311,7 @@
               </a:ln>
               <a:extLst>
                 <a:ext uri="{909E8E84-426E-40dd-AFC4-6F175D3DCCD1}">
-                  <a14:hiddenFill xmlns:wpc="http://schemas.microsoft.com/office/word/2010/wordprocessingCanvas" xmlns:mc="http://schemas.openxmlformats.org/markup-compatibility/2006" xmlns:m="http://schemas.openxmlformats.org/officeDocument/2006/math" xmlns:wp14="http://schemas.microsoft.com/office/word/2010/wordprocessingDrawing" xmlns:wp="http://schemas.openxmlformats.org/drawingml/2006/wordprocessingDrawing" xmlns:w14="http://schemas.microsoft.com/office/word/2010/wordml" xmlns:w15="http://schemas.microsoft.com/office/word/2012/wordml" xmlns:wpg="http://schemas.microsoft.com/office/word/2010/wordprocessingGroup" xmlns:wpi="http://schemas.microsoft.com/office/word/2010/wordprocessingInk" xmlns:wne="http://schemas.microsoft.com/office/word/2006/wordml" xmlns:wps="http://schemas.microsoft.com/office/word/2010/wordprocessingShape" xmlns:cx="http://schemas.microsoft.com/office/drawing/2014/chartex" xmlns:cx1="http://schemas.microsoft.com/office/drawing/2015/9/8/chartex" xmlns:cx2="http://schemas.microsoft.com/office/drawing/2015/10/21/chartex" xmlns:cx3="http://schemas.microsoft.com/office/drawing/2016/5/9/chartex" xmlns:cx4="http://schemas.microsoft.com/office/drawing/2016/5/10/chartex" xmlns:cx5="http://schemas.microsoft.com/office/drawing/2016/5/11/chartex" xmlns:cx6="http://schemas.microsoft.com/office/drawing/2016/5/12/chartex" xmlns:cx7="http://schemas.microsoft.com/office/drawing/2016/5/13/chartex" xmlns:cx8="http://schemas.microsoft.com/office/drawing/2016/5/14/chartex" xmlns:aink="http://schemas.microsoft.com/office/drawing/2016/ink" xmlns:am3d="http://schemas.microsoft.com/office/drawing/2017/model3d" xmlns:w16cid="http://schemas.microsoft.com/office/word/2016/wordml/cid" xmlns:w16se="http://schemas.microsoft.com/office/word/2015/wordml/symex" xmlns:a14="http://schemas.microsoft.com/office/drawing/2010/main" xmlns:w="http://schemas.openxmlformats.org/wordprocessingml/2006/main" xmlns:w10="urn:schemas-microsoft-com:office:word" xmlns:v="urn:schemas-microsoft-com:vml" xmlns:o="urn:schemas-microsoft-com:office:office" xmlns:mv="urn:schemas-microsoft-com:mac:vml" xmlns:mo="http://schemas.microsoft.com/office/mac/office/2008/main" xmlns="" xmlns:arto="http://schemas.microsoft.com/office/word/2006/arto" xmlns:lc="http://schemas.openxmlformats.org/drawingml/2006/lockedCanvas">
+                  <a14:hiddenFill xmlns:lc="http://schemas.openxmlformats.org/drawingml/2006/lockedCanvas" xmlns:arto="http://schemas.microsoft.com/office/word/2006/arto" xmlns="" xmlns:mo="http://schemas.microsoft.com/office/mac/office/2008/main" xmlns:mv="urn:schemas-microsoft-com:mac:vml" xmlns:o="urn:schemas-microsoft-com:office:office" xmlns:v="urn:schemas-microsoft-com:vml" xmlns:w10="urn:schemas-microsoft-com:office:word" xmlns:w="http://schemas.openxmlformats.org/wordprocessingml/2006/main" xmlns:a14="http://schemas.microsoft.com/office/drawing/2010/main" xmlns:w16se="http://schemas.microsoft.com/office/word/2015/wordml/symex" xmlns:w16cid="http://schemas.microsoft.com/office/word/2016/wordml/cid" xmlns:am3d="http://schemas.microsoft.com/office/drawing/2017/model3d" xmlns:aink="http://schemas.microsoft.com/office/drawing/2016/ink" xmlns:cx8="http://schemas.microsoft.com/office/drawing/2016/5/14/chartex" xmlns:cx7="http://schemas.microsoft.com/office/drawing/2016/5/13/chartex" xmlns:cx6="http://schemas.microsoft.com/office/drawing/2016/5/12/chartex" xmlns:cx5="http://schemas.microsoft.com/office/drawing/2016/5/11/chartex" xmlns:cx4="http://schemas.microsoft.com/office/drawing/2016/5/10/chartex" xmlns:cx3="http://schemas.microsoft.com/office/drawing/2016/5/9/chartex" xmlns:cx2="http://schemas.microsoft.com/office/drawing/2015/10/21/chartex" xmlns:cx1="http://schemas.microsoft.com/office/drawing/2015/9/8/chartex" xmlns:cx="http://schemas.microsoft.com/office/drawing/2014/chartex" xmlns:wps="http://schemas.microsoft.com/office/word/2010/wordprocessingShape" xmlns:wne="http://schemas.microsoft.com/office/word/2006/wordml" xmlns:wpi="http://schemas.microsoft.com/office/word/2010/wordprocessingInk" xmlns:wpg="http://schemas.microsoft.com/office/word/2010/wordprocessingGroup" xmlns:w15="http://schemas.microsoft.com/office/word/2012/wordml" xmlns:w14="http://schemas.microsoft.com/office/word/2010/wordml" xmlns:wp="http://schemas.openxmlformats.org/drawingml/2006/wordprocessingDrawing" xmlns:wp14="http://schemas.microsoft.com/office/word/2010/wordprocessingDrawing" xmlns:m="http://schemas.openxmlformats.org/officeDocument/2006/math" xmlns:mc="http://schemas.openxmlformats.org/markup-compatibility/2006" xmlns:wpc="http://schemas.microsoft.com/office/word/2010/wordprocessingCanvas">
                     <a:noFill/>
                   </a14:hiddenFill>
                 </a:ext>
@@ -3727,7 +3354,7 @@
             </a:ln>
             <a:extLst>
               <a:ext uri="{909E8E84-426E-40dd-AFC4-6F175D3DCCD1}">
-                <a14:hiddenFill xmlns:wpc="http://schemas.microsoft.com/office/word/2010/wordprocessingCanvas" xmlns:mc="http://schemas.openxmlformats.org/markup-compatibility/2006" xmlns:m="http://schemas.openxmlformats.org/officeDocument/2006/math" xmlns:wp14="http://schemas.microsoft.com/office/word/2010/wordprocessingDrawing" xmlns:wp="http://schemas.openxmlformats.org/drawingml/2006/wordprocessingDrawing" xmlns:w14="http://schemas.microsoft.com/office/word/2010/wordml" xmlns:w15="http://schemas.microsoft.com/office/word/2012/wordml" xmlns:wpg="http://schemas.microsoft.com/office/word/2010/wordprocessingGroup" xmlns:wpi="http://schemas.microsoft.com/office/word/2010/wordprocessingInk" xmlns:wne="http://schemas.microsoft.com/office/word/2006/wordml" xmlns:wps="http://schemas.microsoft.com/office/word/2010/wordprocessingShape" xmlns:cx="http://schemas.microsoft.com/office/drawing/2014/chartex" xmlns:cx1="http://schemas.microsoft.com/office/drawing/2015/9/8/chartex" xmlns:cx2="http://schemas.microsoft.com/office/drawing/2015/10/21/chartex" xmlns:cx3="http://schemas.microsoft.com/office/drawing/2016/5/9/chartex" xmlns:cx4="http://schemas.microsoft.com/office/drawing/2016/5/10/chartex" xmlns:cx5="http://schemas.microsoft.com/office/drawing/2016/5/11/chartex" xmlns:cx6="http://schemas.microsoft.com/office/drawing/2016/5/12/chartex" xmlns:cx7="http://schemas.microsoft.com/office/drawing/2016/5/13/chartex" xmlns:cx8="http://schemas.microsoft.com/office/drawing/2016/5/14/chartex" xmlns:aink="http://schemas.microsoft.com/office/drawing/2016/ink" xmlns:am3d="http://schemas.microsoft.com/office/drawing/2017/model3d" xmlns:w16cid="http://schemas.microsoft.com/office/word/2016/wordml/cid" xmlns:w16se="http://schemas.microsoft.com/office/word/2015/wordml/symex" xmlns:a14="http://schemas.microsoft.com/office/drawing/2010/main" xmlns:w="http://schemas.openxmlformats.org/wordprocessingml/2006/main" xmlns:w10="urn:schemas-microsoft-com:office:word" xmlns:v="urn:schemas-microsoft-com:vml" xmlns:o="urn:schemas-microsoft-com:office:office" xmlns:mv="urn:schemas-microsoft-com:mac:vml" xmlns:mo="http://schemas.microsoft.com/office/mac/office/2008/main" xmlns="" xmlns:arto="http://schemas.microsoft.com/office/word/2006/arto" xmlns:lc="http://schemas.openxmlformats.org/drawingml/2006/lockedCanvas">
+                <a14:hiddenFill xmlns:lc="http://schemas.openxmlformats.org/drawingml/2006/lockedCanvas" xmlns:arto="http://schemas.microsoft.com/office/word/2006/arto" xmlns="" xmlns:mo="http://schemas.microsoft.com/office/mac/office/2008/main" xmlns:mv="urn:schemas-microsoft-com:mac:vml" xmlns:o="urn:schemas-microsoft-com:office:office" xmlns:v="urn:schemas-microsoft-com:vml" xmlns:w10="urn:schemas-microsoft-com:office:word" xmlns:w="http://schemas.openxmlformats.org/wordprocessingml/2006/main" xmlns:a14="http://schemas.microsoft.com/office/drawing/2010/main" xmlns:w16se="http://schemas.microsoft.com/office/word/2015/wordml/symex" xmlns:w16cid="http://schemas.microsoft.com/office/word/2016/wordml/cid" xmlns:am3d="http://schemas.microsoft.com/office/drawing/2017/model3d" xmlns:aink="http://schemas.microsoft.com/office/drawing/2016/ink" xmlns:cx8="http://schemas.microsoft.com/office/drawing/2016/5/14/chartex" xmlns:cx7="http://schemas.microsoft.com/office/drawing/2016/5/13/chartex" xmlns:cx6="http://schemas.microsoft.com/office/drawing/2016/5/12/chartex" xmlns:cx5="http://schemas.microsoft.com/office/drawing/2016/5/11/chartex" xmlns:cx4="http://schemas.microsoft.com/office/drawing/2016/5/10/chartex" xmlns:cx3="http://schemas.microsoft.com/office/drawing/2016/5/9/chartex" xmlns:cx2="http://schemas.microsoft.com/office/drawing/2015/10/21/chartex" xmlns:cx1="http://schemas.microsoft.com/office/drawing/2015/9/8/chartex" xmlns:cx="http://schemas.microsoft.com/office/drawing/2014/chartex" xmlns:wps="http://schemas.microsoft.com/office/word/2010/wordprocessingShape" xmlns:wne="http://schemas.microsoft.com/office/word/2006/wordml" xmlns:wpi="http://schemas.microsoft.com/office/word/2010/wordprocessingInk" xmlns:wpg="http://schemas.microsoft.com/office/word/2010/wordprocessingGroup" xmlns:w15="http://schemas.microsoft.com/office/word/2012/wordml" xmlns:w14="http://schemas.microsoft.com/office/word/2010/wordml" xmlns:wp="http://schemas.openxmlformats.org/drawingml/2006/wordprocessingDrawing" xmlns:wp14="http://schemas.microsoft.com/office/word/2010/wordprocessingDrawing" xmlns:m="http://schemas.openxmlformats.org/officeDocument/2006/math" xmlns:mc="http://schemas.openxmlformats.org/markup-compatibility/2006" xmlns:wpc="http://schemas.microsoft.com/office/word/2010/wordprocessingCanvas">
                   <a:noFill/>
                 </a14:hiddenFill>
               </a:ext>
@@ -3762,14 +3389,14 @@
             </a:ln>
             <a:extLst>
               <a:ext uri="{909E8E84-426E-40dd-AFC4-6F175D3DCCD1}">
-                <a14:hiddenFill xmlns:wpc="http://schemas.microsoft.com/office/word/2010/wordprocessingCanvas" xmlns:mc="http://schemas.openxmlformats.org/markup-compatibility/2006" xmlns:m="http://schemas.openxmlformats.org/officeDocument/2006/math" xmlns:wp14="http://schemas.microsoft.com/office/word/2010/wordprocessingDrawing" xmlns:wp="http://schemas.openxmlformats.org/drawingml/2006/wordprocessingDrawing" xmlns:w14="http://schemas.microsoft.com/office/word/2010/wordml" xmlns:w15="http://schemas.microsoft.com/office/word/2012/wordml" xmlns:wpg="http://schemas.microsoft.com/office/word/2010/wordprocessingGroup" xmlns:wpi="http://schemas.microsoft.com/office/word/2010/wordprocessingInk" xmlns:wne="http://schemas.microsoft.com/office/word/2006/wordml" xmlns:wps="http://schemas.microsoft.com/office/word/2010/wordprocessingShape" xmlns:cx="http://schemas.microsoft.com/office/drawing/2014/chartex" xmlns:cx1="http://schemas.microsoft.com/office/drawing/2015/9/8/chartex" xmlns:cx2="http://schemas.microsoft.com/office/drawing/2015/10/21/chartex" xmlns:cx3="http://schemas.microsoft.com/office/drawing/2016/5/9/chartex" xmlns:cx4="http://schemas.microsoft.com/office/drawing/2016/5/10/chartex" xmlns:cx5="http://schemas.microsoft.com/office/drawing/2016/5/11/chartex" xmlns:cx6="http://schemas.microsoft.com/office/drawing/2016/5/12/chartex" xmlns:cx7="http://schemas.microsoft.com/office/drawing/2016/5/13/chartex" xmlns:cx8="http://schemas.microsoft.com/office/drawing/2016/5/14/chartex" xmlns:aink="http://schemas.microsoft.com/office/drawing/2016/ink" xmlns:am3d="http://schemas.microsoft.com/office/drawing/2017/model3d" xmlns:w16cid="http://schemas.microsoft.com/office/word/2016/wordml/cid" xmlns:w16se="http://schemas.microsoft.com/office/word/2015/wordml/symex" xmlns:a14="http://schemas.microsoft.com/office/drawing/2010/main" xmlns:w="http://schemas.openxmlformats.org/wordprocessingml/2006/main" xmlns:w10="urn:schemas-microsoft-com:office:word" xmlns:v="urn:schemas-microsoft-com:vml" xmlns:o="urn:schemas-microsoft-com:office:office" xmlns:mv="urn:schemas-microsoft-com:mac:vml" xmlns:mo="http://schemas.microsoft.com/office/mac/office/2008/main" xmlns="" xmlns:arto="http://schemas.microsoft.com/office/word/2006/arto" xmlns:lc="http://schemas.openxmlformats.org/drawingml/2006/lockedCanvas">
+                <a14:hiddenFill xmlns:lc="http://schemas.openxmlformats.org/drawingml/2006/lockedCanvas" xmlns:arto="http://schemas.microsoft.com/office/word/2006/arto" xmlns="" xmlns:mo="http://schemas.microsoft.com/office/mac/office/2008/main" xmlns:mv="urn:schemas-microsoft-com:mac:vml" xmlns:o="urn:schemas-microsoft-com:office:office" xmlns:v="urn:schemas-microsoft-com:vml" xmlns:w10="urn:schemas-microsoft-com:office:word" xmlns:w="http://schemas.openxmlformats.org/wordprocessingml/2006/main" xmlns:a14="http://schemas.microsoft.com/office/drawing/2010/main" xmlns:w16se="http://schemas.microsoft.com/office/word/2015/wordml/symex" xmlns:w16cid="http://schemas.microsoft.com/office/word/2016/wordml/cid" xmlns:am3d="http://schemas.microsoft.com/office/drawing/2017/model3d" xmlns:aink="http://schemas.microsoft.com/office/drawing/2016/ink" xmlns:cx8="http://schemas.microsoft.com/office/drawing/2016/5/14/chartex" xmlns:cx7="http://schemas.microsoft.com/office/drawing/2016/5/13/chartex" xmlns:cx6="http://schemas.microsoft.com/office/drawing/2016/5/12/chartex" xmlns:cx5="http://schemas.microsoft.com/office/drawing/2016/5/11/chartex" xmlns:cx4="http://schemas.microsoft.com/office/drawing/2016/5/10/chartex" xmlns:cx3="http://schemas.microsoft.com/office/drawing/2016/5/9/chartex" xmlns:cx2="http://schemas.microsoft.com/office/drawing/2015/10/21/chartex" xmlns:cx1="http://schemas.microsoft.com/office/drawing/2015/9/8/chartex" xmlns:cx="http://schemas.microsoft.com/office/drawing/2014/chartex" xmlns:wps="http://schemas.microsoft.com/office/word/2010/wordprocessingShape" xmlns:wne="http://schemas.microsoft.com/office/word/2006/wordml" xmlns:wpi="http://schemas.microsoft.com/office/word/2010/wordprocessingInk" xmlns:wpg="http://schemas.microsoft.com/office/word/2010/wordprocessingGroup" xmlns:w15="http://schemas.microsoft.com/office/word/2012/wordml" xmlns:w14="http://schemas.microsoft.com/office/word/2010/wordml" xmlns:wp="http://schemas.openxmlformats.org/drawingml/2006/wordprocessingDrawing" xmlns:wp14="http://schemas.microsoft.com/office/word/2010/wordprocessingDrawing" xmlns:m="http://schemas.openxmlformats.org/officeDocument/2006/math" xmlns:mc="http://schemas.openxmlformats.org/markup-compatibility/2006" xmlns:wpc="http://schemas.microsoft.com/office/word/2010/wordprocessingCanvas">
                   <a:solidFill>
                     <a:srgbClr val="FFFFFF"/>
                   </a:solidFill>
                 </a14:hiddenFill>
               </a:ext>
               <a:ext uri="{91240B29-F687-4f45-9708-019B960494DF}">
-                <a14:hiddenLine xmlns:wpc="http://schemas.microsoft.com/office/word/2010/wordprocessingCanvas" xmlns:mc="http://schemas.openxmlformats.org/markup-compatibility/2006" xmlns:m="http://schemas.openxmlformats.org/officeDocument/2006/math" xmlns:wp14="http://schemas.microsoft.com/office/word/2010/wordprocessingDrawing" xmlns:wp="http://schemas.openxmlformats.org/drawingml/2006/wordprocessingDrawing" xmlns:w14="http://schemas.microsoft.com/office/word/2010/wordml" xmlns:w15="http://schemas.microsoft.com/office/word/2012/wordml" xmlns:wpg="http://schemas.microsoft.com/office/word/2010/wordprocessingGroup" xmlns:wpi="http://schemas.microsoft.com/office/word/2010/wordprocessingInk" xmlns:wne="http://schemas.microsoft.com/office/word/2006/wordml" xmlns:wps="http://schemas.microsoft.com/office/word/2010/wordprocessingShape" xmlns:cx="http://schemas.microsoft.com/office/drawing/2014/chartex" xmlns:cx1="http://schemas.microsoft.com/office/drawing/2015/9/8/chartex" xmlns:cx2="http://schemas.microsoft.com/office/drawing/2015/10/21/chartex" xmlns:cx3="http://schemas.microsoft.com/office/drawing/2016/5/9/chartex" xmlns:cx4="http://schemas.microsoft.com/office/drawing/2016/5/10/chartex" xmlns:cx5="http://schemas.microsoft.com/office/drawing/2016/5/11/chartex" xmlns:cx6="http://schemas.microsoft.com/office/drawing/2016/5/12/chartex" xmlns:cx7="http://schemas.microsoft.com/office/drawing/2016/5/13/chartex" xmlns:cx8="http://schemas.microsoft.com/office/drawing/2016/5/14/chartex" xmlns:aink="http://schemas.microsoft.com/office/drawing/2016/ink" xmlns:am3d="http://schemas.microsoft.com/office/drawing/2017/model3d" xmlns:w16cid="http://schemas.microsoft.com/office/word/2016/wordml/cid" xmlns:w16se="http://schemas.microsoft.com/office/word/2015/wordml/symex" xmlns:a14="http://schemas.microsoft.com/office/drawing/2010/main" xmlns:w="http://schemas.openxmlformats.org/wordprocessingml/2006/main" xmlns:w10="urn:schemas-microsoft-com:office:word" xmlns:v="urn:schemas-microsoft-com:vml" xmlns:o="urn:schemas-microsoft-com:office:office" xmlns:mv="urn:schemas-microsoft-com:mac:vml" xmlns:mo="http://schemas.microsoft.com/office/mac/office/2008/main" xmlns="" xmlns:arto="http://schemas.microsoft.com/office/word/2006/arto" xmlns:lc="http://schemas.openxmlformats.org/drawingml/2006/lockedCanvas" w="9525">
+                <a14:hiddenLine xmlns:lc="http://schemas.openxmlformats.org/drawingml/2006/lockedCanvas" xmlns:arto="http://schemas.microsoft.com/office/word/2006/arto" xmlns="" xmlns:mo="http://schemas.microsoft.com/office/mac/office/2008/main" xmlns:mv="urn:schemas-microsoft-com:mac:vml" xmlns:o="urn:schemas-microsoft-com:office:office" xmlns:v="urn:schemas-microsoft-com:vml" xmlns:w10="urn:schemas-microsoft-com:office:word" xmlns:w="http://schemas.openxmlformats.org/wordprocessingml/2006/main" xmlns:a14="http://schemas.microsoft.com/office/drawing/2010/main" xmlns:w16se="http://schemas.microsoft.com/office/word/2015/wordml/symex" xmlns:w16cid="http://schemas.microsoft.com/office/word/2016/wordml/cid" xmlns:am3d="http://schemas.microsoft.com/office/drawing/2017/model3d" xmlns:aink="http://schemas.microsoft.com/office/drawing/2016/ink" xmlns:cx8="http://schemas.microsoft.com/office/drawing/2016/5/14/chartex" xmlns:cx7="http://schemas.microsoft.com/office/drawing/2016/5/13/chartex" xmlns:cx6="http://schemas.microsoft.com/office/drawing/2016/5/12/chartex" xmlns:cx5="http://schemas.microsoft.com/office/drawing/2016/5/11/chartex" xmlns:cx4="http://schemas.microsoft.com/office/drawing/2016/5/10/chartex" xmlns:cx3="http://schemas.microsoft.com/office/drawing/2016/5/9/chartex" xmlns:cx2="http://schemas.microsoft.com/office/drawing/2015/10/21/chartex" xmlns:cx1="http://schemas.microsoft.com/office/drawing/2015/9/8/chartex" xmlns:cx="http://schemas.microsoft.com/office/drawing/2014/chartex" xmlns:wps="http://schemas.microsoft.com/office/word/2010/wordprocessingShape" xmlns:wne="http://schemas.microsoft.com/office/word/2006/wordml" xmlns:wpi="http://schemas.microsoft.com/office/word/2010/wordprocessingInk" xmlns:wpg="http://schemas.microsoft.com/office/word/2010/wordprocessingGroup" xmlns:w15="http://schemas.microsoft.com/office/word/2012/wordml" xmlns:w14="http://schemas.microsoft.com/office/word/2010/wordml" xmlns:wp="http://schemas.openxmlformats.org/drawingml/2006/wordprocessingDrawing" xmlns:wp14="http://schemas.microsoft.com/office/word/2010/wordprocessingDrawing" xmlns:m="http://schemas.openxmlformats.org/officeDocument/2006/math" xmlns:mc="http://schemas.openxmlformats.org/markup-compatibility/2006" xmlns:wpc="http://schemas.microsoft.com/office/word/2010/wordprocessingCanvas" w="9525">
                   <a:solidFill>
                     <a:srgbClr val="000000"/>
                   </a:solidFill>
@@ -3786,17 +3413,8 @@
             </a:bodyPr>
             <a:lstStyle/>
             <a:p>
-              <a:pPr marL="0" marR="0">
-                <a:spcBef>
-                  <a:spcPts val="0"/>
-                </a:spcBef>
-                <a:spcAft>
-                  <a:spcPts val="0"/>
-                </a:spcAft>
-              </a:pPr>
               <a:r>
                 <a:rPr lang="it-IT" sz="900">
-                  <a:effectLst/>
                   <a:latin typeface="Times New Roman" panose="02020603050405020304" pitchFamily="18" charset="0"/>
                   <a:ea typeface="Arial Unicode MS" panose="020B0604020202020204" pitchFamily="34" charset="-128"/>
                 </a:rPr>
@@ -3804,44 +3422,36 @@
               </a:r>
               <a:br>
                 <a:rPr lang="it-IT" sz="900">
-                  <a:effectLst/>
                   <a:latin typeface="Times New Roman" panose="02020603050405020304" pitchFamily="18" charset="0"/>
                   <a:ea typeface="Arial Unicode MS" panose="020B0604020202020204" pitchFamily="34" charset="-128"/>
                 </a:rPr>
               </a:br>
               <a:r>
                 <a:rPr lang="it-IT" sz="900">
-                  <a:effectLst/>
                   <a:latin typeface="Times New Roman" panose="02020603050405020304" pitchFamily="18" charset="0"/>
                   <a:ea typeface="Times New Roman" panose="02020603050405020304" pitchFamily="18" charset="0"/>
                 </a:rPr>
                 <a:t>[ITI-68] </a:t>
               </a:r>
               <a:endParaRPr lang="en-US" sz="1200">
-                <a:effectLst/>
                 <a:latin typeface="Times New Roman" panose="02020603050405020304" pitchFamily="18" charset="0"/>
                 <a:ea typeface="Times New Roman" panose="02020603050405020304" pitchFamily="18" charset="0"/>
               </a:endParaRPr>
             </a:p>
             <a:p>
-              <a:pPr marL="0" marR="0">
+              <a:pPr>
                 <a:spcBef>
                   <a:spcPts val="600"/>
                 </a:spcBef>
-                <a:spcAft>
-                  <a:spcPts val="0"/>
-                </a:spcAft>
               </a:pPr>
               <a:r>
                 <a:rPr lang="it-IT" sz="1100">
-                  <a:effectLst/>
                   <a:latin typeface="Arial" panose="020B0604020202020204" pitchFamily="34" charset="0"/>
                   <a:ea typeface="Times New Roman" panose="02020603050405020304" pitchFamily="18" charset="0"/>
                 </a:rPr>
                 <a:t> </a:t>
               </a:r>
               <a:endParaRPr lang="en-US" sz="1200">
-                <a:effectLst/>
                 <a:latin typeface="Times New Roman" panose="02020603050405020304" pitchFamily="18" charset="0"/>
                 <a:ea typeface="Times New Roman" panose="02020603050405020304" pitchFamily="18" charset="0"/>
               </a:endParaRPr>
@@ -3876,14 +3486,14 @@
             </a:ln>
             <a:extLst>
               <a:ext uri="{909E8E84-426E-40dd-AFC4-6F175D3DCCD1}">
-                <a14:hiddenFill xmlns:wpc="http://schemas.microsoft.com/office/word/2010/wordprocessingCanvas" xmlns:mc="http://schemas.openxmlformats.org/markup-compatibility/2006" xmlns:m="http://schemas.openxmlformats.org/officeDocument/2006/math" xmlns:wp14="http://schemas.microsoft.com/office/word/2010/wordprocessingDrawing" xmlns:wp="http://schemas.openxmlformats.org/drawingml/2006/wordprocessingDrawing" xmlns:w14="http://schemas.microsoft.com/office/word/2010/wordml" xmlns:w15="http://schemas.microsoft.com/office/word/2012/wordml" xmlns:wpg="http://schemas.microsoft.com/office/word/2010/wordprocessingGroup" xmlns:wpi="http://schemas.microsoft.com/office/word/2010/wordprocessingInk" xmlns:wne="http://schemas.microsoft.com/office/word/2006/wordml" xmlns:wps="http://schemas.microsoft.com/office/word/2010/wordprocessingShape" xmlns:cx="http://schemas.microsoft.com/office/drawing/2014/chartex" xmlns:cx1="http://schemas.microsoft.com/office/drawing/2015/9/8/chartex" xmlns:cx2="http://schemas.microsoft.com/office/drawing/2015/10/21/chartex" xmlns:cx3="http://schemas.microsoft.com/office/drawing/2016/5/9/chartex" xmlns:cx4="http://schemas.microsoft.com/office/drawing/2016/5/10/chartex" xmlns:cx5="http://schemas.microsoft.com/office/drawing/2016/5/11/chartex" xmlns:cx6="http://schemas.microsoft.com/office/drawing/2016/5/12/chartex" xmlns:cx7="http://schemas.microsoft.com/office/drawing/2016/5/13/chartex" xmlns:cx8="http://schemas.microsoft.com/office/drawing/2016/5/14/chartex" xmlns:aink="http://schemas.microsoft.com/office/drawing/2016/ink" xmlns:am3d="http://schemas.microsoft.com/office/drawing/2017/model3d" xmlns:w16cid="http://schemas.microsoft.com/office/word/2016/wordml/cid" xmlns:w16se="http://schemas.microsoft.com/office/word/2015/wordml/symex" xmlns:a14="http://schemas.microsoft.com/office/drawing/2010/main" xmlns:w="http://schemas.openxmlformats.org/wordprocessingml/2006/main" xmlns:w10="urn:schemas-microsoft-com:office:word" xmlns:v="urn:schemas-microsoft-com:vml" xmlns:o="urn:schemas-microsoft-com:office:office" xmlns:mv="urn:schemas-microsoft-com:mac:vml" xmlns:mo="http://schemas.microsoft.com/office/mac/office/2008/main" xmlns="" xmlns:arto="http://schemas.microsoft.com/office/word/2006/arto" xmlns:lc="http://schemas.openxmlformats.org/drawingml/2006/lockedCanvas">
+                <a14:hiddenFill xmlns:lc="http://schemas.openxmlformats.org/drawingml/2006/lockedCanvas" xmlns:arto="http://schemas.microsoft.com/office/word/2006/arto" xmlns="" xmlns:mo="http://schemas.microsoft.com/office/mac/office/2008/main" xmlns:mv="urn:schemas-microsoft-com:mac:vml" xmlns:o="urn:schemas-microsoft-com:office:office" xmlns:v="urn:schemas-microsoft-com:vml" xmlns:w10="urn:schemas-microsoft-com:office:word" xmlns:w="http://schemas.openxmlformats.org/wordprocessingml/2006/main" xmlns:a14="http://schemas.microsoft.com/office/drawing/2010/main" xmlns:w16se="http://schemas.microsoft.com/office/word/2015/wordml/symex" xmlns:w16cid="http://schemas.microsoft.com/office/word/2016/wordml/cid" xmlns:am3d="http://schemas.microsoft.com/office/drawing/2017/model3d" xmlns:aink="http://schemas.microsoft.com/office/drawing/2016/ink" xmlns:cx8="http://schemas.microsoft.com/office/drawing/2016/5/14/chartex" xmlns:cx7="http://schemas.microsoft.com/office/drawing/2016/5/13/chartex" xmlns:cx6="http://schemas.microsoft.com/office/drawing/2016/5/12/chartex" xmlns:cx5="http://schemas.microsoft.com/office/drawing/2016/5/11/chartex" xmlns:cx4="http://schemas.microsoft.com/office/drawing/2016/5/10/chartex" xmlns:cx3="http://schemas.microsoft.com/office/drawing/2016/5/9/chartex" xmlns:cx2="http://schemas.microsoft.com/office/drawing/2015/10/21/chartex" xmlns:cx1="http://schemas.microsoft.com/office/drawing/2015/9/8/chartex" xmlns:cx="http://schemas.microsoft.com/office/drawing/2014/chartex" xmlns:wps="http://schemas.microsoft.com/office/word/2010/wordprocessingShape" xmlns:wne="http://schemas.microsoft.com/office/word/2006/wordml" xmlns:wpi="http://schemas.microsoft.com/office/word/2010/wordprocessingInk" xmlns:wpg="http://schemas.microsoft.com/office/word/2010/wordprocessingGroup" xmlns:w15="http://schemas.microsoft.com/office/word/2012/wordml" xmlns:w14="http://schemas.microsoft.com/office/word/2010/wordml" xmlns:wp="http://schemas.openxmlformats.org/drawingml/2006/wordprocessingDrawing" xmlns:wp14="http://schemas.microsoft.com/office/word/2010/wordprocessingDrawing" xmlns:m="http://schemas.openxmlformats.org/officeDocument/2006/math" xmlns:mc="http://schemas.openxmlformats.org/markup-compatibility/2006" xmlns:wpc="http://schemas.microsoft.com/office/word/2010/wordprocessingCanvas">
                   <a:solidFill>
                     <a:srgbClr val="FFFFFF"/>
                   </a:solidFill>
                 </a14:hiddenFill>
               </a:ext>
               <a:ext uri="{91240B29-F687-4f45-9708-019B960494DF}">
-                <a14:hiddenLine xmlns:wpc="http://schemas.microsoft.com/office/word/2010/wordprocessingCanvas" xmlns:mc="http://schemas.openxmlformats.org/markup-compatibility/2006" xmlns:m="http://schemas.openxmlformats.org/officeDocument/2006/math" xmlns:wp14="http://schemas.microsoft.com/office/word/2010/wordprocessingDrawing" xmlns:wp="http://schemas.openxmlformats.org/drawingml/2006/wordprocessingDrawing" xmlns:w14="http://schemas.microsoft.com/office/word/2010/wordml" xmlns:w15="http://schemas.microsoft.com/office/word/2012/wordml" xmlns:wpg="http://schemas.microsoft.com/office/word/2010/wordprocessingGroup" xmlns:wpi="http://schemas.microsoft.com/office/word/2010/wordprocessingInk" xmlns:wne="http://schemas.microsoft.com/office/word/2006/wordml" xmlns:wps="http://schemas.microsoft.com/office/word/2010/wordprocessingShape" xmlns:cx="http://schemas.microsoft.com/office/drawing/2014/chartex" xmlns:cx1="http://schemas.microsoft.com/office/drawing/2015/9/8/chartex" xmlns:cx2="http://schemas.microsoft.com/office/drawing/2015/10/21/chartex" xmlns:cx3="http://schemas.microsoft.com/office/drawing/2016/5/9/chartex" xmlns:cx4="http://schemas.microsoft.com/office/drawing/2016/5/10/chartex" xmlns:cx5="http://schemas.microsoft.com/office/drawing/2016/5/11/chartex" xmlns:cx6="http://schemas.microsoft.com/office/drawing/2016/5/12/chartex" xmlns:cx7="http://schemas.microsoft.com/office/drawing/2016/5/13/chartex" xmlns:cx8="http://schemas.microsoft.com/office/drawing/2016/5/14/chartex" xmlns:aink="http://schemas.microsoft.com/office/drawing/2016/ink" xmlns:am3d="http://schemas.microsoft.com/office/drawing/2017/model3d" xmlns:w16cid="http://schemas.microsoft.com/office/word/2016/wordml/cid" xmlns:w16se="http://schemas.microsoft.com/office/word/2015/wordml/symex" xmlns:a14="http://schemas.microsoft.com/office/drawing/2010/main" xmlns:w="http://schemas.openxmlformats.org/wordprocessingml/2006/main" xmlns:w10="urn:schemas-microsoft-com:office:word" xmlns:v="urn:schemas-microsoft-com:vml" xmlns:o="urn:schemas-microsoft-com:office:office" xmlns:mv="urn:schemas-microsoft-com:mac:vml" xmlns:mo="http://schemas.microsoft.com/office/mac/office/2008/main" xmlns="" xmlns:arto="http://schemas.microsoft.com/office/word/2006/arto" xmlns:lc="http://schemas.openxmlformats.org/drawingml/2006/lockedCanvas" w="9525">
+                <a14:hiddenLine xmlns:lc="http://schemas.openxmlformats.org/drawingml/2006/lockedCanvas" xmlns:arto="http://schemas.microsoft.com/office/word/2006/arto" xmlns="" xmlns:mo="http://schemas.microsoft.com/office/mac/office/2008/main" xmlns:mv="urn:schemas-microsoft-com:mac:vml" xmlns:o="urn:schemas-microsoft-com:office:office" xmlns:v="urn:schemas-microsoft-com:vml" xmlns:w10="urn:schemas-microsoft-com:office:word" xmlns:w="http://schemas.openxmlformats.org/wordprocessingml/2006/main" xmlns:a14="http://schemas.microsoft.com/office/drawing/2010/main" xmlns:w16se="http://schemas.microsoft.com/office/word/2015/wordml/symex" xmlns:w16cid="http://schemas.microsoft.com/office/word/2016/wordml/cid" xmlns:am3d="http://schemas.microsoft.com/office/drawing/2017/model3d" xmlns:aink="http://schemas.microsoft.com/office/drawing/2016/ink" xmlns:cx8="http://schemas.microsoft.com/office/drawing/2016/5/14/chartex" xmlns:cx7="http://schemas.microsoft.com/office/drawing/2016/5/13/chartex" xmlns:cx6="http://schemas.microsoft.com/office/drawing/2016/5/12/chartex" xmlns:cx5="http://schemas.microsoft.com/office/drawing/2016/5/11/chartex" xmlns:cx4="http://schemas.microsoft.com/office/drawing/2016/5/10/chartex" xmlns:cx3="http://schemas.microsoft.com/office/drawing/2016/5/9/chartex" xmlns:cx2="http://schemas.microsoft.com/office/drawing/2015/10/21/chartex" xmlns:cx1="http://schemas.microsoft.com/office/drawing/2015/9/8/chartex" xmlns:cx="http://schemas.microsoft.com/office/drawing/2014/chartex" xmlns:wps="http://schemas.microsoft.com/office/word/2010/wordprocessingShape" xmlns:wne="http://schemas.microsoft.com/office/word/2006/wordml" xmlns:wpi="http://schemas.microsoft.com/office/word/2010/wordprocessingInk" xmlns:wpg="http://schemas.microsoft.com/office/word/2010/wordprocessingGroup" xmlns:w15="http://schemas.microsoft.com/office/word/2012/wordml" xmlns:w14="http://schemas.microsoft.com/office/word/2010/wordml" xmlns:wp="http://schemas.openxmlformats.org/drawingml/2006/wordprocessingDrawing" xmlns:wp14="http://schemas.microsoft.com/office/word/2010/wordprocessingDrawing" xmlns:m="http://schemas.openxmlformats.org/officeDocument/2006/math" xmlns:mc="http://schemas.openxmlformats.org/markup-compatibility/2006" xmlns:wpc="http://schemas.microsoft.com/office/word/2010/wordprocessingCanvas" w="9525">
                   <a:solidFill>
                     <a:srgbClr val="000000"/>
                   </a:solidFill>
@@ -3900,17 +3510,8 @@
             </a:bodyPr>
             <a:lstStyle/>
             <a:p>
-              <a:pPr marL="0" marR="0">
-                <a:spcBef>
-                  <a:spcPts val="0"/>
-                </a:spcBef>
-                <a:spcAft>
-                  <a:spcPts val="0"/>
-                </a:spcAft>
-              </a:pPr>
               <a:r>
                 <a:rPr lang="en-US" sz="900">
-                  <a:effectLst/>
                   <a:latin typeface="Times New Roman" panose="02020603050405020304" pitchFamily="18" charset="0"/>
                   <a:ea typeface="Arial Unicode MS" panose="020B0604020202020204" pitchFamily="34" charset="-128"/>
                 </a:rPr>
@@ -3918,37 +3519,30 @@
               </a:r>
               <a:r>
                 <a:rPr lang="en-US" sz="900">
-                  <a:effectLst/>
                   <a:latin typeface="Times New Roman" panose="02020603050405020304" pitchFamily="18" charset="0"/>
                   <a:ea typeface="Times New Roman" panose="02020603050405020304" pitchFamily="18" charset="0"/>
                 </a:rPr>
                 <a:t>[ITI-67] </a:t>
               </a:r>
               <a:endParaRPr lang="en-US" sz="1200">
-                <a:effectLst/>
                 <a:latin typeface="Times New Roman" panose="02020603050405020304" pitchFamily="18" charset="0"/>
                 <a:ea typeface="Times New Roman" panose="02020603050405020304" pitchFamily="18" charset="0"/>
               </a:endParaRPr>
             </a:p>
             <a:p>
-              <a:pPr marL="0" marR="0">
+              <a:pPr>
                 <a:spcBef>
                   <a:spcPts val="600"/>
                 </a:spcBef>
-                <a:spcAft>
-                  <a:spcPts val="0"/>
-                </a:spcAft>
               </a:pPr>
               <a:r>
                 <a:rPr lang="en-US" sz="1100">
-                  <a:effectLst/>
                   <a:latin typeface="Arial" panose="020B0604020202020204" pitchFamily="34" charset="0"/>
                   <a:ea typeface="Times New Roman" panose="02020603050405020304" pitchFamily="18" charset="0"/>
                 </a:rPr>
                 <a:t> </a:t>
               </a:r>
               <a:endParaRPr lang="en-US" sz="1200">
-                <a:effectLst/>
                 <a:latin typeface="Times New Roman" panose="02020603050405020304" pitchFamily="18" charset="0"/>
                 <a:ea typeface="Times New Roman" panose="02020603050405020304" pitchFamily="18" charset="0"/>
               </a:endParaRPr>
@@ -3983,14 +3577,14 @@
             </a:ln>
             <a:extLst>
               <a:ext uri="{909E8E84-426E-40dd-AFC4-6F175D3DCCD1}">
-                <a14:hiddenFill xmlns:wpc="http://schemas.microsoft.com/office/word/2010/wordprocessingCanvas" xmlns:mc="http://schemas.openxmlformats.org/markup-compatibility/2006" xmlns:m="http://schemas.openxmlformats.org/officeDocument/2006/math" xmlns:wp14="http://schemas.microsoft.com/office/word/2010/wordprocessingDrawing" xmlns:wp="http://schemas.openxmlformats.org/drawingml/2006/wordprocessingDrawing" xmlns:w14="http://schemas.microsoft.com/office/word/2010/wordml" xmlns:w15="http://schemas.microsoft.com/office/word/2012/wordml" xmlns:wpg="http://schemas.microsoft.com/office/word/2010/wordprocessingGroup" xmlns:wpi="http://schemas.microsoft.com/office/word/2010/wordprocessingInk" xmlns:wne="http://schemas.microsoft.com/office/word/2006/wordml" xmlns:wps="http://schemas.microsoft.com/office/word/2010/wordprocessingShape" xmlns:cx="http://schemas.microsoft.com/office/drawing/2014/chartex" xmlns:cx1="http://schemas.microsoft.com/office/drawing/2015/9/8/chartex" xmlns:cx2="http://schemas.microsoft.com/office/drawing/2015/10/21/chartex" xmlns:cx3="http://schemas.microsoft.com/office/drawing/2016/5/9/chartex" xmlns:cx4="http://schemas.microsoft.com/office/drawing/2016/5/10/chartex" xmlns:cx5="http://schemas.microsoft.com/office/drawing/2016/5/11/chartex" xmlns:cx6="http://schemas.microsoft.com/office/drawing/2016/5/12/chartex" xmlns:cx7="http://schemas.microsoft.com/office/drawing/2016/5/13/chartex" xmlns:cx8="http://schemas.microsoft.com/office/drawing/2016/5/14/chartex" xmlns:aink="http://schemas.microsoft.com/office/drawing/2016/ink" xmlns:am3d="http://schemas.microsoft.com/office/drawing/2017/model3d" xmlns:w16cid="http://schemas.microsoft.com/office/word/2016/wordml/cid" xmlns:w16se="http://schemas.microsoft.com/office/word/2015/wordml/symex" xmlns:a14="http://schemas.microsoft.com/office/drawing/2010/main" xmlns:w="http://schemas.openxmlformats.org/wordprocessingml/2006/main" xmlns:w10="urn:schemas-microsoft-com:office:word" xmlns:v="urn:schemas-microsoft-com:vml" xmlns:o="urn:schemas-microsoft-com:office:office" xmlns:mv="urn:schemas-microsoft-com:mac:vml" xmlns:mo="http://schemas.microsoft.com/office/mac/office/2008/main" xmlns="" xmlns:arto="http://schemas.microsoft.com/office/word/2006/arto" xmlns:lc="http://schemas.openxmlformats.org/drawingml/2006/lockedCanvas">
+                <a14:hiddenFill xmlns:lc="http://schemas.openxmlformats.org/drawingml/2006/lockedCanvas" xmlns:arto="http://schemas.microsoft.com/office/word/2006/arto" xmlns="" xmlns:mo="http://schemas.microsoft.com/office/mac/office/2008/main" xmlns:mv="urn:schemas-microsoft-com:mac:vml" xmlns:o="urn:schemas-microsoft-com:office:office" xmlns:v="urn:schemas-microsoft-com:vml" xmlns:w10="urn:schemas-microsoft-com:office:word" xmlns:w="http://schemas.openxmlformats.org/wordprocessingml/2006/main" xmlns:a14="http://schemas.microsoft.com/office/drawing/2010/main" xmlns:w16se="http://schemas.microsoft.com/office/word/2015/wordml/symex" xmlns:w16cid="http://schemas.microsoft.com/office/word/2016/wordml/cid" xmlns:am3d="http://schemas.microsoft.com/office/drawing/2017/model3d" xmlns:aink="http://schemas.microsoft.com/office/drawing/2016/ink" xmlns:cx8="http://schemas.microsoft.com/office/drawing/2016/5/14/chartex" xmlns:cx7="http://schemas.microsoft.com/office/drawing/2016/5/13/chartex" xmlns:cx6="http://schemas.microsoft.com/office/drawing/2016/5/12/chartex" xmlns:cx5="http://schemas.microsoft.com/office/drawing/2016/5/11/chartex" xmlns:cx4="http://schemas.microsoft.com/office/drawing/2016/5/10/chartex" xmlns:cx3="http://schemas.microsoft.com/office/drawing/2016/5/9/chartex" xmlns:cx2="http://schemas.microsoft.com/office/drawing/2015/10/21/chartex" xmlns:cx1="http://schemas.microsoft.com/office/drawing/2015/9/8/chartex" xmlns:cx="http://schemas.microsoft.com/office/drawing/2014/chartex" xmlns:wps="http://schemas.microsoft.com/office/word/2010/wordprocessingShape" xmlns:wne="http://schemas.microsoft.com/office/word/2006/wordml" xmlns:wpi="http://schemas.microsoft.com/office/word/2010/wordprocessingInk" xmlns:wpg="http://schemas.microsoft.com/office/word/2010/wordprocessingGroup" xmlns:w15="http://schemas.microsoft.com/office/word/2012/wordml" xmlns:w14="http://schemas.microsoft.com/office/word/2010/wordml" xmlns:wp="http://schemas.openxmlformats.org/drawingml/2006/wordprocessingDrawing" xmlns:wp14="http://schemas.microsoft.com/office/word/2010/wordprocessingDrawing" xmlns:m="http://schemas.openxmlformats.org/officeDocument/2006/math" xmlns:mc="http://schemas.openxmlformats.org/markup-compatibility/2006" xmlns:wpc="http://schemas.microsoft.com/office/word/2010/wordprocessingCanvas">
                   <a:solidFill>
                     <a:srgbClr val="FFFFFF"/>
                   </a:solidFill>
                 </a14:hiddenFill>
               </a:ext>
               <a:ext uri="{91240B29-F687-4f45-9708-019B960494DF}">
-                <a14:hiddenLine xmlns:wpc="http://schemas.microsoft.com/office/word/2010/wordprocessingCanvas" xmlns:mc="http://schemas.openxmlformats.org/markup-compatibility/2006" xmlns:m="http://schemas.openxmlformats.org/officeDocument/2006/math" xmlns:wp14="http://schemas.microsoft.com/office/word/2010/wordprocessingDrawing" xmlns:wp="http://schemas.openxmlformats.org/drawingml/2006/wordprocessingDrawing" xmlns:w14="http://schemas.microsoft.com/office/word/2010/wordml" xmlns:w15="http://schemas.microsoft.com/office/word/2012/wordml" xmlns:wpg="http://schemas.microsoft.com/office/word/2010/wordprocessingGroup" xmlns:wpi="http://schemas.microsoft.com/office/word/2010/wordprocessingInk" xmlns:wne="http://schemas.microsoft.com/office/word/2006/wordml" xmlns:wps="http://schemas.microsoft.com/office/word/2010/wordprocessingShape" xmlns:cx="http://schemas.microsoft.com/office/drawing/2014/chartex" xmlns:cx1="http://schemas.microsoft.com/office/drawing/2015/9/8/chartex" xmlns:cx2="http://schemas.microsoft.com/office/drawing/2015/10/21/chartex" xmlns:cx3="http://schemas.microsoft.com/office/drawing/2016/5/9/chartex" xmlns:cx4="http://schemas.microsoft.com/office/drawing/2016/5/10/chartex" xmlns:cx5="http://schemas.microsoft.com/office/drawing/2016/5/11/chartex" xmlns:cx6="http://schemas.microsoft.com/office/drawing/2016/5/12/chartex" xmlns:cx7="http://schemas.microsoft.com/office/drawing/2016/5/13/chartex" xmlns:cx8="http://schemas.microsoft.com/office/drawing/2016/5/14/chartex" xmlns:aink="http://schemas.microsoft.com/office/drawing/2016/ink" xmlns:am3d="http://schemas.microsoft.com/office/drawing/2017/model3d" xmlns:w16cid="http://schemas.microsoft.com/office/word/2016/wordml/cid" xmlns:w16se="http://schemas.microsoft.com/office/word/2015/wordml/symex" xmlns:a14="http://schemas.microsoft.com/office/drawing/2010/main" xmlns:w="http://schemas.openxmlformats.org/wordprocessingml/2006/main" xmlns:w10="urn:schemas-microsoft-com:office:word" xmlns:v="urn:schemas-microsoft-com:vml" xmlns:o="urn:schemas-microsoft-com:office:office" xmlns:mv="urn:schemas-microsoft-com:mac:vml" xmlns:mo="http://schemas.microsoft.com/office/mac/office/2008/main" xmlns="" xmlns:arto="http://schemas.microsoft.com/office/word/2006/arto" xmlns:lc="http://schemas.openxmlformats.org/drawingml/2006/lockedCanvas" w="9525">
+                <a14:hiddenLine xmlns:lc="http://schemas.openxmlformats.org/drawingml/2006/lockedCanvas" xmlns:arto="http://schemas.microsoft.com/office/word/2006/arto" xmlns="" xmlns:mo="http://schemas.microsoft.com/office/mac/office/2008/main" xmlns:mv="urn:schemas-microsoft-com:mac:vml" xmlns:o="urn:schemas-microsoft-com:office:office" xmlns:v="urn:schemas-microsoft-com:vml" xmlns:w10="urn:schemas-microsoft-com:office:word" xmlns:w="http://schemas.openxmlformats.org/wordprocessingml/2006/main" xmlns:a14="http://schemas.microsoft.com/office/drawing/2010/main" xmlns:w16se="http://schemas.microsoft.com/office/word/2015/wordml/symex" xmlns:w16cid="http://schemas.microsoft.com/office/word/2016/wordml/cid" xmlns:am3d="http://schemas.microsoft.com/office/drawing/2017/model3d" xmlns:aink="http://schemas.microsoft.com/office/drawing/2016/ink" xmlns:cx8="http://schemas.microsoft.com/office/drawing/2016/5/14/chartex" xmlns:cx7="http://schemas.microsoft.com/office/drawing/2016/5/13/chartex" xmlns:cx6="http://schemas.microsoft.com/office/drawing/2016/5/12/chartex" xmlns:cx5="http://schemas.microsoft.com/office/drawing/2016/5/11/chartex" xmlns:cx4="http://schemas.microsoft.com/office/drawing/2016/5/10/chartex" xmlns:cx3="http://schemas.microsoft.com/office/drawing/2016/5/9/chartex" xmlns:cx2="http://schemas.microsoft.com/office/drawing/2015/10/21/chartex" xmlns:cx1="http://schemas.microsoft.com/office/drawing/2015/9/8/chartex" xmlns:cx="http://schemas.microsoft.com/office/drawing/2014/chartex" xmlns:wps="http://schemas.microsoft.com/office/word/2010/wordprocessingShape" xmlns:wne="http://schemas.microsoft.com/office/word/2006/wordml" xmlns:wpi="http://schemas.microsoft.com/office/word/2010/wordprocessingInk" xmlns:wpg="http://schemas.microsoft.com/office/word/2010/wordprocessingGroup" xmlns:w15="http://schemas.microsoft.com/office/word/2012/wordml" xmlns:w14="http://schemas.microsoft.com/office/word/2010/wordml" xmlns:wp="http://schemas.openxmlformats.org/drawingml/2006/wordprocessingDrawing" xmlns:wp14="http://schemas.microsoft.com/office/word/2010/wordprocessingDrawing" xmlns:m="http://schemas.openxmlformats.org/officeDocument/2006/math" xmlns:mc="http://schemas.openxmlformats.org/markup-compatibility/2006" xmlns:wpc="http://schemas.microsoft.com/office/word/2010/wordprocessingCanvas" w="9525">
                   <a:solidFill>
                     <a:srgbClr val="000000"/>
                   </a:solidFill>
@@ -4007,17 +3601,8 @@
             </a:bodyPr>
             <a:lstStyle/>
             <a:p>
-              <a:pPr marL="0" marR="0">
-                <a:spcBef>
-                  <a:spcPts val="0"/>
-                </a:spcBef>
-                <a:spcAft>
-                  <a:spcPts val="0"/>
-                </a:spcAft>
-              </a:pPr>
               <a:r>
                 <a:rPr lang="en-US" sz="900">
-                  <a:effectLst/>
                   <a:latin typeface="Times New Roman" panose="02020603050405020304" pitchFamily="18" charset="0"/>
                   <a:ea typeface="Arial Unicode MS" panose="020B0604020202020204" pitchFamily="34" charset="-128"/>
                 </a:rPr>
@@ -4025,37 +3610,30 @@
               </a:r>
               <a:r>
                 <a:rPr lang="it-IT" sz="900">
-                  <a:effectLst/>
                   <a:latin typeface="Times New Roman" panose="02020603050405020304" pitchFamily="18" charset="0"/>
                   <a:ea typeface="Times New Roman" panose="02020603050405020304" pitchFamily="18" charset="0"/>
                 </a:rPr>
                 <a:t>[ITI-66] </a:t>
               </a:r>
               <a:endParaRPr lang="en-US" sz="1200">
-                <a:effectLst/>
                 <a:latin typeface="Times New Roman" panose="02020603050405020304" pitchFamily="18" charset="0"/>
                 <a:ea typeface="Times New Roman" panose="02020603050405020304" pitchFamily="18" charset="0"/>
               </a:endParaRPr>
             </a:p>
             <a:p>
-              <a:pPr marL="0" marR="0">
+              <a:pPr>
                 <a:spcBef>
                   <a:spcPts val="600"/>
                 </a:spcBef>
-                <a:spcAft>
-                  <a:spcPts val="0"/>
-                </a:spcAft>
               </a:pPr>
               <a:r>
                 <a:rPr lang="it-IT" sz="1100">
-                  <a:effectLst/>
                   <a:latin typeface="Arial" panose="020B0604020202020204" pitchFamily="34" charset="0"/>
                   <a:ea typeface="Times New Roman" panose="02020603050405020304" pitchFamily="18" charset="0"/>
                 </a:rPr>
                 <a:t> </a:t>
               </a:r>
               <a:endParaRPr lang="en-US" sz="1200">
-                <a:effectLst/>
                 <a:latin typeface="Times New Roman" panose="02020603050405020304" pitchFamily="18" charset="0"/>
                 <a:ea typeface="Times New Roman" panose="02020603050405020304" pitchFamily="18" charset="0"/>
               </a:endParaRPr>
@@ -4096,7 +3674,7 @@
             </a:ln>
             <a:extLst>
               <a:ext uri="{909E8E84-426E-40dd-AFC4-6F175D3DCCD1}">
-                <a14:hiddenFill xmlns:wpc="http://schemas.microsoft.com/office/word/2010/wordprocessingCanvas" xmlns:mc="http://schemas.openxmlformats.org/markup-compatibility/2006" xmlns:m="http://schemas.openxmlformats.org/officeDocument/2006/math" xmlns:wp14="http://schemas.microsoft.com/office/word/2010/wordprocessingDrawing" xmlns:wp="http://schemas.openxmlformats.org/drawingml/2006/wordprocessingDrawing" xmlns:w14="http://schemas.microsoft.com/office/word/2010/wordml" xmlns:w15="http://schemas.microsoft.com/office/word/2012/wordml" xmlns:wpg="http://schemas.microsoft.com/office/word/2010/wordprocessingGroup" xmlns:wpi="http://schemas.microsoft.com/office/word/2010/wordprocessingInk" xmlns:wne="http://schemas.microsoft.com/office/word/2006/wordml" xmlns:wps="http://schemas.microsoft.com/office/word/2010/wordprocessingShape" xmlns:cx="http://schemas.microsoft.com/office/drawing/2014/chartex" xmlns:cx1="http://schemas.microsoft.com/office/drawing/2015/9/8/chartex" xmlns:cx2="http://schemas.microsoft.com/office/drawing/2015/10/21/chartex" xmlns:cx3="http://schemas.microsoft.com/office/drawing/2016/5/9/chartex" xmlns:cx4="http://schemas.microsoft.com/office/drawing/2016/5/10/chartex" xmlns:cx5="http://schemas.microsoft.com/office/drawing/2016/5/11/chartex" xmlns:cx6="http://schemas.microsoft.com/office/drawing/2016/5/12/chartex" xmlns:cx7="http://schemas.microsoft.com/office/drawing/2016/5/13/chartex" xmlns:cx8="http://schemas.microsoft.com/office/drawing/2016/5/14/chartex" xmlns:aink="http://schemas.microsoft.com/office/drawing/2016/ink" xmlns:am3d="http://schemas.microsoft.com/office/drawing/2017/model3d" xmlns:w16cid="http://schemas.microsoft.com/office/word/2016/wordml/cid" xmlns:w16se="http://schemas.microsoft.com/office/word/2015/wordml/symex" xmlns:a14="http://schemas.microsoft.com/office/drawing/2010/main" xmlns:w="http://schemas.openxmlformats.org/wordprocessingml/2006/main" xmlns:w10="urn:schemas-microsoft-com:office:word" xmlns:v="urn:schemas-microsoft-com:vml" xmlns:o="urn:schemas-microsoft-com:office:office" xmlns:mv="urn:schemas-microsoft-com:mac:vml" xmlns:mo="http://schemas.microsoft.com/office/mac/office/2008/main" xmlns="" xmlns:arto="http://schemas.microsoft.com/office/word/2006/arto" xmlns:lc="http://schemas.openxmlformats.org/drawingml/2006/lockedCanvas">
+                <a14:hiddenFill xmlns:lc="http://schemas.openxmlformats.org/drawingml/2006/lockedCanvas" xmlns:arto="http://schemas.microsoft.com/office/word/2006/arto" xmlns="" xmlns:mo="http://schemas.microsoft.com/office/mac/office/2008/main" xmlns:mv="urn:schemas-microsoft-com:mac:vml" xmlns:o="urn:schemas-microsoft-com:office:office" xmlns:v="urn:schemas-microsoft-com:vml" xmlns:w10="urn:schemas-microsoft-com:office:word" xmlns:w="http://schemas.openxmlformats.org/wordprocessingml/2006/main" xmlns:a14="http://schemas.microsoft.com/office/drawing/2010/main" xmlns:w16se="http://schemas.microsoft.com/office/word/2015/wordml/symex" xmlns:w16cid="http://schemas.microsoft.com/office/word/2016/wordml/cid" xmlns:am3d="http://schemas.microsoft.com/office/drawing/2017/model3d" xmlns:aink="http://schemas.microsoft.com/office/drawing/2016/ink" xmlns:cx8="http://schemas.microsoft.com/office/drawing/2016/5/14/chartex" xmlns:cx7="http://schemas.microsoft.com/office/drawing/2016/5/13/chartex" xmlns:cx6="http://schemas.microsoft.com/office/drawing/2016/5/12/chartex" xmlns:cx5="http://schemas.microsoft.com/office/drawing/2016/5/11/chartex" xmlns:cx4="http://schemas.microsoft.com/office/drawing/2016/5/10/chartex" xmlns:cx3="http://schemas.microsoft.com/office/drawing/2016/5/9/chartex" xmlns:cx2="http://schemas.microsoft.com/office/drawing/2015/10/21/chartex" xmlns:cx1="http://schemas.microsoft.com/office/drawing/2015/9/8/chartex" xmlns:cx="http://schemas.microsoft.com/office/drawing/2014/chartex" xmlns:wps="http://schemas.microsoft.com/office/word/2010/wordprocessingShape" xmlns:wne="http://schemas.microsoft.com/office/word/2006/wordml" xmlns:wpi="http://schemas.microsoft.com/office/word/2010/wordprocessingInk" xmlns:wpg="http://schemas.microsoft.com/office/word/2010/wordprocessingGroup" xmlns:w15="http://schemas.microsoft.com/office/word/2012/wordml" xmlns:w14="http://schemas.microsoft.com/office/word/2010/wordml" xmlns:wp="http://schemas.openxmlformats.org/drawingml/2006/wordprocessingDrawing" xmlns:wp14="http://schemas.microsoft.com/office/word/2010/wordprocessingDrawing" xmlns:m="http://schemas.openxmlformats.org/officeDocument/2006/math" xmlns:mc="http://schemas.openxmlformats.org/markup-compatibility/2006" xmlns:wpc="http://schemas.microsoft.com/office/word/2010/wordprocessingCanvas">
                   <a:solidFill>
                     <a:srgbClr val="FFFFFF"/>
                   </a:solidFill>
@@ -4110,17 +3688,9 @@
             </a:bodyPr>
             <a:lstStyle/>
             <a:p>
-              <a:pPr marL="0" marR="0" algn="ctr">
-                <a:spcBef>
-                  <a:spcPts val="0"/>
-                </a:spcBef>
-                <a:spcAft>
-                  <a:spcPts val="0"/>
-                </a:spcAft>
-              </a:pPr>
+              <a:pPr algn="ctr"/>
               <a:r>
                 <a:rPr lang="en-US" sz="1000" b="1">
-                  <a:effectLst/>
                   <a:latin typeface="Times New Roman" panose="02020603050405020304" pitchFamily="18" charset="0"/>
                   <a:ea typeface="Arial Unicode MS" panose="020B0604020202020204" pitchFamily="34" charset="-128"/>
                 </a:rPr>
@@ -4128,21 +3698,18 @@
               </a:r>
               <a:br>
                 <a:rPr lang="en-US" sz="1000" b="1">
-                  <a:effectLst/>
                   <a:latin typeface="Times New Roman" panose="02020603050405020304" pitchFamily="18" charset="0"/>
                   <a:ea typeface="Arial Unicode MS" panose="020B0604020202020204" pitchFamily="34" charset="-128"/>
                 </a:rPr>
               </a:br>
               <a:r>
                 <a:rPr lang="en-US" sz="1000" b="1">
-                  <a:effectLst/>
                   <a:latin typeface="Times New Roman" panose="02020603050405020304" pitchFamily="18" charset="0"/>
                   <a:ea typeface="Arial Unicode MS" panose="020B0604020202020204" pitchFamily="34" charset="-128"/>
                 </a:rPr>
                 <a:t>Clinical Data Consumer</a:t>
               </a:r>
               <a:endParaRPr lang="en-US" sz="1200">
-                <a:effectLst/>
                 <a:latin typeface="Times New Roman" panose="02020603050405020304" pitchFamily="18" charset="0"/>
                 <a:ea typeface="Times New Roman" panose="02020603050405020304" pitchFamily="18" charset="0"/>
               </a:endParaRPr>
@@ -4195,20 +3762,12 @@
             </a:bodyPr>
             <a:lstStyle/>
             <a:p>
-              <a:pPr marL="0" marR="0" algn="ctr">
-                <a:spcBef>
-                  <a:spcPts val="0"/>
-                </a:spcBef>
-                <a:spcAft>
-                  <a:spcPts val="0"/>
-                </a:spcAft>
-              </a:pPr>
+              <a:pPr algn="ctr"/>
               <a:r>
                 <a:rPr lang="it-IT" sz="1100" b="1">
                   <a:solidFill>
                     <a:srgbClr val="0D0D0D"/>
                   </a:solidFill>
-                  <a:effectLst/>
                   <a:latin typeface="Times New Roman" panose="02020603050405020304" pitchFamily="18" charset="0"/>
                   <a:ea typeface="Times New Roman" panose="02020603050405020304" pitchFamily="18" charset="0"/>
                 </a:rPr>
@@ -4219,7 +3778,6 @@
                   <a:solidFill>
                     <a:srgbClr val="0D0D0D"/>
                   </a:solidFill>
-                  <a:effectLst/>
                   <a:latin typeface="Times New Roman" panose="02020603050405020304" pitchFamily="18" charset="0"/>
                   <a:ea typeface="Times New Roman" panose="02020603050405020304" pitchFamily="18" charset="0"/>
                 </a:rPr>
@@ -4230,14 +3788,12 @@
                   <a:solidFill>
                     <a:srgbClr val="0D0D0D"/>
                   </a:solidFill>
-                  <a:effectLst/>
                   <a:latin typeface="Times New Roman" panose="02020603050405020304" pitchFamily="18" charset="0"/>
                   <a:ea typeface="Times New Roman" panose="02020603050405020304" pitchFamily="18" charset="0"/>
                 </a:rPr>
                 <a:t>Consumer</a:t>
               </a:r>
               <a:endParaRPr lang="en-US" sz="1200">
-                <a:effectLst/>
                 <a:latin typeface="Times New Roman" panose="02020603050405020304" pitchFamily="18" charset="0"/>
                 <a:ea typeface="Times New Roman" panose="02020603050405020304" pitchFamily="18" charset="0"/>
               </a:endParaRPr>
@@ -4278,7 +3834,7 @@
             </a:ln>
             <a:extLst>
               <a:ext uri="{909E8E84-426E-40dd-AFC4-6F175D3DCCD1}">
-                <a14:hiddenFill xmlns:wpc="http://schemas.microsoft.com/office/word/2010/wordprocessingCanvas" xmlns:mc="http://schemas.openxmlformats.org/markup-compatibility/2006" xmlns:m="http://schemas.openxmlformats.org/officeDocument/2006/math" xmlns:wp14="http://schemas.microsoft.com/office/word/2010/wordprocessingDrawing" xmlns:wp="http://schemas.openxmlformats.org/drawingml/2006/wordprocessingDrawing" xmlns:w14="http://schemas.microsoft.com/office/word/2010/wordml" xmlns:w15="http://schemas.microsoft.com/office/word/2012/wordml" xmlns:wpg="http://schemas.microsoft.com/office/word/2010/wordprocessingGroup" xmlns:wpi="http://schemas.microsoft.com/office/word/2010/wordprocessingInk" xmlns:wne="http://schemas.microsoft.com/office/word/2006/wordml" xmlns:wps="http://schemas.microsoft.com/office/word/2010/wordprocessingShape" xmlns:cx="http://schemas.microsoft.com/office/drawing/2014/chartex" xmlns:cx1="http://schemas.microsoft.com/office/drawing/2015/9/8/chartex" xmlns:cx2="http://schemas.microsoft.com/office/drawing/2015/10/21/chartex" xmlns:cx3="http://schemas.microsoft.com/office/drawing/2016/5/9/chartex" xmlns:cx4="http://schemas.microsoft.com/office/drawing/2016/5/10/chartex" xmlns:cx5="http://schemas.microsoft.com/office/drawing/2016/5/11/chartex" xmlns:cx6="http://schemas.microsoft.com/office/drawing/2016/5/12/chartex" xmlns:cx7="http://schemas.microsoft.com/office/drawing/2016/5/13/chartex" xmlns:cx8="http://schemas.microsoft.com/office/drawing/2016/5/14/chartex" xmlns:aink="http://schemas.microsoft.com/office/drawing/2016/ink" xmlns:am3d="http://schemas.microsoft.com/office/drawing/2017/model3d" xmlns:w16cid="http://schemas.microsoft.com/office/word/2016/wordml/cid" xmlns:w16se="http://schemas.microsoft.com/office/word/2015/wordml/symex" xmlns:a14="http://schemas.microsoft.com/office/drawing/2010/main" xmlns:w="http://schemas.openxmlformats.org/wordprocessingml/2006/main" xmlns:w10="urn:schemas-microsoft-com:office:word" xmlns:v="urn:schemas-microsoft-com:vml" xmlns:o="urn:schemas-microsoft-com:office:office" xmlns:mv="urn:schemas-microsoft-com:mac:vml" xmlns:mo="http://schemas.microsoft.com/office/mac/office/2008/main" xmlns="" xmlns:arto="http://schemas.microsoft.com/office/word/2006/arto" xmlns:lc="http://schemas.openxmlformats.org/drawingml/2006/lockedCanvas">
+                <a14:hiddenFill xmlns:lc="http://schemas.openxmlformats.org/drawingml/2006/lockedCanvas" xmlns:arto="http://schemas.microsoft.com/office/word/2006/arto" xmlns="" xmlns:mo="http://schemas.microsoft.com/office/mac/office/2008/main" xmlns:mv="urn:schemas-microsoft-com:mac:vml" xmlns:o="urn:schemas-microsoft-com:office:office" xmlns:v="urn:schemas-microsoft-com:vml" xmlns:w10="urn:schemas-microsoft-com:office:word" xmlns:w="http://schemas.openxmlformats.org/wordprocessingml/2006/main" xmlns:a14="http://schemas.microsoft.com/office/drawing/2010/main" xmlns:w16se="http://schemas.microsoft.com/office/word/2015/wordml/symex" xmlns:w16cid="http://schemas.microsoft.com/office/word/2016/wordml/cid" xmlns:am3d="http://schemas.microsoft.com/office/drawing/2017/model3d" xmlns:aink="http://schemas.microsoft.com/office/drawing/2016/ink" xmlns:cx8="http://schemas.microsoft.com/office/drawing/2016/5/14/chartex" xmlns:cx7="http://schemas.microsoft.com/office/drawing/2016/5/13/chartex" xmlns:cx6="http://schemas.microsoft.com/office/drawing/2016/5/12/chartex" xmlns:cx5="http://schemas.microsoft.com/office/drawing/2016/5/11/chartex" xmlns:cx4="http://schemas.microsoft.com/office/drawing/2016/5/10/chartex" xmlns:cx3="http://schemas.microsoft.com/office/drawing/2016/5/9/chartex" xmlns:cx2="http://schemas.microsoft.com/office/drawing/2015/10/21/chartex" xmlns:cx1="http://schemas.microsoft.com/office/drawing/2015/9/8/chartex" xmlns:cx="http://schemas.microsoft.com/office/drawing/2014/chartex" xmlns:wps="http://schemas.microsoft.com/office/word/2010/wordprocessingShape" xmlns:wne="http://schemas.microsoft.com/office/word/2006/wordml" xmlns:wpi="http://schemas.microsoft.com/office/word/2010/wordprocessingInk" xmlns:wpg="http://schemas.microsoft.com/office/word/2010/wordprocessingGroup" xmlns:w15="http://schemas.microsoft.com/office/word/2012/wordml" xmlns:w14="http://schemas.microsoft.com/office/word/2010/wordml" xmlns:wp="http://schemas.openxmlformats.org/drawingml/2006/wordprocessingDrawing" xmlns:wp14="http://schemas.microsoft.com/office/word/2010/wordprocessingDrawing" xmlns:m="http://schemas.openxmlformats.org/officeDocument/2006/math" xmlns:mc="http://schemas.openxmlformats.org/markup-compatibility/2006" xmlns:wpc="http://schemas.microsoft.com/office/word/2010/wordprocessingCanvas">
                   <a:solidFill>
                     <a:srgbClr val="FFFFFF"/>
                   </a:solidFill>
@@ -4292,17 +3848,9 @@
             </a:bodyPr>
             <a:lstStyle/>
             <a:p>
-              <a:pPr marL="0" marR="0" algn="ctr">
-                <a:spcBef>
-                  <a:spcPts val="0"/>
-                </a:spcBef>
-                <a:spcAft>
-                  <a:spcPts val="0"/>
-                </a:spcAft>
-              </a:pPr>
+              <a:pPr algn="ctr"/>
               <a:r>
                 <a:rPr lang="en-US" sz="1000" b="1">
-                  <a:effectLst/>
                   <a:latin typeface="Times New Roman" panose="02020603050405020304" pitchFamily="18" charset="0"/>
                   <a:ea typeface="Arial Unicode MS" panose="020B0604020202020204" pitchFamily="34" charset="-128"/>
                 </a:rPr>
@@ -4310,21 +3858,18 @@
               </a:r>
               <a:br>
                 <a:rPr lang="en-US" sz="1000" b="1">
-                  <a:effectLst/>
                   <a:latin typeface="Times New Roman" panose="02020603050405020304" pitchFamily="18" charset="0"/>
                   <a:ea typeface="Arial Unicode MS" panose="020B0604020202020204" pitchFamily="34" charset="-128"/>
                 </a:rPr>
               </a:br>
               <a:r>
                 <a:rPr lang="en-US" sz="1000" b="1">
-                  <a:effectLst/>
                   <a:latin typeface="Times New Roman" panose="02020603050405020304" pitchFamily="18" charset="0"/>
                   <a:ea typeface="Arial Unicode MS" panose="020B0604020202020204" pitchFamily="34" charset="-128"/>
                 </a:rPr>
                 <a:t>Document Consumer</a:t>
               </a:r>
               <a:endParaRPr lang="en-US" sz="1200">
-                <a:effectLst/>
                 <a:latin typeface="Times New Roman" panose="02020603050405020304" pitchFamily="18" charset="0"/>
                 <a:ea typeface="Times New Roman" panose="02020603050405020304" pitchFamily="18" charset="0"/>
               </a:endParaRPr>
@@ -4359,14 +3904,14 @@
             </a:ln>
             <a:extLst>
               <a:ext uri="{909E8E84-426E-40dd-AFC4-6F175D3DCCD1}">
-                <a14:hiddenFill xmlns:wpc="http://schemas.microsoft.com/office/word/2010/wordprocessingCanvas" xmlns:mc="http://schemas.openxmlformats.org/markup-compatibility/2006" xmlns:m="http://schemas.openxmlformats.org/officeDocument/2006/math" xmlns:wp14="http://schemas.microsoft.com/office/word/2010/wordprocessingDrawing" xmlns:wp="http://schemas.openxmlformats.org/drawingml/2006/wordprocessingDrawing" xmlns:w14="http://schemas.microsoft.com/office/word/2010/wordml" xmlns:w15="http://schemas.microsoft.com/office/word/2012/wordml" xmlns:wpg="http://schemas.microsoft.com/office/word/2010/wordprocessingGroup" xmlns:wpi="http://schemas.microsoft.com/office/word/2010/wordprocessingInk" xmlns:wne="http://schemas.microsoft.com/office/word/2006/wordml" xmlns:wps="http://schemas.microsoft.com/office/word/2010/wordprocessingShape" xmlns:cx="http://schemas.microsoft.com/office/drawing/2014/chartex" xmlns:cx1="http://schemas.microsoft.com/office/drawing/2015/9/8/chartex" xmlns:cx2="http://schemas.microsoft.com/office/drawing/2015/10/21/chartex" xmlns:cx3="http://schemas.microsoft.com/office/drawing/2016/5/9/chartex" xmlns:cx4="http://schemas.microsoft.com/office/drawing/2016/5/10/chartex" xmlns:cx5="http://schemas.microsoft.com/office/drawing/2016/5/11/chartex" xmlns:cx6="http://schemas.microsoft.com/office/drawing/2016/5/12/chartex" xmlns:cx7="http://schemas.microsoft.com/office/drawing/2016/5/13/chartex" xmlns:cx8="http://schemas.microsoft.com/office/drawing/2016/5/14/chartex" xmlns:aink="http://schemas.microsoft.com/office/drawing/2016/ink" xmlns:am3d="http://schemas.microsoft.com/office/drawing/2017/model3d" xmlns:w16cid="http://schemas.microsoft.com/office/word/2016/wordml/cid" xmlns:w16se="http://schemas.microsoft.com/office/word/2015/wordml/symex" xmlns:a14="http://schemas.microsoft.com/office/drawing/2010/main" xmlns:w="http://schemas.openxmlformats.org/wordprocessingml/2006/main" xmlns:w10="urn:schemas-microsoft-com:office:word" xmlns:v="urn:schemas-microsoft-com:vml" xmlns:o="urn:schemas-microsoft-com:office:office" xmlns:mv="urn:schemas-microsoft-com:mac:vml" xmlns:mo="http://schemas.microsoft.com/office/mac/office/2008/main" xmlns="" xmlns:arto="http://schemas.microsoft.com/office/word/2006/arto" xmlns:lc="http://schemas.openxmlformats.org/drawingml/2006/lockedCanvas">
+                <a14:hiddenFill xmlns:lc="http://schemas.openxmlformats.org/drawingml/2006/lockedCanvas" xmlns:arto="http://schemas.microsoft.com/office/word/2006/arto" xmlns="" xmlns:mo="http://schemas.microsoft.com/office/mac/office/2008/main" xmlns:mv="urn:schemas-microsoft-com:mac:vml" xmlns:o="urn:schemas-microsoft-com:office:office" xmlns:v="urn:schemas-microsoft-com:vml" xmlns:w10="urn:schemas-microsoft-com:office:word" xmlns:w="http://schemas.openxmlformats.org/wordprocessingml/2006/main" xmlns:a14="http://schemas.microsoft.com/office/drawing/2010/main" xmlns:w16se="http://schemas.microsoft.com/office/word/2015/wordml/symex" xmlns:w16cid="http://schemas.microsoft.com/office/word/2016/wordml/cid" xmlns:am3d="http://schemas.microsoft.com/office/drawing/2017/model3d" xmlns:aink="http://schemas.microsoft.com/office/drawing/2016/ink" xmlns:cx8="http://schemas.microsoft.com/office/drawing/2016/5/14/chartex" xmlns:cx7="http://schemas.microsoft.com/office/drawing/2016/5/13/chartex" xmlns:cx6="http://schemas.microsoft.com/office/drawing/2016/5/12/chartex" xmlns:cx5="http://schemas.microsoft.com/office/drawing/2016/5/11/chartex" xmlns:cx4="http://schemas.microsoft.com/office/drawing/2016/5/10/chartex" xmlns:cx3="http://schemas.microsoft.com/office/drawing/2016/5/9/chartex" xmlns:cx2="http://schemas.microsoft.com/office/drawing/2015/10/21/chartex" xmlns:cx1="http://schemas.microsoft.com/office/drawing/2015/9/8/chartex" xmlns:cx="http://schemas.microsoft.com/office/drawing/2014/chartex" xmlns:wps="http://schemas.microsoft.com/office/word/2010/wordprocessingShape" xmlns:wne="http://schemas.microsoft.com/office/word/2006/wordml" xmlns:wpi="http://schemas.microsoft.com/office/word/2010/wordprocessingInk" xmlns:wpg="http://schemas.microsoft.com/office/word/2010/wordprocessingGroup" xmlns:w15="http://schemas.microsoft.com/office/word/2012/wordml" xmlns:w14="http://schemas.microsoft.com/office/word/2010/wordml" xmlns:wp="http://schemas.openxmlformats.org/drawingml/2006/wordprocessingDrawing" xmlns:wp14="http://schemas.microsoft.com/office/word/2010/wordprocessingDrawing" xmlns:m="http://schemas.openxmlformats.org/officeDocument/2006/math" xmlns:mc="http://schemas.openxmlformats.org/markup-compatibility/2006" xmlns:wpc="http://schemas.microsoft.com/office/word/2010/wordprocessingCanvas">
                   <a:solidFill>
                     <a:srgbClr val="FFFFFF"/>
                   </a:solidFill>
                 </a14:hiddenFill>
               </a:ext>
               <a:ext uri="{91240B29-F687-4f45-9708-019B960494DF}">
-                <a14:hiddenLine xmlns:wpc="http://schemas.microsoft.com/office/word/2010/wordprocessingCanvas" xmlns:mc="http://schemas.openxmlformats.org/markup-compatibility/2006" xmlns:m="http://schemas.openxmlformats.org/officeDocument/2006/math" xmlns:wp14="http://schemas.microsoft.com/office/word/2010/wordprocessingDrawing" xmlns:wp="http://schemas.openxmlformats.org/drawingml/2006/wordprocessingDrawing" xmlns:w14="http://schemas.microsoft.com/office/word/2010/wordml" xmlns:w15="http://schemas.microsoft.com/office/word/2012/wordml" xmlns:wpg="http://schemas.microsoft.com/office/word/2010/wordprocessingGroup" xmlns:wpi="http://schemas.microsoft.com/office/word/2010/wordprocessingInk" xmlns:wne="http://schemas.microsoft.com/office/word/2006/wordml" xmlns:wps="http://schemas.microsoft.com/office/word/2010/wordprocessingShape" xmlns:cx="http://schemas.microsoft.com/office/drawing/2014/chartex" xmlns:cx1="http://schemas.microsoft.com/office/drawing/2015/9/8/chartex" xmlns:cx2="http://schemas.microsoft.com/office/drawing/2015/10/21/chartex" xmlns:cx3="http://schemas.microsoft.com/office/drawing/2016/5/9/chartex" xmlns:cx4="http://schemas.microsoft.com/office/drawing/2016/5/10/chartex" xmlns:cx5="http://schemas.microsoft.com/office/drawing/2016/5/11/chartex" xmlns:cx6="http://schemas.microsoft.com/office/drawing/2016/5/12/chartex" xmlns:cx7="http://schemas.microsoft.com/office/drawing/2016/5/13/chartex" xmlns:cx8="http://schemas.microsoft.com/office/drawing/2016/5/14/chartex" xmlns:aink="http://schemas.microsoft.com/office/drawing/2016/ink" xmlns:am3d="http://schemas.microsoft.com/office/drawing/2017/model3d" xmlns:w16cid="http://schemas.microsoft.com/office/word/2016/wordml/cid" xmlns:w16se="http://schemas.microsoft.com/office/word/2015/wordml/symex" xmlns:a14="http://schemas.microsoft.com/office/drawing/2010/main" xmlns:w="http://schemas.openxmlformats.org/wordprocessingml/2006/main" xmlns:w10="urn:schemas-microsoft-com:office:word" xmlns:v="urn:schemas-microsoft-com:vml" xmlns:o="urn:schemas-microsoft-com:office:office" xmlns:mv="urn:schemas-microsoft-com:mac:vml" xmlns:mo="http://schemas.microsoft.com/office/mac/office/2008/main" xmlns="" xmlns:arto="http://schemas.microsoft.com/office/word/2006/arto" xmlns:lc="http://schemas.openxmlformats.org/drawingml/2006/lockedCanvas" w="9525">
+                <a14:hiddenLine xmlns:lc="http://schemas.openxmlformats.org/drawingml/2006/lockedCanvas" xmlns:arto="http://schemas.microsoft.com/office/word/2006/arto" xmlns="" xmlns:mo="http://schemas.microsoft.com/office/mac/office/2008/main" xmlns:mv="urn:schemas-microsoft-com:mac:vml" xmlns:o="urn:schemas-microsoft-com:office:office" xmlns:v="urn:schemas-microsoft-com:vml" xmlns:w10="urn:schemas-microsoft-com:office:word" xmlns:w="http://schemas.openxmlformats.org/wordprocessingml/2006/main" xmlns:a14="http://schemas.microsoft.com/office/drawing/2010/main" xmlns:w16se="http://schemas.microsoft.com/office/word/2015/wordml/symex" xmlns:w16cid="http://schemas.microsoft.com/office/word/2016/wordml/cid" xmlns:am3d="http://schemas.microsoft.com/office/drawing/2017/model3d" xmlns:aink="http://schemas.microsoft.com/office/drawing/2016/ink" xmlns:cx8="http://schemas.microsoft.com/office/drawing/2016/5/14/chartex" xmlns:cx7="http://schemas.microsoft.com/office/drawing/2016/5/13/chartex" xmlns:cx6="http://schemas.microsoft.com/office/drawing/2016/5/12/chartex" xmlns:cx5="http://schemas.microsoft.com/office/drawing/2016/5/11/chartex" xmlns:cx4="http://schemas.microsoft.com/office/drawing/2016/5/10/chartex" xmlns:cx3="http://schemas.microsoft.com/office/drawing/2016/5/9/chartex" xmlns:cx2="http://schemas.microsoft.com/office/drawing/2015/10/21/chartex" xmlns:cx1="http://schemas.microsoft.com/office/drawing/2015/9/8/chartex" xmlns:cx="http://schemas.microsoft.com/office/drawing/2014/chartex" xmlns:wps="http://schemas.microsoft.com/office/word/2010/wordprocessingShape" xmlns:wne="http://schemas.microsoft.com/office/word/2006/wordml" xmlns:wpi="http://schemas.microsoft.com/office/word/2010/wordprocessingInk" xmlns:wpg="http://schemas.microsoft.com/office/word/2010/wordprocessingGroup" xmlns:w15="http://schemas.microsoft.com/office/word/2012/wordml" xmlns:w14="http://schemas.microsoft.com/office/word/2010/wordml" xmlns:wp="http://schemas.openxmlformats.org/drawingml/2006/wordprocessingDrawing" xmlns:wp14="http://schemas.microsoft.com/office/word/2010/wordprocessingDrawing" xmlns:m="http://schemas.openxmlformats.org/officeDocument/2006/math" xmlns:mc="http://schemas.openxmlformats.org/markup-compatibility/2006" xmlns:wpc="http://schemas.microsoft.com/office/word/2010/wordprocessingCanvas" w="9525">
                   <a:solidFill>
                     <a:srgbClr val="000000"/>
                   </a:solidFill>
@@ -4383,17 +3928,8 @@
             </a:bodyPr>
             <a:lstStyle/>
             <a:p>
-              <a:pPr marL="0" marR="0">
-                <a:spcBef>
-                  <a:spcPts val="0"/>
-                </a:spcBef>
-                <a:spcAft>
-                  <a:spcPts val="0"/>
-                </a:spcAft>
-              </a:pPr>
               <a:r>
                 <a:rPr lang="en-US" sz="900">
-                  <a:effectLst/>
                   <a:latin typeface="Times New Roman" panose="02020603050405020304" pitchFamily="18" charset="0"/>
                   <a:ea typeface="Arial Unicode MS" panose="020B0604020202020204" pitchFamily="34" charset="-128"/>
                 </a:rPr>
@@ -4401,44 +3937,36 @@
               </a:r>
               <a:br>
                 <a:rPr lang="en-US" sz="900">
-                  <a:effectLst/>
                   <a:latin typeface="Times New Roman" panose="02020603050405020304" pitchFamily="18" charset="0"/>
                   <a:ea typeface="Arial Unicode MS" panose="020B0604020202020204" pitchFamily="34" charset="-128"/>
                 </a:rPr>
               </a:br>
               <a:r>
                 <a:rPr lang="en-US" sz="900">
-                  <a:effectLst/>
                   <a:latin typeface="Times New Roman" panose="02020603050405020304" pitchFamily="18" charset="0"/>
                   <a:ea typeface="Times New Roman" panose="02020603050405020304" pitchFamily="18" charset="0"/>
                 </a:rPr>
                 <a:t>[PCC-44] </a:t>
               </a:r>
               <a:endParaRPr lang="en-US" sz="1200">
-                <a:effectLst/>
                 <a:latin typeface="Times New Roman" panose="02020603050405020304" pitchFamily="18" charset="0"/>
                 <a:ea typeface="Times New Roman" panose="02020603050405020304" pitchFamily="18" charset="0"/>
               </a:endParaRPr>
             </a:p>
             <a:p>
-              <a:pPr marL="0" marR="0">
+              <a:pPr>
                 <a:spcBef>
                   <a:spcPts val="600"/>
                 </a:spcBef>
-                <a:spcAft>
-                  <a:spcPts val="0"/>
-                </a:spcAft>
               </a:pPr>
               <a:r>
                 <a:rPr lang="en-US" sz="900">
-                  <a:effectLst/>
                   <a:latin typeface="Arial" panose="020B0604020202020204" pitchFamily="34" charset="0"/>
                   <a:ea typeface="Times New Roman" panose="02020603050405020304" pitchFamily="18" charset="0"/>
                 </a:rPr>
                 <a:t> </a:t>
               </a:r>
               <a:endParaRPr lang="en-US" sz="1200">
-                <a:effectLst/>
                 <a:latin typeface="Times New Roman" panose="02020603050405020304" pitchFamily="18" charset="0"/>
                 <a:ea typeface="Times New Roman" panose="02020603050405020304" pitchFamily="18" charset="0"/>
               </a:endParaRPr>
@@ -4473,14 +4001,14 @@
             </a:ln>
             <a:extLst>
               <a:ext uri="{909E8E84-426E-40dd-AFC4-6F175D3DCCD1}">
-                <a14:hiddenFill xmlns:wpc="http://schemas.microsoft.com/office/word/2010/wordprocessingCanvas" xmlns:mc="http://schemas.openxmlformats.org/markup-compatibility/2006" xmlns:m="http://schemas.openxmlformats.org/officeDocument/2006/math" xmlns:wp14="http://schemas.microsoft.com/office/word/2010/wordprocessingDrawing" xmlns:wp="http://schemas.openxmlformats.org/drawingml/2006/wordprocessingDrawing" xmlns:w14="http://schemas.microsoft.com/office/word/2010/wordml" xmlns:w15="http://schemas.microsoft.com/office/word/2012/wordml" xmlns:wpg="http://schemas.microsoft.com/office/word/2010/wordprocessingGroup" xmlns:wpi="http://schemas.microsoft.com/office/word/2010/wordprocessingInk" xmlns:wne="http://schemas.microsoft.com/office/word/2006/wordml" xmlns:wps="http://schemas.microsoft.com/office/word/2010/wordprocessingShape" xmlns:cx="http://schemas.microsoft.com/office/drawing/2014/chartex" xmlns:cx1="http://schemas.microsoft.com/office/drawing/2015/9/8/chartex" xmlns:cx2="http://schemas.microsoft.com/office/drawing/2015/10/21/chartex" xmlns:cx3="http://schemas.microsoft.com/office/drawing/2016/5/9/chartex" xmlns:cx4="http://schemas.microsoft.com/office/drawing/2016/5/10/chartex" xmlns:cx5="http://schemas.microsoft.com/office/drawing/2016/5/11/chartex" xmlns:cx6="http://schemas.microsoft.com/office/drawing/2016/5/12/chartex" xmlns:cx7="http://schemas.microsoft.com/office/drawing/2016/5/13/chartex" xmlns:cx8="http://schemas.microsoft.com/office/drawing/2016/5/14/chartex" xmlns:aink="http://schemas.microsoft.com/office/drawing/2016/ink" xmlns:am3d="http://schemas.microsoft.com/office/drawing/2017/model3d" xmlns:w16cid="http://schemas.microsoft.com/office/word/2016/wordml/cid" xmlns:w16se="http://schemas.microsoft.com/office/word/2015/wordml/symex" xmlns:a14="http://schemas.microsoft.com/office/drawing/2010/main" xmlns:w="http://schemas.openxmlformats.org/wordprocessingml/2006/main" xmlns:w10="urn:schemas-microsoft-com:office:word" xmlns:v="urn:schemas-microsoft-com:vml" xmlns:o="urn:schemas-microsoft-com:office:office" xmlns:mv="urn:schemas-microsoft-com:mac:vml" xmlns:mo="http://schemas.microsoft.com/office/mac/office/2008/main" xmlns="" xmlns:arto="http://schemas.microsoft.com/office/word/2006/arto" xmlns:lc="http://schemas.openxmlformats.org/drawingml/2006/lockedCanvas">
+                <a14:hiddenFill xmlns:lc="http://schemas.openxmlformats.org/drawingml/2006/lockedCanvas" xmlns:arto="http://schemas.microsoft.com/office/word/2006/arto" xmlns="" xmlns:mo="http://schemas.microsoft.com/office/mac/office/2008/main" xmlns:mv="urn:schemas-microsoft-com:mac:vml" xmlns:o="urn:schemas-microsoft-com:office:office" xmlns:v="urn:schemas-microsoft-com:vml" xmlns:w10="urn:schemas-microsoft-com:office:word" xmlns:w="http://schemas.openxmlformats.org/wordprocessingml/2006/main" xmlns:a14="http://schemas.microsoft.com/office/drawing/2010/main" xmlns:w16se="http://schemas.microsoft.com/office/word/2015/wordml/symex" xmlns:w16cid="http://schemas.microsoft.com/office/word/2016/wordml/cid" xmlns:am3d="http://schemas.microsoft.com/office/drawing/2017/model3d" xmlns:aink="http://schemas.microsoft.com/office/drawing/2016/ink" xmlns:cx8="http://schemas.microsoft.com/office/drawing/2016/5/14/chartex" xmlns:cx7="http://schemas.microsoft.com/office/drawing/2016/5/13/chartex" xmlns:cx6="http://schemas.microsoft.com/office/drawing/2016/5/12/chartex" xmlns:cx5="http://schemas.microsoft.com/office/drawing/2016/5/11/chartex" xmlns:cx4="http://schemas.microsoft.com/office/drawing/2016/5/10/chartex" xmlns:cx3="http://schemas.microsoft.com/office/drawing/2016/5/9/chartex" xmlns:cx2="http://schemas.microsoft.com/office/drawing/2015/10/21/chartex" xmlns:cx1="http://schemas.microsoft.com/office/drawing/2015/9/8/chartex" xmlns:cx="http://schemas.microsoft.com/office/drawing/2014/chartex" xmlns:wps="http://schemas.microsoft.com/office/word/2010/wordprocessingShape" xmlns:wne="http://schemas.microsoft.com/office/word/2006/wordml" xmlns:wpi="http://schemas.microsoft.com/office/word/2010/wordprocessingInk" xmlns:wpg="http://schemas.microsoft.com/office/word/2010/wordprocessingGroup" xmlns:w15="http://schemas.microsoft.com/office/word/2012/wordml" xmlns:w14="http://schemas.microsoft.com/office/word/2010/wordml" xmlns:wp="http://schemas.openxmlformats.org/drawingml/2006/wordprocessingDrawing" xmlns:wp14="http://schemas.microsoft.com/office/word/2010/wordprocessingDrawing" xmlns:m="http://schemas.openxmlformats.org/officeDocument/2006/math" xmlns:mc="http://schemas.openxmlformats.org/markup-compatibility/2006" xmlns:wpc="http://schemas.microsoft.com/office/word/2010/wordprocessingCanvas">
                   <a:solidFill>
                     <a:srgbClr val="FFFFFF"/>
                   </a:solidFill>
                 </a14:hiddenFill>
               </a:ext>
               <a:ext uri="{91240B29-F687-4f45-9708-019B960494DF}">
-                <a14:hiddenLine xmlns:wpc="http://schemas.microsoft.com/office/word/2010/wordprocessingCanvas" xmlns:mc="http://schemas.openxmlformats.org/markup-compatibility/2006" xmlns:m="http://schemas.openxmlformats.org/officeDocument/2006/math" xmlns:wp14="http://schemas.microsoft.com/office/word/2010/wordprocessingDrawing" xmlns:wp="http://schemas.openxmlformats.org/drawingml/2006/wordprocessingDrawing" xmlns:w14="http://schemas.microsoft.com/office/word/2010/wordml" xmlns:w15="http://schemas.microsoft.com/office/word/2012/wordml" xmlns:wpg="http://schemas.microsoft.com/office/word/2010/wordprocessingGroup" xmlns:wpi="http://schemas.microsoft.com/office/word/2010/wordprocessingInk" xmlns:wne="http://schemas.microsoft.com/office/word/2006/wordml" xmlns:wps="http://schemas.microsoft.com/office/word/2010/wordprocessingShape" xmlns:cx="http://schemas.microsoft.com/office/drawing/2014/chartex" xmlns:cx1="http://schemas.microsoft.com/office/drawing/2015/9/8/chartex" xmlns:cx2="http://schemas.microsoft.com/office/drawing/2015/10/21/chartex" xmlns:cx3="http://schemas.microsoft.com/office/drawing/2016/5/9/chartex" xmlns:cx4="http://schemas.microsoft.com/office/drawing/2016/5/10/chartex" xmlns:cx5="http://schemas.microsoft.com/office/drawing/2016/5/11/chartex" xmlns:cx6="http://schemas.microsoft.com/office/drawing/2016/5/12/chartex" xmlns:cx7="http://schemas.microsoft.com/office/drawing/2016/5/13/chartex" xmlns:cx8="http://schemas.microsoft.com/office/drawing/2016/5/14/chartex" xmlns:aink="http://schemas.microsoft.com/office/drawing/2016/ink" xmlns:am3d="http://schemas.microsoft.com/office/drawing/2017/model3d" xmlns:w16cid="http://schemas.microsoft.com/office/word/2016/wordml/cid" xmlns:w16se="http://schemas.microsoft.com/office/word/2015/wordml/symex" xmlns:a14="http://schemas.microsoft.com/office/drawing/2010/main" xmlns:w="http://schemas.openxmlformats.org/wordprocessingml/2006/main" xmlns:w10="urn:schemas-microsoft-com:office:word" xmlns:v="urn:schemas-microsoft-com:vml" xmlns:o="urn:schemas-microsoft-com:office:office" xmlns:mv="urn:schemas-microsoft-com:mac:vml" xmlns:mo="http://schemas.microsoft.com/office/mac/office/2008/main" xmlns="" xmlns:arto="http://schemas.microsoft.com/office/word/2006/arto" xmlns:lc="http://schemas.openxmlformats.org/drawingml/2006/lockedCanvas" w="3175">
+                <a14:hiddenLine xmlns:lc="http://schemas.openxmlformats.org/drawingml/2006/lockedCanvas" xmlns:arto="http://schemas.microsoft.com/office/word/2006/arto" xmlns="" xmlns:mo="http://schemas.microsoft.com/office/mac/office/2008/main" xmlns:mv="urn:schemas-microsoft-com:mac:vml" xmlns:o="urn:schemas-microsoft-com:office:office" xmlns:v="urn:schemas-microsoft-com:vml" xmlns:w10="urn:schemas-microsoft-com:office:word" xmlns:w="http://schemas.openxmlformats.org/wordprocessingml/2006/main" xmlns:a14="http://schemas.microsoft.com/office/drawing/2010/main" xmlns:w16se="http://schemas.microsoft.com/office/word/2015/wordml/symex" xmlns:w16cid="http://schemas.microsoft.com/office/word/2016/wordml/cid" xmlns:am3d="http://schemas.microsoft.com/office/drawing/2017/model3d" xmlns:aink="http://schemas.microsoft.com/office/drawing/2016/ink" xmlns:cx8="http://schemas.microsoft.com/office/drawing/2016/5/14/chartex" xmlns:cx7="http://schemas.microsoft.com/office/drawing/2016/5/13/chartex" xmlns:cx6="http://schemas.microsoft.com/office/drawing/2016/5/12/chartex" xmlns:cx5="http://schemas.microsoft.com/office/drawing/2016/5/11/chartex" xmlns:cx4="http://schemas.microsoft.com/office/drawing/2016/5/10/chartex" xmlns:cx3="http://schemas.microsoft.com/office/drawing/2016/5/9/chartex" xmlns:cx2="http://schemas.microsoft.com/office/drawing/2015/10/21/chartex" xmlns:cx1="http://schemas.microsoft.com/office/drawing/2015/9/8/chartex" xmlns:cx="http://schemas.microsoft.com/office/drawing/2014/chartex" xmlns:wps="http://schemas.microsoft.com/office/word/2010/wordprocessingShape" xmlns:wne="http://schemas.microsoft.com/office/word/2006/wordml" xmlns:wpi="http://schemas.microsoft.com/office/word/2010/wordprocessingInk" xmlns:wpg="http://schemas.microsoft.com/office/word/2010/wordprocessingGroup" xmlns:w15="http://schemas.microsoft.com/office/word/2012/wordml" xmlns:w14="http://schemas.microsoft.com/office/word/2010/wordml" xmlns:wp="http://schemas.openxmlformats.org/drawingml/2006/wordprocessingDrawing" xmlns:wp14="http://schemas.microsoft.com/office/word/2010/wordprocessingDrawing" xmlns:m="http://schemas.openxmlformats.org/officeDocument/2006/math" xmlns:mc="http://schemas.openxmlformats.org/markup-compatibility/2006" xmlns:wpc="http://schemas.microsoft.com/office/word/2010/wordprocessingCanvas" w="3175">
                   <a:solidFill>
                     <a:srgbClr val="000000"/>
                   </a:solidFill>
@@ -4497,17 +4025,13 @@
             </a:bodyPr>
             <a:lstStyle/>
             <a:p>
-              <a:pPr marL="0" marR="0">
+              <a:pPr>
                 <a:spcBef>
                   <a:spcPts val="600"/>
                 </a:spcBef>
-                <a:spcAft>
-                  <a:spcPts val="0"/>
-                </a:spcAft>
               </a:pPr>
               <a:r>
                 <a:rPr lang="en-US" sz="1000">
-                  <a:effectLst/>
                   <a:latin typeface="Times New Roman" panose="02020603050405020304" pitchFamily="18" charset="0"/>
                   <a:ea typeface="Times New Roman" panose="02020603050405020304" pitchFamily="18" charset="0"/>
                   <a:sym typeface="Wingdings" panose="05000000000000000000" pitchFamily="2" charset="2"/>
@@ -4515,7 +4039,6 @@
                 <a:t></a:t>
               </a:r>
               <a:endParaRPr lang="en-US" sz="1200">
-                <a:effectLst/>
                 <a:latin typeface="Times New Roman" panose="02020603050405020304" pitchFamily="18" charset="0"/>
                 <a:ea typeface="Times New Roman" panose="02020603050405020304" pitchFamily="18" charset="0"/>
               </a:endParaRPr>
@@ -4550,14 +4073,14 @@
             </a:ln>
             <a:extLst>
               <a:ext uri="{909E8E84-426E-40dd-AFC4-6F175D3DCCD1}">
-                <a14:hiddenFill xmlns:wpc="http://schemas.microsoft.com/office/word/2010/wordprocessingCanvas" xmlns:mc="http://schemas.openxmlformats.org/markup-compatibility/2006" xmlns:m="http://schemas.openxmlformats.org/officeDocument/2006/math" xmlns:wp14="http://schemas.microsoft.com/office/word/2010/wordprocessingDrawing" xmlns:wp="http://schemas.openxmlformats.org/drawingml/2006/wordprocessingDrawing" xmlns:w14="http://schemas.microsoft.com/office/word/2010/wordml" xmlns:w15="http://schemas.microsoft.com/office/word/2012/wordml" xmlns:wpg="http://schemas.microsoft.com/office/word/2010/wordprocessingGroup" xmlns:wpi="http://schemas.microsoft.com/office/word/2010/wordprocessingInk" xmlns:wne="http://schemas.microsoft.com/office/word/2006/wordml" xmlns:wps="http://schemas.microsoft.com/office/word/2010/wordprocessingShape" xmlns:cx="http://schemas.microsoft.com/office/drawing/2014/chartex" xmlns:cx1="http://schemas.microsoft.com/office/drawing/2015/9/8/chartex" xmlns:cx2="http://schemas.microsoft.com/office/drawing/2015/10/21/chartex" xmlns:cx3="http://schemas.microsoft.com/office/drawing/2016/5/9/chartex" xmlns:cx4="http://schemas.microsoft.com/office/drawing/2016/5/10/chartex" xmlns:cx5="http://schemas.microsoft.com/office/drawing/2016/5/11/chartex" xmlns:cx6="http://schemas.microsoft.com/office/drawing/2016/5/12/chartex" xmlns:cx7="http://schemas.microsoft.com/office/drawing/2016/5/13/chartex" xmlns:cx8="http://schemas.microsoft.com/office/drawing/2016/5/14/chartex" xmlns:aink="http://schemas.microsoft.com/office/drawing/2016/ink" xmlns:am3d="http://schemas.microsoft.com/office/drawing/2017/model3d" xmlns:w16cid="http://schemas.microsoft.com/office/word/2016/wordml/cid" xmlns:w16se="http://schemas.microsoft.com/office/word/2015/wordml/symex" xmlns:a14="http://schemas.microsoft.com/office/drawing/2010/main" xmlns:w="http://schemas.openxmlformats.org/wordprocessingml/2006/main" xmlns:w10="urn:schemas-microsoft-com:office:word" xmlns:v="urn:schemas-microsoft-com:vml" xmlns:o="urn:schemas-microsoft-com:office:office" xmlns:mv="urn:schemas-microsoft-com:mac:vml" xmlns:mo="http://schemas.microsoft.com/office/mac/office/2008/main" xmlns="" xmlns:arto="http://schemas.microsoft.com/office/word/2006/arto" xmlns:lc="http://schemas.openxmlformats.org/drawingml/2006/lockedCanvas">
+                <a14:hiddenFill xmlns:lc="http://schemas.openxmlformats.org/drawingml/2006/lockedCanvas" xmlns:arto="http://schemas.microsoft.com/office/word/2006/arto" xmlns="" xmlns:mo="http://schemas.microsoft.com/office/mac/office/2008/main" xmlns:mv="urn:schemas-microsoft-com:mac:vml" xmlns:o="urn:schemas-microsoft-com:office:office" xmlns:v="urn:schemas-microsoft-com:vml" xmlns:w10="urn:schemas-microsoft-com:office:word" xmlns:w="http://schemas.openxmlformats.org/wordprocessingml/2006/main" xmlns:a14="http://schemas.microsoft.com/office/drawing/2010/main" xmlns:w16se="http://schemas.microsoft.com/office/word/2015/wordml/symex" xmlns:w16cid="http://schemas.microsoft.com/office/word/2016/wordml/cid" xmlns:am3d="http://schemas.microsoft.com/office/drawing/2017/model3d" xmlns:aink="http://schemas.microsoft.com/office/drawing/2016/ink" xmlns:cx8="http://schemas.microsoft.com/office/drawing/2016/5/14/chartex" xmlns:cx7="http://schemas.microsoft.com/office/drawing/2016/5/13/chartex" xmlns:cx6="http://schemas.microsoft.com/office/drawing/2016/5/12/chartex" xmlns:cx5="http://schemas.microsoft.com/office/drawing/2016/5/11/chartex" xmlns:cx4="http://schemas.microsoft.com/office/drawing/2016/5/10/chartex" xmlns:cx3="http://schemas.microsoft.com/office/drawing/2016/5/9/chartex" xmlns:cx2="http://schemas.microsoft.com/office/drawing/2015/10/21/chartex" xmlns:cx1="http://schemas.microsoft.com/office/drawing/2015/9/8/chartex" xmlns:cx="http://schemas.microsoft.com/office/drawing/2014/chartex" xmlns:wps="http://schemas.microsoft.com/office/word/2010/wordprocessingShape" xmlns:wne="http://schemas.microsoft.com/office/word/2006/wordml" xmlns:wpi="http://schemas.microsoft.com/office/word/2010/wordprocessingInk" xmlns:wpg="http://schemas.microsoft.com/office/word/2010/wordprocessingGroup" xmlns:w15="http://schemas.microsoft.com/office/word/2012/wordml" xmlns:w14="http://schemas.microsoft.com/office/word/2010/wordml" xmlns:wp="http://schemas.openxmlformats.org/drawingml/2006/wordprocessingDrawing" xmlns:wp14="http://schemas.microsoft.com/office/word/2010/wordprocessingDrawing" xmlns:m="http://schemas.openxmlformats.org/officeDocument/2006/math" xmlns:mc="http://schemas.openxmlformats.org/markup-compatibility/2006" xmlns:wpc="http://schemas.microsoft.com/office/word/2010/wordprocessingCanvas">
                   <a:solidFill>
                     <a:srgbClr val="FFFFFF"/>
                   </a:solidFill>
                 </a14:hiddenFill>
               </a:ext>
               <a:ext uri="{91240B29-F687-4f45-9708-019B960494DF}">
-                <a14:hiddenLine xmlns:wpc="http://schemas.microsoft.com/office/word/2010/wordprocessingCanvas" xmlns:mc="http://schemas.openxmlformats.org/markup-compatibility/2006" xmlns:m="http://schemas.openxmlformats.org/officeDocument/2006/math" xmlns:wp14="http://schemas.microsoft.com/office/word/2010/wordprocessingDrawing" xmlns:wp="http://schemas.openxmlformats.org/drawingml/2006/wordprocessingDrawing" xmlns:w14="http://schemas.microsoft.com/office/word/2010/wordml" xmlns:w15="http://schemas.microsoft.com/office/word/2012/wordml" xmlns:wpg="http://schemas.microsoft.com/office/word/2010/wordprocessingGroup" xmlns:wpi="http://schemas.microsoft.com/office/word/2010/wordprocessingInk" xmlns:wne="http://schemas.microsoft.com/office/word/2006/wordml" xmlns:wps="http://schemas.microsoft.com/office/word/2010/wordprocessingShape" xmlns:cx="http://schemas.microsoft.com/office/drawing/2014/chartex" xmlns:cx1="http://schemas.microsoft.com/office/drawing/2015/9/8/chartex" xmlns:cx2="http://schemas.microsoft.com/office/drawing/2015/10/21/chartex" xmlns:cx3="http://schemas.microsoft.com/office/drawing/2016/5/9/chartex" xmlns:cx4="http://schemas.microsoft.com/office/drawing/2016/5/10/chartex" xmlns:cx5="http://schemas.microsoft.com/office/drawing/2016/5/11/chartex" xmlns:cx6="http://schemas.microsoft.com/office/drawing/2016/5/12/chartex" xmlns:cx7="http://schemas.microsoft.com/office/drawing/2016/5/13/chartex" xmlns:cx8="http://schemas.microsoft.com/office/drawing/2016/5/14/chartex" xmlns:aink="http://schemas.microsoft.com/office/drawing/2016/ink" xmlns:am3d="http://schemas.microsoft.com/office/drawing/2017/model3d" xmlns:w16cid="http://schemas.microsoft.com/office/word/2016/wordml/cid" xmlns:w16se="http://schemas.microsoft.com/office/word/2015/wordml/symex" xmlns:a14="http://schemas.microsoft.com/office/drawing/2010/main" xmlns:w="http://schemas.openxmlformats.org/wordprocessingml/2006/main" xmlns:w10="urn:schemas-microsoft-com:office:word" xmlns:v="urn:schemas-microsoft-com:vml" xmlns:o="urn:schemas-microsoft-com:office:office" xmlns:mv="urn:schemas-microsoft-com:mac:vml" xmlns:mo="http://schemas.microsoft.com/office/mac/office/2008/main" xmlns="" xmlns:arto="http://schemas.microsoft.com/office/word/2006/arto" xmlns:lc="http://schemas.openxmlformats.org/drawingml/2006/lockedCanvas" w="3175">
+                <a14:hiddenLine xmlns:lc="http://schemas.openxmlformats.org/drawingml/2006/lockedCanvas" xmlns:arto="http://schemas.microsoft.com/office/word/2006/arto" xmlns="" xmlns:mo="http://schemas.microsoft.com/office/mac/office/2008/main" xmlns:mv="urn:schemas-microsoft-com:mac:vml" xmlns:o="urn:schemas-microsoft-com:office:office" xmlns:v="urn:schemas-microsoft-com:vml" xmlns:w10="urn:schemas-microsoft-com:office:word" xmlns:w="http://schemas.openxmlformats.org/wordprocessingml/2006/main" xmlns:a14="http://schemas.microsoft.com/office/drawing/2010/main" xmlns:w16se="http://schemas.microsoft.com/office/word/2015/wordml/symex" xmlns:w16cid="http://schemas.microsoft.com/office/word/2016/wordml/cid" xmlns:am3d="http://schemas.microsoft.com/office/drawing/2017/model3d" xmlns:aink="http://schemas.microsoft.com/office/drawing/2016/ink" xmlns:cx8="http://schemas.microsoft.com/office/drawing/2016/5/14/chartex" xmlns:cx7="http://schemas.microsoft.com/office/drawing/2016/5/13/chartex" xmlns:cx6="http://schemas.microsoft.com/office/drawing/2016/5/12/chartex" xmlns:cx5="http://schemas.microsoft.com/office/drawing/2016/5/11/chartex" xmlns:cx4="http://schemas.microsoft.com/office/drawing/2016/5/10/chartex" xmlns:cx3="http://schemas.microsoft.com/office/drawing/2016/5/9/chartex" xmlns:cx2="http://schemas.microsoft.com/office/drawing/2015/10/21/chartex" xmlns:cx1="http://schemas.microsoft.com/office/drawing/2015/9/8/chartex" xmlns:cx="http://schemas.microsoft.com/office/drawing/2014/chartex" xmlns:wps="http://schemas.microsoft.com/office/word/2010/wordprocessingShape" xmlns:wne="http://schemas.microsoft.com/office/word/2006/wordml" xmlns:wpi="http://schemas.microsoft.com/office/word/2010/wordprocessingInk" xmlns:wpg="http://schemas.microsoft.com/office/word/2010/wordprocessingGroup" xmlns:w15="http://schemas.microsoft.com/office/word/2012/wordml" xmlns:w14="http://schemas.microsoft.com/office/word/2010/wordml" xmlns:wp="http://schemas.openxmlformats.org/drawingml/2006/wordprocessingDrawing" xmlns:wp14="http://schemas.microsoft.com/office/word/2010/wordprocessingDrawing" xmlns:m="http://schemas.openxmlformats.org/officeDocument/2006/math" xmlns:mc="http://schemas.openxmlformats.org/markup-compatibility/2006" xmlns:wpc="http://schemas.microsoft.com/office/word/2010/wordprocessingCanvas" w="3175">
                   <a:solidFill>
                     <a:srgbClr val="000000"/>
                   </a:solidFill>
@@ -4574,17 +4097,13 @@
             </a:bodyPr>
             <a:lstStyle/>
             <a:p>
-              <a:pPr marL="0" marR="0">
+              <a:pPr>
                 <a:spcBef>
                   <a:spcPts val="600"/>
                 </a:spcBef>
-                <a:spcAft>
-                  <a:spcPts val="0"/>
-                </a:spcAft>
               </a:pPr>
               <a:r>
                 <a:rPr lang="en-US" sz="1000">
-                  <a:effectLst/>
                   <a:latin typeface="Times New Roman" panose="02020603050405020304" pitchFamily="18" charset="0"/>
                   <a:ea typeface="Times New Roman" panose="02020603050405020304" pitchFamily="18" charset="0"/>
                   <a:sym typeface="Wingdings" panose="05000000000000000000" pitchFamily="2" charset="2"/>
@@ -4592,7 +4111,6 @@
                 <a:t></a:t>
               </a:r>
               <a:endParaRPr lang="en-US" sz="1200">
-                <a:effectLst/>
                 <a:latin typeface="Times New Roman" panose="02020603050405020304" pitchFamily="18" charset="0"/>
                 <a:ea typeface="Times New Roman" panose="02020603050405020304" pitchFamily="18" charset="0"/>
               </a:endParaRPr>
@@ -4627,14 +4145,14 @@
             </a:ln>
             <a:extLst>
               <a:ext uri="{909E8E84-426E-40dd-AFC4-6F175D3DCCD1}">
-                <a14:hiddenFill xmlns:wpc="http://schemas.microsoft.com/office/word/2010/wordprocessingCanvas" xmlns:mc="http://schemas.openxmlformats.org/markup-compatibility/2006" xmlns:m="http://schemas.openxmlformats.org/officeDocument/2006/math" xmlns:wp14="http://schemas.microsoft.com/office/word/2010/wordprocessingDrawing" xmlns:wp="http://schemas.openxmlformats.org/drawingml/2006/wordprocessingDrawing" xmlns:w14="http://schemas.microsoft.com/office/word/2010/wordml" xmlns:w15="http://schemas.microsoft.com/office/word/2012/wordml" xmlns:wpg="http://schemas.microsoft.com/office/word/2010/wordprocessingGroup" xmlns:wpi="http://schemas.microsoft.com/office/word/2010/wordprocessingInk" xmlns:wne="http://schemas.microsoft.com/office/word/2006/wordml" xmlns:wps="http://schemas.microsoft.com/office/word/2010/wordprocessingShape" xmlns:cx="http://schemas.microsoft.com/office/drawing/2014/chartex" xmlns:cx1="http://schemas.microsoft.com/office/drawing/2015/9/8/chartex" xmlns:cx2="http://schemas.microsoft.com/office/drawing/2015/10/21/chartex" xmlns:cx3="http://schemas.microsoft.com/office/drawing/2016/5/9/chartex" xmlns:cx4="http://schemas.microsoft.com/office/drawing/2016/5/10/chartex" xmlns:cx5="http://schemas.microsoft.com/office/drawing/2016/5/11/chartex" xmlns:cx6="http://schemas.microsoft.com/office/drawing/2016/5/12/chartex" xmlns:cx7="http://schemas.microsoft.com/office/drawing/2016/5/13/chartex" xmlns:cx8="http://schemas.microsoft.com/office/drawing/2016/5/14/chartex" xmlns:aink="http://schemas.microsoft.com/office/drawing/2016/ink" xmlns:am3d="http://schemas.microsoft.com/office/drawing/2017/model3d" xmlns:w16cid="http://schemas.microsoft.com/office/word/2016/wordml/cid" xmlns:w16se="http://schemas.microsoft.com/office/word/2015/wordml/symex" xmlns:a14="http://schemas.microsoft.com/office/drawing/2010/main" xmlns:w="http://schemas.openxmlformats.org/wordprocessingml/2006/main" xmlns:w10="urn:schemas-microsoft-com:office:word" xmlns:v="urn:schemas-microsoft-com:vml" xmlns:o="urn:schemas-microsoft-com:office:office" xmlns:mv="urn:schemas-microsoft-com:mac:vml" xmlns:mo="http://schemas.microsoft.com/office/mac/office/2008/main" xmlns="" xmlns:arto="http://schemas.microsoft.com/office/word/2006/arto" xmlns:lc="http://schemas.openxmlformats.org/drawingml/2006/lockedCanvas">
+                <a14:hiddenFill xmlns:lc="http://schemas.openxmlformats.org/drawingml/2006/lockedCanvas" xmlns:arto="http://schemas.microsoft.com/office/word/2006/arto" xmlns="" xmlns:mo="http://schemas.microsoft.com/office/mac/office/2008/main" xmlns:mv="urn:schemas-microsoft-com:mac:vml" xmlns:o="urn:schemas-microsoft-com:office:office" xmlns:v="urn:schemas-microsoft-com:vml" xmlns:w10="urn:schemas-microsoft-com:office:word" xmlns:w="http://schemas.openxmlformats.org/wordprocessingml/2006/main" xmlns:a14="http://schemas.microsoft.com/office/drawing/2010/main" xmlns:w16se="http://schemas.microsoft.com/office/word/2015/wordml/symex" xmlns:w16cid="http://schemas.microsoft.com/office/word/2016/wordml/cid" xmlns:am3d="http://schemas.microsoft.com/office/drawing/2017/model3d" xmlns:aink="http://schemas.microsoft.com/office/drawing/2016/ink" xmlns:cx8="http://schemas.microsoft.com/office/drawing/2016/5/14/chartex" xmlns:cx7="http://schemas.microsoft.com/office/drawing/2016/5/13/chartex" xmlns:cx6="http://schemas.microsoft.com/office/drawing/2016/5/12/chartex" xmlns:cx5="http://schemas.microsoft.com/office/drawing/2016/5/11/chartex" xmlns:cx4="http://schemas.microsoft.com/office/drawing/2016/5/10/chartex" xmlns:cx3="http://schemas.microsoft.com/office/drawing/2016/5/9/chartex" xmlns:cx2="http://schemas.microsoft.com/office/drawing/2015/10/21/chartex" xmlns:cx1="http://schemas.microsoft.com/office/drawing/2015/9/8/chartex" xmlns:cx="http://schemas.microsoft.com/office/drawing/2014/chartex" xmlns:wps="http://schemas.microsoft.com/office/word/2010/wordprocessingShape" xmlns:wne="http://schemas.microsoft.com/office/word/2006/wordml" xmlns:wpi="http://schemas.microsoft.com/office/word/2010/wordprocessingInk" xmlns:wpg="http://schemas.microsoft.com/office/word/2010/wordprocessingGroup" xmlns:w15="http://schemas.microsoft.com/office/word/2012/wordml" xmlns:w14="http://schemas.microsoft.com/office/word/2010/wordml" xmlns:wp="http://schemas.openxmlformats.org/drawingml/2006/wordprocessingDrawing" xmlns:wp14="http://schemas.microsoft.com/office/word/2010/wordprocessingDrawing" xmlns:m="http://schemas.openxmlformats.org/officeDocument/2006/math" xmlns:mc="http://schemas.openxmlformats.org/markup-compatibility/2006" xmlns:wpc="http://schemas.microsoft.com/office/word/2010/wordprocessingCanvas">
                   <a:solidFill>
                     <a:srgbClr val="FFFFFF"/>
                   </a:solidFill>
                 </a14:hiddenFill>
               </a:ext>
               <a:ext uri="{91240B29-F687-4f45-9708-019B960494DF}">
-                <a14:hiddenLine xmlns:wpc="http://schemas.microsoft.com/office/word/2010/wordprocessingCanvas" xmlns:mc="http://schemas.openxmlformats.org/markup-compatibility/2006" xmlns:m="http://schemas.openxmlformats.org/officeDocument/2006/math" xmlns:wp14="http://schemas.microsoft.com/office/word/2010/wordprocessingDrawing" xmlns:wp="http://schemas.openxmlformats.org/drawingml/2006/wordprocessingDrawing" xmlns:w14="http://schemas.microsoft.com/office/word/2010/wordml" xmlns:w15="http://schemas.microsoft.com/office/word/2012/wordml" xmlns:wpg="http://schemas.microsoft.com/office/word/2010/wordprocessingGroup" xmlns:wpi="http://schemas.microsoft.com/office/word/2010/wordprocessingInk" xmlns:wne="http://schemas.microsoft.com/office/word/2006/wordml" xmlns:wps="http://schemas.microsoft.com/office/word/2010/wordprocessingShape" xmlns:cx="http://schemas.microsoft.com/office/drawing/2014/chartex" xmlns:cx1="http://schemas.microsoft.com/office/drawing/2015/9/8/chartex" xmlns:cx2="http://schemas.microsoft.com/office/drawing/2015/10/21/chartex" xmlns:cx3="http://schemas.microsoft.com/office/drawing/2016/5/9/chartex" xmlns:cx4="http://schemas.microsoft.com/office/drawing/2016/5/10/chartex" xmlns:cx5="http://schemas.microsoft.com/office/drawing/2016/5/11/chartex" xmlns:cx6="http://schemas.microsoft.com/office/drawing/2016/5/12/chartex" xmlns:cx7="http://schemas.microsoft.com/office/drawing/2016/5/13/chartex" xmlns:cx8="http://schemas.microsoft.com/office/drawing/2016/5/14/chartex" xmlns:aink="http://schemas.microsoft.com/office/drawing/2016/ink" xmlns:am3d="http://schemas.microsoft.com/office/drawing/2017/model3d" xmlns:w16cid="http://schemas.microsoft.com/office/word/2016/wordml/cid" xmlns:w16se="http://schemas.microsoft.com/office/word/2015/wordml/symex" xmlns:a14="http://schemas.microsoft.com/office/drawing/2010/main" xmlns:w="http://schemas.openxmlformats.org/wordprocessingml/2006/main" xmlns:w10="urn:schemas-microsoft-com:office:word" xmlns:v="urn:schemas-microsoft-com:vml" xmlns:o="urn:schemas-microsoft-com:office:office" xmlns:mv="urn:schemas-microsoft-com:mac:vml" xmlns:mo="http://schemas.microsoft.com/office/mac/office/2008/main" xmlns="" xmlns:arto="http://schemas.microsoft.com/office/word/2006/arto" xmlns:lc="http://schemas.openxmlformats.org/drawingml/2006/lockedCanvas" w="3175">
+                <a14:hiddenLine xmlns:lc="http://schemas.openxmlformats.org/drawingml/2006/lockedCanvas" xmlns:arto="http://schemas.microsoft.com/office/word/2006/arto" xmlns="" xmlns:mo="http://schemas.microsoft.com/office/mac/office/2008/main" xmlns:mv="urn:schemas-microsoft-com:mac:vml" xmlns:o="urn:schemas-microsoft-com:office:office" xmlns:v="urn:schemas-microsoft-com:vml" xmlns:w10="urn:schemas-microsoft-com:office:word" xmlns:w="http://schemas.openxmlformats.org/wordprocessingml/2006/main" xmlns:a14="http://schemas.microsoft.com/office/drawing/2010/main" xmlns:w16se="http://schemas.microsoft.com/office/word/2015/wordml/symex" xmlns:w16cid="http://schemas.microsoft.com/office/word/2016/wordml/cid" xmlns:am3d="http://schemas.microsoft.com/office/drawing/2017/model3d" xmlns:aink="http://schemas.microsoft.com/office/drawing/2016/ink" xmlns:cx8="http://schemas.microsoft.com/office/drawing/2016/5/14/chartex" xmlns:cx7="http://schemas.microsoft.com/office/drawing/2016/5/13/chartex" xmlns:cx6="http://schemas.microsoft.com/office/drawing/2016/5/12/chartex" xmlns:cx5="http://schemas.microsoft.com/office/drawing/2016/5/11/chartex" xmlns:cx4="http://schemas.microsoft.com/office/drawing/2016/5/10/chartex" xmlns:cx3="http://schemas.microsoft.com/office/drawing/2016/5/9/chartex" xmlns:cx2="http://schemas.microsoft.com/office/drawing/2015/10/21/chartex" xmlns:cx1="http://schemas.microsoft.com/office/drawing/2015/9/8/chartex" xmlns:cx="http://schemas.microsoft.com/office/drawing/2014/chartex" xmlns:wps="http://schemas.microsoft.com/office/word/2010/wordprocessingShape" xmlns:wne="http://schemas.microsoft.com/office/word/2006/wordml" xmlns:wpi="http://schemas.microsoft.com/office/word/2010/wordprocessingInk" xmlns:wpg="http://schemas.microsoft.com/office/word/2010/wordprocessingGroup" xmlns:w15="http://schemas.microsoft.com/office/word/2012/wordml" xmlns:w14="http://schemas.microsoft.com/office/word/2010/wordml" xmlns:wp="http://schemas.openxmlformats.org/drawingml/2006/wordprocessingDrawing" xmlns:wp14="http://schemas.microsoft.com/office/word/2010/wordprocessingDrawing" xmlns:m="http://schemas.openxmlformats.org/officeDocument/2006/math" xmlns:mc="http://schemas.openxmlformats.org/markup-compatibility/2006" xmlns:wpc="http://schemas.microsoft.com/office/word/2010/wordprocessingCanvas" w="3175">
                   <a:solidFill>
                     <a:srgbClr val="000000"/>
                   </a:solidFill>
@@ -4651,17 +4169,13 @@
             </a:bodyPr>
             <a:lstStyle/>
             <a:p>
-              <a:pPr marL="0" marR="0">
+              <a:pPr>
                 <a:spcBef>
                   <a:spcPts val="600"/>
                 </a:spcBef>
-                <a:spcAft>
-                  <a:spcPts val="0"/>
-                </a:spcAft>
               </a:pPr>
               <a:r>
                 <a:rPr lang="en-US" sz="1000">
-                  <a:effectLst/>
                   <a:latin typeface="Times New Roman" panose="02020603050405020304" pitchFamily="18" charset="0"/>
                   <a:ea typeface="Times New Roman" panose="02020603050405020304" pitchFamily="18" charset="0"/>
                   <a:sym typeface="Wingdings" panose="05000000000000000000" pitchFamily="2" charset="2"/>
@@ -4669,7 +4183,6 @@
                 <a:t></a:t>
               </a:r>
               <a:endParaRPr lang="en-US" sz="1200">
-                <a:effectLst/>
                 <a:latin typeface="Times New Roman" panose="02020603050405020304" pitchFamily="18" charset="0"/>
                 <a:ea typeface="Times New Roman" panose="02020603050405020304" pitchFamily="18" charset="0"/>
               </a:endParaRPr>
@@ -4704,14 +4217,14 @@
             </a:ln>
             <a:extLst>
               <a:ext uri="{909E8E84-426E-40dd-AFC4-6F175D3DCCD1}">
-                <a14:hiddenFill xmlns:wpc="http://schemas.microsoft.com/office/word/2010/wordprocessingCanvas" xmlns:mc="http://schemas.openxmlformats.org/markup-compatibility/2006" xmlns:m="http://schemas.openxmlformats.org/officeDocument/2006/math" xmlns:wp14="http://schemas.microsoft.com/office/word/2010/wordprocessingDrawing" xmlns:wp="http://schemas.openxmlformats.org/drawingml/2006/wordprocessingDrawing" xmlns:w14="http://schemas.microsoft.com/office/word/2010/wordml" xmlns:w15="http://schemas.microsoft.com/office/word/2012/wordml" xmlns:wpg="http://schemas.microsoft.com/office/word/2010/wordprocessingGroup" xmlns:wpi="http://schemas.microsoft.com/office/word/2010/wordprocessingInk" xmlns:wne="http://schemas.microsoft.com/office/word/2006/wordml" xmlns:wps="http://schemas.microsoft.com/office/word/2010/wordprocessingShape" xmlns:cx="http://schemas.microsoft.com/office/drawing/2014/chartex" xmlns:cx1="http://schemas.microsoft.com/office/drawing/2015/9/8/chartex" xmlns:cx2="http://schemas.microsoft.com/office/drawing/2015/10/21/chartex" xmlns:cx3="http://schemas.microsoft.com/office/drawing/2016/5/9/chartex" xmlns:cx4="http://schemas.microsoft.com/office/drawing/2016/5/10/chartex" xmlns:cx5="http://schemas.microsoft.com/office/drawing/2016/5/11/chartex" xmlns:cx6="http://schemas.microsoft.com/office/drawing/2016/5/12/chartex" xmlns:cx7="http://schemas.microsoft.com/office/drawing/2016/5/13/chartex" xmlns:cx8="http://schemas.microsoft.com/office/drawing/2016/5/14/chartex" xmlns:aink="http://schemas.microsoft.com/office/drawing/2016/ink" xmlns:am3d="http://schemas.microsoft.com/office/drawing/2017/model3d" xmlns:w16cid="http://schemas.microsoft.com/office/word/2016/wordml/cid" xmlns:w16se="http://schemas.microsoft.com/office/word/2015/wordml/symex" xmlns:a14="http://schemas.microsoft.com/office/drawing/2010/main" xmlns:w="http://schemas.openxmlformats.org/wordprocessingml/2006/main" xmlns:w10="urn:schemas-microsoft-com:office:word" xmlns:v="urn:schemas-microsoft-com:vml" xmlns:o="urn:schemas-microsoft-com:office:office" xmlns:mv="urn:schemas-microsoft-com:mac:vml" xmlns:mo="http://schemas.microsoft.com/office/mac/office/2008/main" xmlns="" xmlns:arto="http://schemas.microsoft.com/office/word/2006/arto" xmlns:lc="http://schemas.openxmlformats.org/drawingml/2006/lockedCanvas">
+                <a14:hiddenFill xmlns:lc="http://schemas.openxmlformats.org/drawingml/2006/lockedCanvas" xmlns:arto="http://schemas.microsoft.com/office/word/2006/arto" xmlns="" xmlns:mo="http://schemas.microsoft.com/office/mac/office/2008/main" xmlns:mv="urn:schemas-microsoft-com:mac:vml" xmlns:o="urn:schemas-microsoft-com:office:office" xmlns:v="urn:schemas-microsoft-com:vml" xmlns:w10="urn:schemas-microsoft-com:office:word" xmlns:w="http://schemas.openxmlformats.org/wordprocessingml/2006/main" xmlns:a14="http://schemas.microsoft.com/office/drawing/2010/main" xmlns:w16se="http://schemas.microsoft.com/office/word/2015/wordml/symex" xmlns:w16cid="http://schemas.microsoft.com/office/word/2016/wordml/cid" xmlns:am3d="http://schemas.microsoft.com/office/drawing/2017/model3d" xmlns:aink="http://schemas.microsoft.com/office/drawing/2016/ink" xmlns:cx8="http://schemas.microsoft.com/office/drawing/2016/5/14/chartex" xmlns:cx7="http://schemas.microsoft.com/office/drawing/2016/5/13/chartex" xmlns:cx6="http://schemas.microsoft.com/office/drawing/2016/5/12/chartex" xmlns:cx5="http://schemas.microsoft.com/office/drawing/2016/5/11/chartex" xmlns:cx4="http://schemas.microsoft.com/office/drawing/2016/5/10/chartex" xmlns:cx3="http://schemas.microsoft.com/office/drawing/2016/5/9/chartex" xmlns:cx2="http://schemas.microsoft.com/office/drawing/2015/10/21/chartex" xmlns:cx1="http://schemas.microsoft.com/office/drawing/2015/9/8/chartex" xmlns:cx="http://schemas.microsoft.com/office/drawing/2014/chartex" xmlns:wps="http://schemas.microsoft.com/office/word/2010/wordprocessingShape" xmlns:wne="http://schemas.microsoft.com/office/word/2006/wordml" xmlns:wpi="http://schemas.microsoft.com/office/word/2010/wordprocessingInk" xmlns:wpg="http://schemas.microsoft.com/office/word/2010/wordprocessingGroup" xmlns:w15="http://schemas.microsoft.com/office/word/2012/wordml" xmlns:w14="http://schemas.microsoft.com/office/word/2010/wordml" xmlns:wp="http://schemas.openxmlformats.org/drawingml/2006/wordprocessingDrawing" xmlns:wp14="http://schemas.microsoft.com/office/word/2010/wordprocessingDrawing" xmlns:m="http://schemas.openxmlformats.org/officeDocument/2006/math" xmlns:mc="http://schemas.openxmlformats.org/markup-compatibility/2006" xmlns:wpc="http://schemas.microsoft.com/office/word/2010/wordprocessingCanvas">
                   <a:solidFill>
                     <a:srgbClr val="FFFFFF"/>
                   </a:solidFill>
                 </a14:hiddenFill>
               </a:ext>
               <a:ext uri="{91240B29-F687-4f45-9708-019B960494DF}">
-                <a14:hiddenLine xmlns:wpc="http://schemas.microsoft.com/office/word/2010/wordprocessingCanvas" xmlns:mc="http://schemas.openxmlformats.org/markup-compatibility/2006" xmlns:m="http://schemas.openxmlformats.org/officeDocument/2006/math" xmlns:wp14="http://schemas.microsoft.com/office/word/2010/wordprocessingDrawing" xmlns:wp="http://schemas.openxmlformats.org/drawingml/2006/wordprocessingDrawing" xmlns:w14="http://schemas.microsoft.com/office/word/2010/wordml" xmlns:w15="http://schemas.microsoft.com/office/word/2012/wordml" xmlns:wpg="http://schemas.microsoft.com/office/word/2010/wordprocessingGroup" xmlns:wpi="http://schemas.microsoft.com/office/word/2010/wordprocessingInk" xmlns:wne="http://schemas.microsoft.com/office/word/2006/wordml" xmlns:wps="http://schemas.microsoft.com/office/word/2010/wordprocessingShape" xmlns:cx="http://schemas.microsoft.com/office/drawing/2014/chartex" xmlns:cx1="http://schemas.microsoft.com/office/drawing/2015/9/8/chartex" xmlns:cx2="http://schemas.microsoft.com/office/drawing/2015/10/21/chartex" xmlns:cx3="http://schemas.microsoft.com/office/drawing/2016/5/9/chartex" xmlns:cx4="http://schemas.microsoft.com/office/drawing/2016/5/10/chartex" xmlns:cx5="http://schemas.microsoft.com/office/drawing/2016/5/11/chartex" xmlns:cx6="http://schemas.microsoft.com/office/drawing/2016/5/12/chartex" xmlns:cx7="http://schemas.microsoft.com/office/drawing/2016/5/13/chartex" xmlns:cx8="http://schemas.microsoft.com/office/drawing/2016/5/14/chartex" xmlns:aink="http://schemas.microsoft.com/office/drawing/2016/ink" xmlns:am3d="http://schemas.microsoft.com/office/drawing/2017/model3d" xmlns:w16cid="http://schemas.microsoft.com/office/word/2016/wordml/cid" xmlns:w16se="http://schemas.microsoft.com/office/word/2015/wordml/symex" xmlns:a14="http://schemas.microsoft.com/office/drawing/2010/main" xmlns:w="http://schemas.openxmlformats.org/wordprocessingml/2006/main" xmlns:w10="urn:schemas-microsoft-com:office:word" xmlns:v="urn:schemas-microsoft-com:vml" xmlns:o="urn:schemas-microsoft-com:office:office" xmlns:mv="urn:schemas-microsoft-com:mac:vml" xmlns:mo="http://schemas.microsoft.com/office/mac/office/2008/main" xmlns="" xmlns:arto="http://schemas.microsoft.com/office/word/2006/arto" xmlns:lc="http://schemas.openxmlformats.org/drawingml/2006/lockedCanvas" w="3175">
+                <a14:hiddenLine xmlns:lc="http://schemas.openxmlformats.org/drawingml/2006/lockedCanvas" xmlns:arto="http://schemas.microsoft.com/office/word/2006/arto" xmlns="" xmlns:mo="http://schemas.microsoft.com/office/mac/office/2008/main" xmlns:mv="urn:schemas-microsoft-com:mac:vml" xmlns:o="urn:schemas-microsoft-com:office:office" xmlns:v="urn:schemas-microsoft-com:vml" xmlns:w10="urn:schemas-microsoft-com:office:word" xmlns:w="http://schemas.openxmlformats.org/wordprocessingml/2006/main" xmlns:a14="http://schemas.microsoft.com/office/drawing/2010/main" xmlns:w16se="http://schemas.microsoft.com/office/word/2015/wordml/symex" xmlns:w16cid="http://schemas.microsoft.com/office/word/2016/wordml/cid" xmlns:am3d="http://schemas.microsoft.com/office/drawing/2017/model3d" xmlns:aink="http://schemas.microsoft.com/office/drawing/2016/ink" xmlns:cx8="http://schemas.microsoft.com/office/drawing/2016/5/14/chartex" xmlns:cx7="http://schemas.microsoft.com/office/drawing/2016/5/13/chartex" xmlns:cx6="http://schemas.microsoft.com/office/drawing/2016/5/12/chartex" xmlns:cx5="http://schemas.microsoft.com/office/drawing/2016/5/11/chartex" xmlns:cx4="http://schemas.microsoft.com/office/drawing/2016/5/10/chartex" xmlns:cx3="http://schemas.microsoft.com/office/drawing/2016/5/9/chartex" xmlns:cx2="http://schemas.microsoft.com/office/drawing/2015/10/21/chartex" xmlns:cx1="http://schemas.microsoft.com/office/drawing/2015/9/8/chartex" xmlns:cx="http://schemas.microsoft.com/office/drawing/2014/chartex" xmlns:wps="http://schemas.microsoft.com/office/word/2010/wordprocessingShape" xmlns:wne="http://schemas.microsoft.com/office/word/2006/wordml" xmlns:wpi="http://schemas.microsoft.com/office/word/2010/wordprocessingInk" xmlns:wpg="http://schemas.microsoft.com/office/word/2010/wordprocessingGroup" xmlns:w15="http://schemas.microsoft.com/office/word/2012/wordml" xmlns:w14="http://schemas.microsoft.com/office/word/2010/wordml" xmlns:wp="http://schemas.openxmlformats.org/drawingml/2006/wordprocessingDrawing" xmlns:wp14="http://schemas.microsoft.com/office/word/2010/wordprocessingDrawing" xmlns:m="http://schemas.openxmlformats.org/officeDocument/2006/math" xmlns:mc="http://schemas.openxmlformats.org/markup-compatibility/2006" xmlns:wpc="http://schemas.microsoft.com/office/word/2010/wordprocessingCanvas" w="3175">
                   <a:solidFill>
                     <a:srgbClr val="000000"/>
                   </a:solidFill>
@@ -4728,17 +4241,13 @@
             </a:bodyPr>
             <a:lstStyle/>
             <a:p>
-              <a:pPr marL="0" marR="0">
+              <a:pPr>
                 <a:spcBef>
                   <a:spcPts val="600"/>
                 </a:spcBef>
-                <a:spcAft>
-                  <a:spcPts val="0"/>
-                </a:spcAft>
               </a:pPr>
               <a:r>
                 <a:rPr lang="en-US" sz="1000">
-                  <a:effectLst/>
                   <a:latin typeface="Times New Roman" panose="02020603050405020304" pitchFamily="18" charset="0"/>
                   <a:ea typeface="Times New Roman" panose="02020603050405020304" pitchFamily="18" charset="0"/>
                   <a:sym typeface="Wingdings" panose="05000000000000000000" pitchFamily="2" charset="2"/>
@@ -4746,7 +4255,6 @@
                 <a:t></a:t>
               </a:r>
               <a:endParaRPr lang="en-US" sz="1200">
-                <a:effectLst/>
                 <a:latin typeface="Times New Roman" panose="02020603050405020304" pitchFamily="18" charset="0"/>
                 <a:ea typeface="Times New Roman" panose="02020603050405020304" pitchFamily="18" charset="0"/>
               </a:endParaRPr>
@@ -4799,27 +4307,18 @@
             </a:bodyPr>
             <a:lstStyle/>
             <a:p>
-              <a:pPr marL="0" marR="0" algn="ctr">
-                <a:spcBef>
-                  <a:spcPts val="0"/>
-                </a:spcBef>
-                <a:spcAft>
-                  <a:spcPts val="0"/>
-                </a:spcAft>
-              </a:pPr>
+              <a:pPr algn="ctr"/>
               <a:r>
                 <a:rPr lang="en-US" sz="1100" b="1">
                   <a:solidFill>
                     <a:srgbClr val="0D0D0D"/>
                   </a:solidFill>
-                  <a:effectLst/>
                   <a:latin typeface="Times New Roman" panose="02020603050405020304" pitchFamily="18" charset="0"/>
                   <a:ea typeface="Times New Roman" panose="02020603050405020304" pitchFamily="18" charset="0"/>
                 </a:rPr>
                 <a:t>Data Element Extractor</a:t>
               </a:r>
               <a:endParaRPr lang="en-US" sz="1200">
-                <a:effectLst/>
                 <a:latin typeface="Times New Roman" panose="02020603050405020304" pitchFamily="18" charset="0"/>
                 <a:ea typeface="Times New Roman" panose="02020603050405020304" pitchFamily="18" charset="0"/>
               </a:endParaRPr>
@@ -4843,7 +4342,7 @@
 <file path=ppt/theme/theme1.xml><?xml version="1.0" encoding="utf-8"?>
 <a:theme xmlns:a="http://schemas.openxmlformats.org/drawingml/2006/main" name="Office Theme">
   <a:themeElements>
-    <a:clrScheme name="Office">
+    <a:clrScheme name="Office Theme">
       <a:dk1>
         <a:sysClr val="windowText" lastClr="000000"/>
       </a:dk1>
@@ -4881,7 +4380,7 @@
         <a:srgbClr val="954F72"/>
       </a:folHlink>
     </a:clrScheme>
-    <a:fontScheme name="Office">
+    <a:fontScheme name="Office Theme">
       <a:majorFont>
         <a:latin typeface="Calibri Light" panose="020F0302020204030204"/>
         <a:ea typeface=""/>
@@ -4916,23 +4415,6 @@
         <a:font script="Viet" typeface="Times New Roman"/>
         <a:font script="Uigh" typeface="Microsoft Uighur"/>
         <a:font script="Geor" typeface="Sylfaen"/>
-        <a:font script="Armn" typeface="Arial"/>
-        <a:font script="Bugi" typeface="Leelawadee UI"/>
-        <a:font script="Bopo" typeface="Microsoft JhengHei"/>
-        <a:font script="Java" typeface="Javanese Text"/>
-        <a:font script="Lisu" typeface="Segoe UI"/>
-        <a:font script="Mymr" typeface="Myanmar Text"/>
-        <a:font script="Nkoo" typeface="Ebrima"/>
-        <a:font script="Olck" typeface="Nirmala UI"/>
-        <a:font script="Osma" typeface="Ebrima"/>
-        <a:font script="Phag" typeface="Phagspa"/>
-        <a:font script="Syrn" typeface="Estrangelo Edessa"/>
-        <a:font script="Syrj" typeface="Estrangelo Edessa"/>
-        <a:font script="Syre" typeface="Estrangelo Edessa"/>
-        <a:font script="Sora" typeface="Nirmala UI"/>
-        <a:font script="Tale" typeface="Microsoft Tai Le"/>
-        <a:font script="Talu" typeface="Microsoft New Tai Lue"/>
-        <a:font script="Tfng" typeface="Ebrima"/>
       </a:majorFont>
       <a:minorFont>
         <a:latin typeface="Calibri" panose="020F0502020204030204"/>
@@ -4968,26 +4450,9 @@
         <a:font script="Viet" typeface="Arial"/>
         <a:font script="Uigh" typeface="Microsoft Uighur"/>
         <a:font script="Geor" typeface="Sylfaen"/>
-        <a:font script="Armn" typeface="Arial"/>
-        <a:font script="Bugi" typeface="Leelawadee UI"/>
-        <a:font script="Bopo" typeface="Microsoft JhengHei"/>
-        <a:font script="Java" typeface="Javanese Text"/>
-        <a:font script="Lisu" typeface="Segoe UI"/>
-        <a:font script="Mymr" typeface="Myanmar Text"/>
-        <a:font script="Nkoo" typeface="Ebrima"/>
-        <a:font script="Olck" typeface="Nirmala UI"/>
-        <a:font script="Osma" typeface="Ebrima"/>
-        <a:font script="Phag" typeface="Phagspa"/>
-        <a:font script="Syrn" typeface="Estrangelo Edessa"/>
-        <a:font script="Syrj" typeface="Estrangelo Edessa"/>
-        <a:font script="Syre" typeface="Estrangelo Edessa"/>
-        <a:font script="Sora" typeface="Nirmala UI"/>
-        <a:font script="Tale" typeface="Microsoft Tai Le"/>
-        <a:font script="Talu" typeface="Microsoft New Tai Lue"/>
-        <a:font script="Tfng" typeface="Ebrima"/>
       </a:minorFont>
     </a:fontScheme>
-    <a:fmtScheme name="Office">
+    <a:fmtScheme name="Office Theme">
       <a:fillStyleLst>
         <a:solidFill>
           <a:schemeClr val="phClr"/>
